--- a/QS_Training_AngularJS_Yeoman, Grunt, Gulp - SonVQ.pptx
+++ b/QS_Training_AngularJS_Yeoman, Grunt, Gulp - SonVQ.pptx
@@ -5,15 +5,16 @@
     <p:sldMasterId id="2147485495" r:id="rId1"/>
   </p:sldMasterIdLst>
   <p:notesMasterIdLst>
-    <p:notesMasterId r:id="rId5"/>
+    <p:notesMasterId r:id="rId6"/>
   </p:notesMasterIdLst>
   <p:handoutMasterIdLst>
-    <p:handoutMasterId r:id="rId6"/>
+    <p:handoutMasterId r:id="rId7"/>
   </p:handoutMasterIdLst>
   <p:sldIdLst>
     <p:sldId id="256" r:id="rId2"/>
-    <p:sldId id="393" r:id="rId3"/>
-    <p:sldId id="333" r:id="rId4"/>
+    <p:sldId id="394" r:id="rId3"/>
+    <p:sldId id="393" r:id="rId4"/>
+    <p:sldId id="333" r:id="rId5"/>
   </p:sldIdLst>
   <p:sldSz cx="9144000" cy="6858000" type="screen4x3"/>
   <p:notesSz cx="6858000" cy="9144000"/>
@@ -114,7 +115,7 @@
   </p:defaultTextStyle>
   <p:extLst>
     <p:ext uri="{EFAFB233-063F-42B5-8137-9DF3F51BA10A}">
-      <p15:sldGuideLst xmlns="" xmlns:p15="http://schemas.microsoft.com/office/powerpoint/2012/main">
+      <p15:sldGuideLst xmlns:p15="http://schemas.microsoft.com/office/powerpoint/2012/main" xmlns="">
         <p15:guide id="1" orient="horz" pos="2160">
           <p15:clr>
             <a:srgbClr val="A4A3A4"/>
@@ -214,7 +215,7 @@
             <a:fld id="{AEC239D8-9946-CA43-8D24-8F75F9EC746F}" type="datetimeFigureOut">
               <a:rPr lang="en-US" smtClean="0"/>
               <a:pPr/>
-              <a:t>5/18/2016</a:t>
+              <a:t>5/20/2016</a:t>
             </a:fld>
             <a:endParaRPr lang="en-US"/>
           </a:p>
@@ -290,7 +291,7 @@
     </p:spTree>
     <p:extLst>
       <p:ext uri="{BB962C8B-B14F-4D97-AF65-F5344CB8AC3E}">
-        <p14:creationId xmlns="" xmlns:p14="http://schemas.microsoft.com/office/powerpoint/2010/main" val="3557071831"/>
+        <p14:creationId xmlns:p14="http://schemas.microsoft.com/office/powerpoint/2010/main" xmlns="" val="3557071831"/>
       </p:ext>
     </p:extLst>
   </p:cSld>
@@ -382,7 +383,7 @@
             <a:fld id="{30D3C4F2-547F-4EAC-A4FB-1991884D518B}" type="datetimeFigureOut">
               <a:rPr lang="en-US" smtClean="0"/>
               <a:pPr/>
-              <a:t>5/18/2016</a:t>
+              <a:t>5/20/2016</a:t>
             </a:fld>
             <a:endParaRPr lang="en-US"/>
           </a:p>
@@ -553,7 +554,7 @@
     </p:spTree>
     <p:extLst>
       <p:ext uri="{BB962C8B-B14F-4D97-AF65-F5344CB8AC3E}">
-        <p14:creationId xmlns="" xmlns:p14="http://schemas.microsoft.com/office/powerpoint/2010/main" val="967518016"/>
+        <p14:creationId xmlns:p14="http://schemas.microsoft.com/office/powerpoint/2010/main" xmlns="" val="967518016"/>
       </p:ext>
     </p:extLst>
   </p:cSld>
@@ -729,7 +730,7 @@
     </p:spTree>
     <p:extLst>
       <p:ext uri="{BB962C8B-B14F-4D97-AF65-F5344CB8AC3E}">
-        <p14:creationId xmlns="" xmlns:p14="http://schemas.microsoft.com/office/powerpoint/2010/main" val="1083453538"/>
+        <p14:creationId xmlns:p14="http://schemas.microsoft.com/office/powerpoint/2010/main" xmlns="" val="1083453538"/>
       </p:ext>
     </p:extLst>
   </p:cSld>
@@ -925,7 +926,7 @@
             <a:fld id="{8695E4D3-92F1-F74E-BDA8-3EA24612ADAC}" type="datetime2">
               <a:rPr lang="en-US" smtClean="0"/>
               <a:pPr/>
-              <a:t>Wednesday, May 18, 2016</a:t>
+              <a:t>Friday, May 20, 2016</a:t>
             </a:fld>
             <a:endParaRPr lang="en-US"/>
           </a:p>
@@ -992,7 +993,7 @@
     <a:masterClrMapping/>
   </p:clrMapOvr>
   <mc:AlternateContent xmlns:mc="http://schemas.openxmlformats.org/markup-compatibility/2006">
-    <mc:Choice xmlns="" xmlns:p14="http://schemas.microsoft.com/office/powerpoint/2010/main" Requires="p14">
+    <mc:Choice xmlns:p14="http://schemas.microsoft.com/office/powerpoint/2010/main" xmlns="" Requires="p14">
       <p:transition p14:dur="100">
         <p:cut/>
       </p:transition>
@@ -1120,7 +1121,7 @@
             <a:fld id="{9358C7B7-FC72-9D41-BEE1-BB86D4F232B4}" type="datetime2">
               <a:rPr lang="en-US" smtClean="0"/>
               <a:pPr/>
-              <a:t>Wednesday, May 18, 2016</a:t>
+              <a:t>Friday, May 20, 2016</a:t>
             </a:fld>
             <a:endParaRPr lang="en-US"/>
           </a:p>
@@ -1187,7 +1188,7 @@
     <a:masterClrMapping/>
   </p:clrMapOvr>
   <mc:AlternateContent xmlns:mc="http://schemas.openxmlformats.org/markup-compatibility/2006">
-    <mc:Choice xmlns="" xmlns:p14="http://schemas.microsoft.com/office/powerpoint/2010/main" Requires="p14">
+    <mc:Choice xmlns:p14="http://schemas.microsoft.com/office/powerpoint/2010/main" xmlns="" Requires="p14">
       <p:transition p14:dur="100">
         <p:cut/>
       </p:transition>
@@ -1325,7 +1326,7 @@
             <a:fld id="{556E821B-96E8-764D-BF74-9827494534E4}" type="datetime2">
               <a:rPr lang="en-US" smtClean="0"/>
               <a:pPr/>
-              <a:t>Wednesday, May 18, 2016</a:t>
+              <a:t>Friday, May 20, 2016</a:t>
             </a:fld>
             <a:endParaRPr lang="en-US"/>
           </a:p>
@@ -1392,7 +1393,7 @@
     <a:masterClrMapping/>
   </p:clrMapOvr>
   <mc:AlternateContent xmlns:mc="http://schemas.openxmlformats.org/markup-compatibility/2006">
-    <mc:Choice xmlns="" xmlns:p14="http://schemas.microsoft.com/office/powerpoint/2010/main" Requires="p14">
+    <mc:Choice xmlns:p14="http://schemas.microsoft.com/office/powerpoint/2010/main" xmlns="" Requires="p14">
       <p:transition p14:dur="100">
         <p:cut/>
       </p:transition>
@@ -1530,7 +1531,7 @@
             <a:fld id="{D8D89BD2-8F64-7D49-B0EC-A10964D418B9}" type="datetime2">
               <a:rPr lang="en-US" smtClean="0"/>
               <a:pPr/>
-              <a:t>Wednesday, May 18, 2016</a:t>
+              <a:t>Friday, May 20, 2016</a:t>
             </a:fld>
             <a:endParaRPr lang="en-US"/>
           </a:p>
@@ -1597,7 +1598,7 @@
     <a:masterClrMapping/>
   </p:clrMapOvr>
   <mc:AlternateContent xmlns:mc="http://schemas.openxmlformats.org/markup-compatibility/2006">
-    <mc:Choice xmlns="" xmlns:p14="http://schemas.microsoft.com/office/powerpoint/2010/main" Requires="p14">
+    <mc:Choice xmlns:p14="http://schemas.microsoft.com/office/powerpoint/2010/main" xmlns="" Requires="p14">
       <p:transition p14:dur="100">
         <p:cut/>
       </p:transition>
@@ -1801,7 +1802,7 @@
             <a:fld id="{5166F277-A6C8-D74E-AD9A-DEDC5E2BD837}" type="datetime2">
               <a:rPr lang="en-US" smtClean="0"/>
               <a:pPr/>
-              <a:t>Wednesday, May 18, 2016</a:t>
+              <a:t>Friday, May 20, 2016</a:t>
             </a:fld>
             <a:endParaRPr lang="en-US"/>
           </a:p>
@@ -1868,7 +1869,7 @@
     <a:masterClrMapping/>
   </p:clrMapOvr>
   <mc:AlternateContent xmlns:mc="http://schemas.openxmlformats.org/markup-compatibility/2006">
-    <mc:Choice xmlns="" xmlns:p14="http://schemas.microsoft.com/office/powerpoint/2010/main" Requires="p14">
+    <mc:Choice xmlns:p14="http://schemas.microsoft.com/office/powerpoint/2010/main" xmlns="" Requires="p14">
       <p:transition p14:dur="100">
         <p:cut/>
       </p:transition>
@@ -2119,7 +2120,7 @@
             <a:fld id="{68B6B04E-5C92-7445-BA45-A4E3769C0C5A}" type="datetime2">
               <a:rPr lang="en-US" smtClean="0"/>
               <a:pPr/>
-              <a:t>Wednesday, May 18, 2016</a:t>
+              <a:t>Friday, May 20, 2016</a:t>
             </a:fld>
             <a:endParaRPr lang="en-US"/>
           </a:p>
@@ -2186,7 +2187,7 @@
     <a:masterClrMapping/>
   </p:clrMapOvr>
   <mc:AlternateContent xmlns:mc="http://schemas.openxmlformats.org/markup-compatibility/2006">
-    <mc:Choice xmlns="" xmlns:p14="http://schemas.microsoft.com/office/powerpoint/2010/main" Requires="p14">
+    <mc:Choice xmlns:p14="http://schemas.microsoft.com/office/powerpoint/2010/main" xmlns="" Requires="p14">
       <p:transition p14:dur="100">
         <p:cut/>
       </p:transition>
@@ -2571,7 +2572,7 @@
             <a:fld id="{A48670BD-E6C9-264B-B690-760DD144ACC6}" type="datetime2">
               <a:rPr lang="en-US" smtClean="0"/>
               <a:pPr/>
-              <a:t>Wednesday, May 18, 2016</a:t>
+              <a:t>Friday, May 20, 2016</a:t>
             </a:fld>
             <a:endParaRPr lang="en-US"/>
           </a:p>
@@ -2638,7 +2639,7 @@
     <a:masterClrMapping/>
   </p:clrMapOvr>
   <mc:AlternateContent xmlns:mc="http://schemas.openxmlformats.org/markup-compatibility/2006">
-    <mc:Choice xmlns="" xmlns:p14="http://schemas.microsoft.com/office/powerpoint/2010/main" Requires="p14">
+    <mc:Choice xmlns:p14="http://schemas.microsoft.com/office/powerpoint/2010/main" xmlns="" Requires="p14">
       <p:transition p14:dur="100">
         <p:cut/>
       </p:transition>
@@ -2719,7 +2720,7 @@
             <a:fld id="{30675A36-41C1-3640-8C6B-1BC6AFC60484}" type="datetime2">
               <a:rPr lang="en-US" smtClean="0"/>
               <a:pPr/>
-              <a:t>Wednesday, May 18, 2016</a:t>
+              <a:t>Friday, May 20, 2016</a:t>
             </a:fld>
             <a:endParaRPr lang="en-US"/>
           </a:p>
@@ -2786,7 +2787,7 @@
     <a:masterClrMapping/>
   </p:clrMapOvr>
   <mc:AlternateContent xmlns:mc="http://schemas.openxmlformats.org/markup-compatibility/2006">
-    <mc:Choice xmlns="" xmlns:p14="http://schemas.microsoft.com/office/powerpoint/2010/main" Requires="p14">
+    <mc:Choice xmlns:p14="http://schemas.microsoft.com/office/powerpoint/2010/main" xmlns="" Requires="p14">
       <p:transition p14:dur="100">
         <p:cut/>
       </p:transition>
@@ -2839,7 +2840,7 @@
             <a:fld id="{937F365B-D897-1947-952A-6C45D93ACDC1}" type="datetime2">
               <a:rPr lang="en-US" smtClean="0"/>
               <a:pPr/>
-              <a:t>Wednesday, May 18, 2016</a:t>
+              <a:t>Friday, May 20, 2016</a:t>
             </a:fld>
             <a:endParaRPr lang="en-US"/>
           </a:p>
@@ -2906,7 +2907,7 @@
     <a:masterClrMapping/>
   </p:clrMapOvr>
   <mc:AlternateContent xmlns:mc="http://schemas.openxmlformats.org/markup-compatibility/2006">
-    <mc:Choice xmlns="" xmlns:p14="http://schemas.microsoft.com/office/powerpoint/2010/main" Requires="p14">
+    <mc:Choice xmlns:p14="http://schemas.microsoft.com/office/powerpoint/2010/main" xmlns="" Requires="p14">
       <p:transition p14:dur="100">
         <p:cut/>
       </p:transition>
@@ -3141,7 +3142,7 @@
             <a:fld id="{2BEF7792-C4C4-FC44-A7F5-725EC2CD30B1}" type="datetime2">
               <a:rPr lang="en-US" smtClean="0"/>
               <a:pPr/>
-              <a:t>Wednesday, May 18, 2016</a:t>
+              <a:t>Friday, May 20, 2016</a:t>
             </a:fld>
             <a:endParaRPr lang="en-US"/>
           </a:p>
@@ -3208,7 +3209,7 @@
     <a:masterClrMapping/>
   </p:clrMapOvr>
   <mc:AlternateContent xmlns:mc="http://schemas.openxmlformats.org/markup-compatibility/2006">
-    <mc:Choice xmlns="" xmlns:p14="http://schemas.microsoft.com/office/powerpoint/2010/main" Requires="p14">
+    <mc:Choice xmlns:p14="http://schemas.microsoft.com/office/powerpoint/2010/main" xmlns="" Requires="p14">
       <p:transition p14:dur="100">
         <p:cut/>
       </p:transition>
@@ -3426,7 +3427,7 @@
             <a:fld id="{EC13829E-7EE3-3944-BE84-808F00A9FAF3}" type="datetime2">
               <a:rPr lang="en-US" smtClean="0"/>
               <a:pPr/>
-              <a:t>Wednesday, May 18, 2016</a:t>
+              <a:t>Friday, May 20, 2016</a:t>
             </a:fld>
             <a:endParaRPr lang="en-US"/>
           </a:p>
@@ -3493,7 +3494,7 @@
     <a:masterClrMapping/>
   </p:clrMapOvr>
   <mc:AlternateContent xmlns:mc="http://schemas.openxmlformats.org/markup-compatibility/2006">
-    <mc:Choice xmlns="" xmlns:p14="http://schemas.microsoft.com/office/powerpoint/2010/main" Requires="p14">
+    <mc:Choice xmlns:p14="http://schemas.microsoft.com/office/powerpoint/2010/main" xmlns="" Requires="p14">
       <p:transition p14:dur="100">
         <p:cut/>
       </p:transition>
@@ -3692,7 +3693,7 @@
             <a:fld id="{92714F1E-B45D-F141-BCEC-0A4A490D9DB7}" type="datetime2">
               <a:rPr lang="en-US" smtClean="0"/>
               <a:pPr/>
-              <a:t>Wednesday, May 18, 2016</a:t>
+              <a:t>Friday, May 20, 2016</a:t>
             </a:fld>
             <a:endParaRPr lang="en-US" dirty="0"/>
           </a:p>
@@ -3814,7 +3815,7 @@
     <p:sldLayoutId id="2147485506" r:id="rId11"/>
   </p:sldLayoutIdLst>
   <mc:AlternateContent xmlns:mc="http://schemas.openxmlformats.org/markup-compatibility/2006">
-    <mc:Choice xmlns="" xmlns:p14="http://schemas.microsoft.com/office/powerpoint/2010/main" Requires="p14">
+    <mc:Choice xmlns:p14="http://schemas.microsoft.com/office/powerpoint/2010/main" xmlns="" Requires="p14">
       <p:transition p14:dur="100">
         <p:cut/>
       </p:transition>
@@ -4249,8 +4250,9 @@
           <a:p>
             <a:r>
               <a:rPr lang="en-US" sz="5400" dirty="0" smtClean="0"/>
-              <a:t>Yeoman, Grunt (Gulp)</a:t>
-            </a:r>
+              <a:t>Yeoman</a:t>
+            </a:r>
+            <a:endParaRPr lang="en-US" sz="5400" dirty="0" smtClean="0"/>
           </a:p>
         </p:txBody>
       </p:sp>
@@ -4433,7 +4435,15 @@
                   <a:srgbClr val="0E5EA5"/>
                 </a:solidFill>
               </a:rPr>
-              <a:t>:</a:t>
+              <a:t>: </a:t>
+            </a:r>
+            <a:r>
+              <a:rPr lang="en-US" sz="2000" b="1" i="1" dirty="0" err="1" smtClean="0">
+                <a:solidFill>
+                  <a:srgbClr val="0E5EA5"/>
+                </a:solidFill>
+              </a:rPr>
+              <a:t>SonVQ</a:t>
             </a:r>
             <a:endParaRPr lang="en-US" sz="2000" b="1" i="1" dirty="0">
               <a:solidFill>
@@ -4453,7 +4463,7 @@
         </p:nvSpPr>
         <p:spPr bwMode="auto">
           <a:xfrm>
-            <a:off x="631366" y="1962010"/>
+            <a:off x="631366" y="1929352"/>
             <a:ext cx="7772400" cy="1470025"/>
           </a:xfrm>
           <a:prstGeom prst="rect">
@@ -4534,7 +4544,7 @@
     </p:spTree>
     <p:extLst>
       <p:ext uri="{BB962C8B-B14F-4D97-AF65-F5344CB8AC3E}">
-        <p14:creationId xmlns="" xmlns:p14="http://schemas.microsoft.com/office/powerpoint/2010/main" val="1516866467"/>
+        <p14:creationId xmlns:p14="http://schemas.microsoft.com/office/powerpoint/2010/main" xmlns="" val="1516866467"/>
       </p:ext>
     </p:extLst>
   </p:cSld>
@@ -4542,7 +4552,7 @@
     <a:overrideClrMapping bg1="lt1" tx1="dk1" bg2="lt2" tx2="dk2" accent1="accent1" accent2="accent2" accent3="accent3" accent4="accent4" accent5="accent5" accent6="accent6" hlink="hlink" folHlink="folHlink"/>
   </p:clrMapOvr>
   <mc:AlternateContent xmlns:mc="http://schemas.openxmlformats.org/markup-compatibility/2006">
-    <mc:Choice xmlns="" xmlns:p14="http://schemas.microsoft.com/office/powerpoint/2010/main" Requires="p14">
+    <mc:Choice xmlns:p14="http://schemas.microsoft.com/office/powerpoint/2010/main" xmlns="" Requires="p14">
       <p:transition p14:dur="100">
         <p:cut/>
       </p:transition>
@@ -4590,143 +4600,106 @@
             <p:ph type="title"/>
           </p:nvPr>
         </p:nvSpPr>
-        <p:spPr/>
+        <p:spPr>
+          <a:xfrm>
+            <a:off x="457199" y="664029"/>
+            <a:ext cx="8229600" cy="739014"/>
+          </a:xfrm>
+        </p:spPr>
         <p:txBody>
           <a:bodyPr/>
           <a:lstStyle/>
           <a:p>
             <a:r>
-              <a:rPr lang="en-US" smtClean="0"/>
-              <a:t>OUTLINE</a:t>
-            </a:r>
-            <a:endParaRPr lang="en-US"/>
-          </a:p>
-        </p:txBody>
-      </p:sp>
-      <p:sp>
-        <p:nvSpPr>
-          <p:cNvPr id="3" name="Content Placeholder 2"/>
-          <p:cNvSpPr>
-            <a:spLocks noGrp="1"/>
-          </p:cNvSpPr>
-          <p:nvPr>
-            <p:ph idx="1"/>
-          </p:nvPr>
-        </p:nvSpPr>
-        <p:spPr>
+              <a:rPr lang="en-US" dirty="0" smtClean="0"/>
+              <a:t>What is Yeoman</a:t>
+            </a:r>
+            <a:endParaRPr lang="en-US" dirty="0"/>
+          </a:p>
+        </p:txBody>
+      </p:sp>
+      <p:pic>
+        <p:nvPicPr>
+          <p:cNvPr id="1026" name="Picture 2" descr="C:\Users\sonvq\Desktop\illustration-home-inverted.91b07808be.png"/>
+          <p:cNvPicPr>
+            <a:picLocks noChangeAspect="1" noChangeArrowheads="1"/>
+          </p:cNvPicPr>
+          <p:nvPr/>
+        </p:nvPicPr>
+        <p:blipFill>
+          <a:blip r:embed="rId2"/>
+          <a:srcRect/>
+          <a:stretch>
+            <a:fillRect/>
+          </a:stretch>
+        </p:blipFill>
+        <p:spPr bwMode="auto">
           <a:xfrm>
-            <a:off x="457199" y="2273304"/>
-            <a:ext cx="3788229" cy="4157663"/>
-          </a:xfrm>
-        </p:spPr>
-        <p:txBody>
-          <a:bodyPr/>
-          <a:lstStyle/>
-          <a:p>
-            <a:r>
-              <a:rPr lang="en-US" sz="2800" smtClean="0"/>
-              <a:t>What is AngularJS</a:t>
-            </a:r>
-          </a:p>
-          <a:p>
-            <a:r>
-              <a:rPr lang="en-US" sz="2800" smtClean="0"/>
-              <a:t>Why use AngularJS</a:t>
-            </a:r>
-          </a:p>
-          <a:p>
-            <a:r>
-              <a:rPr lang="en-US" sz="2800" smtClean="0"/>
-              <a:t>Core Features</a:t>
-            </a:r>
-          </a:p>
-          <a:p>
-            <a:r>
-              <a:rPr lang="en-US" sz="2800" smtClean="0"/>
-              <a:t>Two-way data binding</a:t>
-            </a:r>
-          </a:p>
-          <a:p>
-            <a:r>
-              <a:rPr lang="en-US" sz="2800" smtClean="0"/>
-              <a:t>Modules</a:t>
-            </a:r>
-          </a:p>
-          <a:p>
-            <a:endParaRPr lang="en-US" sz="2800" smtClean="0"/>
-          </a:p>
-        </p:txBody>
-      </p:sp>
-      <p:sp>
-        <p:nvSpPr>
-          <p:cNvPr id="4" name="Rectangle 3"/>
-          <p:cNvSpPr/>
-          <p:nvPr/>
-        </p:nvSpPr>
-        <p:spPr>
-          <a:xfrm>
-            <a:off x="4898571" y="2229760"/>
-            <a:ext cx="4572000" cy="2554545"/>
+            <a:off x="4662196" y="4245431"/>
+            <a:ext cx="4470918" cy="2503714"/>
           </a:xfrm>
           <a:prstGeom prst="rect">
             <a:avLst/>
           </a:prstGeom>
+          <a:noFill/>
         </p:spPr>
-        <p:txBody>
-          <a:bodyPr>
-            <a:spAutoFit/>
-          </a:bodyPr>
+      </p:pic>
+      <p:sp>
+        <p:nvSpPr>
+          <p:cNvPr id="7" name="Content Placeholder 6"/>
+          <p:cNvSpPr>
+            <a:spLocks noGrp="1"/>
+          </p:cNvSpPr>
+          <p:nvPr>
+            <p:ph idx="1"/>
+          </p:nvPr>
+        </p:nvSpPr>
+        <p:spPr>
+          <a:xfrm>
+            <a:off x="547396" y="1850571"/>
+            <a:ext cx="8229600" cy="4157663"/>
+          </a:xfrm>
+        </p:spPr>
+        <p:txBody>
+          <a:bodyPr/>
           <a:lstStyle/>
           <a:p>
-            <a:pPr marL="514350" indent="-514350">
-              <a:buFont typeface="Arial" pitchFamily="34" charset="0"/>
-              <a:buChar char="•"/>
-            </a:pPr>
-            <a:r>
-              <a:rPr lang="en-US" sz="3200" smtClean="0"/>
-              <a:t>Controllers</a:t>
-            </a:r>
-          </a:p>
-          <a:p>
-            <a:pPr marL="514350" indent="-514350">
-              <a:buFont typeface="Arial" pitchFamily="34" charset="0"/>
-              <a:buChar char="•"/>
-            </a:pPr>
-            <a:r>
-              <a:rPr lang="en-US" sz="3200" smtClean="0"/>
-              <a:t>Directive</a:t>
-            </a:r>
-          </a:p>
-          <a:p>
-            <a:pPr marL="514350" indent="-514350">
-              <a:buFont typeface="Arial" pitchFamily="34" charset="0"/>
-              <a:buChar char="•"/>
-            </a:pPr>
-            <a:r>
-              <a:rPr lang="en-US" sz="3200" smtClean="0"/>
-              <a:t>Expresstion</a:t>
-            </a:r>
-          </a:p>
-          <a:p>
-            <a:pPr marL="514350" indent="-514350">
-              <a:buFont typeface="Arial" pitchFamily="34" charset="0"/>
-              <a:buChar char="•"/>
-            </a:pPr>
-            <a:r>
-              <a:rPr lang="en-US" sz="3200" smtClean="0"/>
-              <a:t>DI</a:t>
-            </a:r>
-          </a:p>
-          <a:p>
-            <a:pPr marL="514350" indent="-514350">
-              <a:buFont typeface="Arial" pitchFamily="34" charset="0"/>
-              <a:buChar char="•"/>
-            </a:pPr>
-            <a:r>
-              <a:rPr lang="en-US" sz="3200" smtClean="0"/>
-              <a:t>Topics</a:t>
-            </a:r>
-            <a:endParaRPr lang="en-US" sz="3200"/>
+            <a:r>
+              <a:rPr lang="en-US" dirty="0" smtClean="0"/>
+              <a:t>The web's scaffolding tool for modern </a:t>
+            </a:r>
+            <a:r>
+              <a:rPr lang="en-US" dirty="0" err="1" smtClean="0"/>
+              <a:t>webapps</a:t>
+            </a:r>
+            <a:endParaRPr lang="en-US" dirty="0" smtClean="0"/>
+          </a:p>
+          <a:p>
+            <a:r>
+              <a:rPr lang="en-US" dirty="0" smtClean="0"/>
+              <a:t>Help to </a:t>
+            </a:r>
+            <a:r>
+              <a:rPr lang="en-US" dirty="0" err="1" smtClean="0"/>
+              <a:t>kickstart</a:t>
+            </a:r>
+            <a:r>
+              <a:rPr lang="en-US" dirty="0" smtClean="0"/>
+              <a:t> new projects</a:t>
+            </a:r>
+            <a:r>
+              <a:rPr lang="en-US" smtClean="0"/>
+              <a:t>, </a:t>
+            </a:r>
+            <a:r>
+              <a:rPr lang="en-US" smtClean="0"/>
+              <a:t>provide best </a:t>
+            </a:r>
+            <a:r>
+              <a:rPr lang="en-US" dirty="0" smtClean="0"/>
+              <a:t>practices and tools to help you stay productive</a:t>
+            </a:r>
+            <a:endParaRPr lang="en-US" dirty="0"/>
           </a:p>
         </p:txBody>
       </p:sp>
@@ -4736,7 +4709,7 @@
     <a:masterClrMapping/>
   </p:clrMapOvr>
   <mc:AlternateContent xmlns:mc="http://schemas.openxmlformats.org/markup-compatibility/2006">
-    <mc:Choice xmlns="" xmlns:p14="http://schemas.microsoft.com/office/powerpoint/2010/main" Requires="p14">
+    <mc:Choice xmlns:p14="http://schemas.microsoft.com/office/powerpoint/2010/main" xmlns="" Requires="p14">
       <p:transition p14:dur="100">
         <p:cut/>
       </p:transition>
@@ -4781,6 +4754,210 @@
             <a:spLocks noGrp="1"/>
           </p:cNvSpPr>
           <p:nvPr>
+            <p:ph type="title"/>
+          </p:nvPr>
+        </p:nvSpPr>
+        <p:spPr/>
+        <p:txBody>
+          <a:bodyPr/>
+          <a:lstStyle/>
+          <a:p>
+            <a:r>
+              <a:rPr lang="en-US" smtClean="0"/>
+              <a:t>OUTLINE</a:t>
+            </a:r>
+            <a:endParaRPr lang="en-US"/>
+          </a:p>
+        </p:txBody>
+      </p:sp>
+      <p:sp>
+        <p:nvSpPr>
+          <p:cNvPr id="3" name="Content Placeholder 2"/>
+          <p:cNvSpPr>
+            <a:spLocks noGrp="1"/>
+          </p:cNvSpPr>
+          <p:nvPr>
+            <p:ph idx="1"/>
+          </p:nvPr>
+        </p:nvSpPr>
+        <p:spPr>
+          <a:xfrm>
+            <a:off x="457199" y="2273304"/>
+            <a:ext cx="3788229" cy="4157663"/>
+          </a:xfrm>
+        </p:spPr>
+        <p:txBody>
+          <a:bodyPr/>
+          <a:lstStyle/>
+          <a:p>
+            <a:r>
+              <a:rPr lang="en-US" sz="2800" dirty="0" smtClean="0"/>
+              <a:t>What is </a:t>
+            </a:r>
+            <a:r>
+              <a:rPr lang="en-US" sz="2800" dirty="0" err="1" smtClean="0"/>
+              <a:t>AngularJS</a:t>
+            </a:r>
+            <a:endParaRPr lang="en-US" sz="2800" dirty="0" smtClean="0"/>
+          </a:p>
+          <a:p>
+            <a:r>
+              <a:rPr lang="en-US" sz="2800" dirty="0" smtClean="0"/>
+              <a:t>Why use </a:t>
+            </a:r>
+            <a:r>
+              <a:rPr lang="en-US" sz="2800" dirty="0" err="1" smtClean="0"/>
+              <a:t>AngularJS</a:t>
+            </a:r>
+            <a:endParaRPr lang="en-US" sz="2800" dirty="0" smtClean="0"/>
+          </a:p>
+          <a:p>
+            <a:r>
+              <a:rPr lang="en-US" sz="2800" dirty="0" smtClean="0"/>
+              <a:t>Core Features</a:t>
+            </a:r>
+          </a:p>
+          <a:p>
+            <a:r>
+              <a:rPr lang="en-US" sz="2800" dirty="0" smtClean="0"/>
+              <a:t>Two-way data binding</a:t>
+            </a:r>
+          </a:p>
+          <a:p>
+            <a:r>
+              <a:rPr lang="en-US" sz="2800" dirty="0" smtClean="0"/>
+              <a:t>Modules</a:t>
+            </a:r>
+          </a:p>
+          <a:p>
+            <a:endParaRPr lang="en-US" sz="2800" dirty="0" smtClean="0"/>
+          </a:p>
+        </p:txBody>
+      </p:sp>
+      <p:sp>
+        <p:nvSpPr>
+          <p:cNvPr id="4" name="Rectangle 3"/>
+          <p:cNvSpPr/>
+          <p:nvPr/>
+        </p:nvSpPr>
+        <p:spPr>
+          <a:xfrm>
+            <a:off x="4898571" y="2229760"/>
+            <a:ext cx="4572000" cy="2554545"/>
+          </a:xfrm>
+          <a:prstGeom prst="rect">
+            <a:avLst/>
+          </a:prstGeom>
+        </p:spPr>
+        <p:txBody>
+          <a:bodyPr>
+            <a:spAutoFit/>
+          </a:bodyPr>
+          <a:lstStyle/>
+          <a:p>
+            <a:pPr marL="514350" indent="-514350">
+              <a:buFont typeface="Arial" pitchFamily="34" charset="0"/>
+              <a:buChar char="•"/>
+            </a:pPr>
+            <a:r>
+              <a:rPr lang="en-US" sz="3200" smtClean="0"/>
+              <a:t>Controllers</a:t>
+            </a:r>
+          </a:p>
+          <a:p>
+            <a:pPr marL="514350" indent="-514350">
+              <a:buFont typeface="Arial" pitchFamily="34" charset="0"/>
+              <a:buChar char="•"/>
+            </a:pPr>
+            <a:r>
+              <a:rPr lang="en-US" sz="3200" smtClean="0"/>
+              <a:t>Directive</a:t>
+            </a:r>
+          </a:p>
+          <a:p>
+            <a:pPr marL="514350" indent="-514350">
+              <a:buFont typeface="Arial" pitchFamily="34" charset="0"/>
+              <a:buChar char="•"/>
+            </a:pPr>
+            <a:r>
+              <a:rPr lang="en-US" sz="3200" smtClean="0"/>
+              <a:t>Expresstion</a:t>
+            </a:r>
+          </a:p>
+          <a:p>
+            <a:pPr marL="514350" indent="-514350">
+              <a:buFont typeface="Arial" pitchFamily="34" charset="0"/>
+              <a:buChar char="•"/>
+            </a:pPr>
+            <a:r>
+              <a:rPr lang="en-US" sz="3200" smtClean="0"/>
+              <a:t>DI</a:t>
+            </a:r>
+          </a:p>
+          <a:p>
+            <a:pPr marL="514350" indent="-514350">
+              <a:buFont typeface="Arial" pitchFamily="34" charset="0"/>
+              <a:buChar char="•"/>
+            </a:pPr>
+            <a:r>
+              <a:rPr lang="en-US" sz="3200" smtClean="0"/>
+              <a:t>Topics</a:t>
+            </a:r>
+            <a:endParaRPr lang="en-US" sz="3200"/>
+          </a:p>
+        </p:txBody>
+      </p:sp>
+    </p:spTree>
+  </p:cSld>
+  <p:clrMapOvr>
+    <a:masterClrMapping/>
+  </p:clrMapOvr>
+  <mc:AlternateContent xmlns:mc="http://schemas.openxmlformats.org/markup-compatibility/2006">
+    <mc:Choice xmlns:p14="http://schemas.microsoft.com/office/powerpoint/2010/main" xmlns="" Requires="p14">
+      <p:transition p14:dur="100">
+        <p:cut/>
+      </p:transition>
+    </mc:Choice>
+    <mc:Fallback>
+      <p:transition>
+        <p:cut/>
+      </p:transition>
+    </mc:Fallback>
+  </mc:AlternateContent>
+  <p:timing>
+    <p:tnLst>
+      <p:par>
+        <p:cTn id="1" dur="indefinite" restart="never" nodeType="tmRoot"/>
+      </p:par>
+    </p:tnLst>
+  </p:timing>
+</p:sld>
+</file>
+
+<file path=ppt/slides/slide4.xml><?xml version="1.0" encoding="utf-8"?>
+<p:sld xmlns:a="http://schemas.openxmlformats.org/drawingml/2006/main" xmlns:r="http://schemas.openxmlformats.org/officeDocument/2006/relationships" xmlns:p="http://schemas.openxmlformats.org/presentationml/2006/main">
+  <p:cSld>
+    <p:spTree>
+      <p:nvGrpSpPr>
+        <p:cNvPr id="1" name=""/>
+        <p:cNvGrpSpPr/>
+        <p:nvPr/>
+      </p:nvGrpSpPr>
+      <p:grpSpPr>
+        <a:xfrm>
+          <a:off x="0" y="0"/>
+          <a:ext cx="0" cy="0"/>
+          <a:chOff x="0" y="0"/>
+          <a:chExt cx="0" cy="0"/>
+        </a:xfrm>
+      </p:grpSpPr>
+      <p:sp>
+        <p:nvSpPr>
+          <p:cNvPr id="2" name="Title 1"/>
+          <p:cNvSpPr>
+            <a:spLocks noGrp="1"/>
+          </p:cNvSpPr>
+          <p:nvPr>
             <p:ph type="ctrTitle"/>
           </p:nvPr>
         </p:nvSpPr>
@@ -4838,7 +5015,7 @@
     </p:spTree>
     <p:extLst>
       <p:ext uri="{BB962C8B-B14F-4D97-AF65-F5344CB8AC3E}">
-        <p14:creationId xmlns="" xmlns:p14="http://schemas.microsoft.com/office/powerpoint/2010/main" val="3137979333"/>
+        <p14:creationId xmlns:p14="http://schemas.microsoft.com/office/powerpoint/2010/main" xmlns="" val="3137979333"/>
       </p:ext>
     </p:extLst>
   </p:cSld>
@@ -4846,7 +5023,7 @@
     <a:masterClrMapping/>
   </p:clrMapOvr>
   <mc:AlternateContent xmlns:mc="http://schemas.openxmlformats.org/markup-compatibility/2006">
-    <mc:Choice xmlns="" xmlns:p14="http://schemas.microsoft.com/office/powerpoint/2010/main" Requires="p14">
+    <mc:Choice xmlns:p14="http://schemas.microsoft.com/office/powerpoint/2010/main" xmlns="" Requires="p14">
       <p:transition p14:dur="100">
         <p:cut/>
       </p:transition>

--- a/QS_Training_AngularJS_Yeoman, Grunt, Gulp - SonVQ.pptx
+++ b/QS_Training_AngularJS_Yeoman, Grunt, Gulp - SonVQ.pptx
@@ -5,16 +5,17 @@
     <p:sldMasterId id="2147485495" r:id="rId1"/>
   </p:sldMasterIdLst>
   <p:notesMasterIdLst>
-    <p:notesMasterId r:id="rId6"/>
+    <p:notesMasterId r:id="rId7"/>
   </p:notesMasterIdLst>
   <p:handoutMasterIdLst>
-    <p:handoutMasterId r:id="rId7"/>
+    <p:handoutMasterId r:id="rId8"/>
   </p:handoutMasterIdLst>
   <p:sldIdLst>
     <p:sldId id="256" r:id="rId2"/>
     <p:sldId id="394" r:id="rId3"/>
-    <p:sldId id="393" r:id="rId4"/>
-    <p:sldId id="333" r:id="rId5"/>
+    <p:sldId id="395" r:id="rId4"/>
+    <p:sldId id="396" r:id="rId5"/>
+    <p:sldId id="333" r:id="rId6"/>
   </p:sldIdLst>
   <p:sldSz cx="9144000" cy="6858000" type="screen4x3"/>
   <p:notesSz cx="6858000" cy="9144000"/>
@@ -115,7 +116,7 @@
   </p:defaultTextStyle>
   <p:extLst>
     <p:ext uri="{EFAFB233-063F-42B5-8137-9DF3F51BA10A}">
-      <p15:sldGuideLst xmlns:p15="http://schemas.microsoft.com/office/powerpoint/2012/main" xmlns="">
+      <p15:sldGuideLst xmlns="" xmlns:p15="http://schemas.microsoft.com/office/powerpoint/2012/main">
         <p15:guide id="1" orient="horz" pos="2160">
           <p15:clr>
             <a:srgbClr val="A4A3A4"/>
@@ -215,7 +216,7 @@
             <a:fld id="{AEC239D8-9946-CA43-8D24-8F75F9EC746F}" type="datetimeFigureOut">
               <a:rPr lang="en-US" smtClean="0"/>
               <a:pPr/>
-              <a:t>5/20/2016</a:t>
+              <a:t>5/21/2016</a:t>
             </a:fld>
             <a:endParaRPr lang="en-US"/>
           </a:p>
@@ -291,7 +292,7 @@
     </p:spTree>
     <p:extLst>
       <p:ext uri="{BB962C8B-B14F-4D97-AF65-F5344CB8AC3E}">
-        <p14:creationId xmlns:p14="http://schemas.microsoft.com/office/powerpoint/2010/main" xmlns="" val="3557071831"/>
+        <p14:creationId xmlns="" xmlns:p14="http://schemas.microsoft.com/office/powerpoint/2010/main" val="3557071831"/>
       </p:ext>
     </p:extLst>
   </p:cSld>
@@ -383,7 +384,7 @@
             <a:fld id="{30D3C4F2-547F-4EAC-A4FB-1991884D518B}" type="datetimeFigureOut">
               <a:rPr lang="en-US" smtClean="0"/>
               <a:pPr/>
-              <a:t>5/20/2016</a:t>
+              <a:t>5/21/2016</a:t>
             </a:fld>
             <a:endParaRPr lang="en-US"/>
           </a:p>
@@ -554,7 +555,7 @@
     </p:spTree>
     <p:extLst>
       <p:ext uri="{BB962C8B-B14F-4D97-AF65-F5344CB8AC3E}">
-        <p14:creationId xmlns:p14="http://schemas.microsoft.com/office/powerpoint/2010/main" xmlns="" val="967518016"/>
+        <p14:creationId xmlns="" xmlns:p14="http://schemas.microsoft.com/office/powerpoint/2010/main" val="967518016"/>
       </p:ext>
     </p:extLst>
   </p:cSld>
@@ -730,9 +731,387 @@
     </p:spTree>
     <p:extLst>
       <p:ext uri="{BB962C8B-B14F-4D97-AF65-F5344CB8AC3E}">
-        <p14:creationId xmlns:p14="http://schemas.microsoft.com/office/powerpoint/2010/main" xmlns="" val="1083453538"/>
+        <p14:creationId xmlns="" xmlns:p14="http://schemas.microsoft.com/office/powerpoint/2010/main" val="1083453538"/>
       </p:ext>
     </p:extLst>
+  </p:cSld>
+  <p:clrMapOvr>
+    <a:masterClrMapping/>
+  </p:clrMapOvr>
+</p:notes>
+</file>
+
+<file path=ppt/notesSlides/notesSlide2.xml><?xml version="1.0" encoding="utf-8"?>
+<p:notes xmlns:a="http://schemas.openxmlformats.org/drawingml/2006/main" xmlns:r="http://schemas.openxmlformats.org/officeDocument/2006/relationships" xmlns:p="http://schemas.openxmlformats.org/presentationml/2006/main">
+  <p:cSld>
+    <p:spTree>
+      <p:nvGrpSpPr>
+        <p:cNvPr id="1" name=""/>
+        <p:cNvGrpSpPr/>
+        <p:nvPr/>
+      </p:nvGrpSpPr>
+      <p:grpSpPr>
+        <a:xfrm>
+          <a:off x="0" y="0"/>
+          <a:ext cx="0" cy="0"/>
+          <a:chOff x="0" y="0"/>
+          <a:chExt cx="0" cy="0"/>
+        </a:xfrm>
+      </p:grpSpPr>
+      <p:sp>
+        <p:nvSpPr>
+          <p:cNvPr id="2" name="Slide Image Placeholder 1"/>
+          <p:cNvSpPr>
+            <a:spLocks noGrp="1" noRot="1" noChangeAspect="1"/>
+          </p:cNvSpPr>
+          <p:nvPr>
+            <p:ph type="sldImg"/>
+          </p:nvPr>
+        </p:nvSpPr>
+        <p:spPr/>
+      </p:sp>
+      <p:sp>
+        <p:nvSpPr>
+          <p:cNvPr id="3" name="Notes Placeholder 2"/>
+          <p:cNvSpPr>
+            <a:spLocks noGrp="1"/>
+          </p:cNvSpPr>
+          <p:nvPr>
+            <p:ph type="body" idx="1"/>
+          </p:nvPr>
+        </p:nvSpPr>
+        <p:spPr/>
+        <p:txBody>
+          <a:bodyPr>
+            <a:normAutofit/>
+          </a:bodyPr>
+          <a:lstStyle/>
+          <a:p>
+            <a:r>
+              <a:rPr lang="en-US" sz="1200" b="0" i="0" kern="1200" dirty="0" err="1" smtClean="0">
+                <a:solidFill>
+                  <a:schemeClr val="tx1"/>
+                </a:solidFill>
+                <a:latin typeface="+mn-lt"/>
+                <a:ea typeface="+mn-ea"/>
+                <a:cs typeface="+mn-cs"/>
+              </a:rPr>
+              <a:t>Linting</a:t>
+            </a:r>
+            <a:r>
+              <a:rPr lang="en-US" sz="1200" b="0" i="0" kern="1200" dirty="0" smtClean="0">
+                <a:solidFill>
+                  <a:schemeClr val="tx1"/>
+                </a:solidFill>
+                <a:latin typeface="+mn-lt"/>
+                <a:ea typeface="+mn-ea"/>
+                <a:cs typeface="+mn-cs"/>
+              </a:rPr>
+              <a:t> is the process of running a program that will </a:t>
+            </a:r>
+            <a:r>
+              <a:rPr lang="en-US" sz="1200" b="0" i="0" kern="1200" dirty="0" err="1" smtClean="0">
+                <a:solidFill>
+                  <a:schemeClr val="tx1"/>
+                </a:solidFill>
+                <a:latin typeface="+mn-lt"/>
+                <a:ea typeface="+mn-ea"/>
+                <a:cs typeface="+mn-cs"/>
+              </a:rPr>
+              <a:t>analyse</a:t>
+            </a:r>
+            <a:r>
+              <a:rPr lang="en-US" sz="1200" b="0" i="0" kern="1200" dirty="0" smtClean="0">
+                <a:solidFill>
+                  <a:schemeClr val="tx1"/>
+                </a:solidFill>
+                <a:latin typeface="+mn-lt"/>
+                <a:ea typeface="+mn-ea"/>
+                <a:cs typeface="+mn-cs"/>
+              </a:rPr>
+              <a:t> code for potential errors.</a:t>
+            </a:r>
+            <a:endParaRPr lang="en-US" dirty="0"/>
+          </a:p>
+        </p:txBody>
+      </p:sp>
+      <p:sp>
+        <p:nvSpPr>
+          <p:cNvPr id="4" name="Slide Number Placeholder 3"/>
+          <p:cNvSpPr>
+            <a:spLocks noGrp="1"/>
+          </p:cNvSpPr>
+          <p:nvPr>
+            <p:ph type="sldNum" sz="quarter" idx="10"/>
+          </p:nvPr>
+        </p:nvSpPr>
+        <p:spPr/>
+        <p:txBody>
+          <a:bodyPr/>
+          <a:lstStyle/>
+          <a:p>
+            <a:fld id="{35845946-0CF3-4C0F-AF5C-F563F65A0652}" type="slidenum">
+              <a:rPr lang="en-US" smtClean="0"/>
+              <a:pPr/>
+              <a:t>2</a:t>
+            </a:fld>
+            <a:endParaRPr lang="en-US"/>
+          </a:p>
+        </p:txBody>
+      </p:sp>
+    </p:spTree>
+  </p:cSld>
+  <p:clrMapOvr>
+    <a:masterClrMapping/>
+  </p:clrMapOvr>
+</p:notes>
+</file>
+
+<file path=ppt/notesSlides/notesSlide3.xml><?xml version="1.0" encoding="utf-8"?>
+<p:notes xmlns:a="http://schemas.openxmlformats.org/drawingml/2006/main" xmlns:r="http://schemas.openxmlformats.org/officeDocument/2006/relationships" xmlns:p="http://schemas.openxmlformats.org/presentationml/2006/main">
+  <p:cSld>
+    <p:spTree>
+      <p:nvGrpSpPr>
+        <p:cNvPr id="1" name=""/>
+        <p:cNvGrpSpPr/>
+        <p:nvPr/>
+      </p:nvGrpSpPr>
+      <p:grpSpPr>
+        <a:xfrm>
+          <a:off x="0" y="0"/>
+          <a:ext cx="0" cy="0"/>
+          <a:chOff x="0" y="0"/>
+          <a:chExt cx="0" cy="0"/>
+        </a:xfrm>
+      </p:grpSpPr>
+      <p:sp>
+        <p:nvSpPr>
+          <p:cNvPr id="2" name="Slide Image Placeholder 1"/>
+          <p:cNvSpPr>
+            <a:spLocks noGrp="1" noRot="1" noChangeAspect="1"/>
+          </p:cNvSpPr>
+          <p:nvPr>
+            <p:ph type="sldImg"/>
+          </p:nvPr>
+        </p:nvSpPr>
+        <p:spPr/>
+      </p:sp>
+      <p:sp>
+        <p:nvSpPr>
+          <p:cNvPr id="3" name="Notes Placeholder 2"/>
+          <p:cNvSpPr>
+            <a:spLocks noGrp="1"/>
+          </p:cNvSpPr>
+          <p:nvPr>
+            <p:ph type="body" idx="1"/>
+          </p:nvPr>
+        </p:nvSpPr>
+        <p:spPr/>
+        <p:txBody>
+          <a:bodyPr>
+            <a:normAutofit/>
+          </a:bodyPr>
+          <a:lstStyle/>
+          <a:p>
+            <a:r>
+              <a:rPr lang="en-US" sz="1200" b="0" i="0" kern="1200" dirty="0" err="1" smtClean="0">
+                <a:solidFill>
+                  <a:schemeClr val="tx1"/>
+                </a:solidFill>
+                <a:latin typeface="+mn-lt"/>
+                <a:ea typeface="+mn-ea"/>
+                <a:cs typeface="+mn-cs"/>
+              </a:rPr>
+              <a:t>Linting</a:t>
+            </a:r>
+            <a:r>
+              <a:rPr lang="en-US" sz="1200" b="0" i="0" kern="1200" dirty="0" smtClean="0">
+                <a:solidFill>
+                  <a:schemeClr val="tx1"/>
+                </a:solidFill>
+                <a:latin typeface="+mn-lt"/>
+                <a:ea typeface="+mn-ea"/>
+                <a:cs typeface="+mn-cs"/>
+              </a:rPr>
+              <a:t> is the process of running a program that will </a:t>
+            </a:r>
+            <a:r>
+              <a:rPr lang="en-US" sz="1200" b="0" i="0" kern="1200" dirty="0" err="1" smtClean="0">
+                <a:solidFill>
+                  <a:schemeClr val="tx1"/>
+                </a:solidFill>
+                <a:latin typeface="+mn-lt"/>
+                <a:ea typeface="+mn-ea"/>
+                <a:cs typeface="+mn-cs"/>
+              </a:rPr>
+              <a:t>analyse</a:t>
+            </a:r>
+            <a:r>
+              <a:rPr lang="en-US" sz="1200" b="0" i="0" kern="1200" smtClean="0">
+                <a:solidFill>
+                  <a:schemeClr val="tx1"/>
+                </a:solidFill>
+                <a:latin typeface="+mn-lt"/>
+                <a:ea typeface="+mn-ea"/>
+                <a:cs typeface="+mn-cs"/>
+              </a:rPr>
+              <a:t> code for potential errors.</a:t>
+            </a:r>
+            <a:endParaRPr lang="en-US"/>
+          </a:p>
+        </p:txBody>
+      </p:sp>
+      <p:sp>
+        <p:nvSpPr>
+          <p:cNvPr id="4" name="Slide Number Placeholder 3"/>
+          <p:cNvSpPr>
+            <a:spLocks noGrp="1"/>
+          </p:cNvSpPr>
+          <p:nvPr>
+            <p:ph type="sldNum" sz="quarter" idx="10"/>
+          </p:nvPr>
+        </p:nvSpPr>
+        <p:spPr/>
+        <p:txBody>
+          <a:bodyPr/>
+          <a:lstStyle/>
+          <a:p>
+            <a:fld id="{35845946-0CF3-4C0F-AF5C-F563F65A0652}" type="slidenum">
+              <a:rPr lang="en-US" smtClean="0"/>
+              <a:pPr/>
+              <a:t>3</a:t>
+            </a:fld>
+            <a:endParaRPr lang="en-US"/>
+          </a:p>
+        </p:txBody>
+      </p:sp>
+    </p:spTree>
+  </p:cSld>
+  <p:clrMapOvr>
+    <a:masterClrMapping/>
+  </p:clrMapOvr>
+</p:notes>
+</file>
+
+<file path=ppt/notesSlides/notesSlide4.xml><?xml version="1.0" encoding="utf-8"?>
+<p:notes xmlns:a="http://schemas.openxmlformats.org/drawingml/2006/main" xmlns:r="http://schemas.openxmlformats.org/officeDocument/2006/relationships" xmlns:p="http://schemas.openxmlformats.org/presentationml/2006/main">
+  <p:cSld>
+    <p:spTree>
+      <p:nvGrpSpPr>
+        <p:cNvPr id="1" name=""/>
+        <p:cNvGrpSpPr/>
+        <p:nvPr/>
+      </p:nvGrpSpPr>
+      <p:grpSpPr>
+        <a:xfrm>
+          <a:off x="0" y="0"/>
+          <a:ext cx="0" cy="0"/>
+          <a:chOff x="0" y="0"/>
+          <a:chExt cx="0" cy="0"/>
+        </a:xfrm>
+      </p:grpSpPr>
+      <p:sp>
+        <p:nvSpPr>
+          <p:cNvPr id="2" name="Slide Image Placeholder 1"/>
+          <p:cNvSpPr>
+            <a:spLocks noGrp="1" noRot="1" noChangeAspect="1"/>
+          </p:cNvSpPr>
+          <p:nvPr>
+            <p:ph type="sldImg"/>
+          </p:nvPr>
+        </p:nvSpPr>
+        <p:spPr/>
+      </p:sp>
+      <p:sp>
+        <p:nvSpPr>
+          <p:cNvPr id="3" name="Notes Placeholder 2"/>
+          <p:cNvSpPr>
+            <a:spLocks noGrp="1"/>
+          </p:cNvSpPr>
+          <p:nvPr>
+            <p:ph type="body" idx="1"/>
+          </p:nvPr>
+        </p:nvSpPr>
+        <p:spPr/>
+        <p:txBody>
+          <a:bodyPr>
+            <a:normAutofit/>
+          </a:bodyPr>
+          <a:lstStyle/>
+          <a:p>
+            <a:r>
+              <a:rPr lang="en-US" sz="1200" b="0" i="0" kern="1200" dirty="0" err="1" smtClean="0">
+                <a:solidFill>
+                  <a:schemeClr val="tx1"/>
+                </a:solidFill>
+                <a:latin typeface="+mn-lt"/>
+                <a:ea typeface="+mn-ea"/>
+                <a:cs typeface="+mn-cs"/>
+              </a:rPr>
+              <a:t>Linting</a:t>
+            </a:r>
+            <a:r>
+              <a:rPr lang="en-US" sz="1200" b="0" i="0" kern="1200" dirty="0" smtClean="0">
+                <a:solidFill>
+                  <a:schemeClr val="tx1"/>
+                </a:solidFill>
+                <a:latin typeface="+mn-lt"/>
+                <a:ea typeface="+mn-ea"/>
+                <a:cs typeface="+mn-cs"/>
+              </a:rPr>
+              <a:t> is the process of running a program that will </a:t>
+            </a:r>
+            <a:r>
+              <a:rPr lang="en-US" sz="1200" b="0" i="0" kern="1200" dirty="0" err="1" smtClean="0">
+                <a:solidFill>
+                  <a:schemeClr val="tx1"/>
+                </a:solidFill>
+                <a:latin typeface="+mn-lt"/>
+                <a:ea typeface="+mn-ea"/>
+                <a:cs typeface="+mn-cs"/>
+              </a:rPr>
+              <a:t>analyse</a:t>
+            </a:r>
+            <a:r>
+              <a:rPr lang="en-US" sz="1200" b="0" i="0" kern="1200" smtClean="0">
+                <a:solidFill>
+                  <a:schemeClr val="tx1"/>
+                </a:solidFill>
+                <a:latin typeface="+mn-lt"/>
+                <a:ea typeface="+mn-ea"/>
+                <a:cs typeface="+mn-cs"/>
+              </a:rPr>
+              <a:t> code for potential errors.</a:t>
+            </a:r>
+            <a:endParaRPr lang="en-US"/>
+          </a:p>
+        </p:txBody>
+      </p:sp>
+      <p:sp>
+        <p:nvSpPr>
+          <p:cNvPr id="4" name="Slide Number Placeholder 3"/>
+          <p:cNvSpPr>
+            <a:spLocks noGrp="1"/>
+          </p:cNvSpPr>
+          <p:nvPr>
+            <p:ph type="sldNum" sz="quarter" idx="10"/>
+          </p:nvPr>
+        </p:nvSpPr>
+        <p:spPr/>
+        <p:txBody>
+          <a:bodyPr/>
+          <a:lstStyle/>
+          <a:p>
+            <a:fld id="{35845946-0CF3-4C0F-AF5C-F563F65A0652}" type="slidenum">
+              <a:rPr lang="en-US" smtClean="0"/>
+              <a:pPr/>
+              <a:t>4</a:t>
+            </a:fld>
+            <a:endParaRPr lang="en-US"/>
+          </a:p>
+        </p:txBody>
+      </p:sp>
+    </p:spTree>
   </p:cSld>
   <p:clrMapOvr>
     <a:masterClrMapping/>
@@ -926,7 +1305,7 @@
             <a:fld id="{8695E4D3-92F1-F74E-BDA8-3EA24612ADAC}" type="datetime2">
               <a:rPr lang="en-US" smtClean="0"/>
               <a:pPr/>
-              <a:t>Friday, May 20, 2016</a:t>
+              <a:t>Saturday, May 21, 2016</a:t>
             </a:fld>
             <a:endParaRPr lang="en-US"/>
           </a:p>
@@ -993,7 +1372,7 @@
     <a:masterClrMapping/>
   </p:clrMapOvr>
   <mc:AlternateContent xmlns:mc="http://schemas.openxmlformats.org/markup-compatibility/2006">
-    <mc:Choice xmlns:p14="http://schemas.microsoft.com/office/powerpoint/2010/main" xmlns="" Requires="p14">
+    <mc:Choice xmlns="" xmlns:p14="http://schemas.microsoft.com/office/powerpoint/2010/main" Requires="p14">
       <p:transition p14:dur="100">
         <p:cut/>
       </p:transition>
@@ -1121,7 +1500,7 @@
             <a:fld id="{9358C7B7-FC72-9D41-BEE1-BB86D4F232B4}" type="datetime2">
               <a:rPr lang="en-US" smtClean="0"/>
               <a:pPr/>
-              <a:t>Friday, May 20, 2016</a:t>
+              <a:t>Saturday, May 21, 2016</a:t>
             </a:fld>
             <a:endParaRPr lang="en-US"/>
           </a:p>
@@ -1188,7 +1567,7 @@
     <a:masterClrMapping/>
   </p:clrMapOvr>
   <mc:AlternateContent xmlns:mc="http://schemas.openxmlformats.org/markup-compatibility/2006">
-    <mc:Choice xmlns:p14="http://schemas.microsoft.com/office/powerpoint/2010/main" xmlns="" Requires="p14">
+    <mc:Choice xmlns="" xmlns:p14="http://schemas.microsoft.com/office/powerpoint/2010/main" Requires="p14">
       <p:transition p14:dur="100">
         <p:cut/>
       </p:transition>
@@ -1326,7 +1705,7 @@
             <a:fld id="{556E821B-96E8-764D-BF74-9827494534E4}" type="datetime2">
               <a:rPr lang="en-US" smtClean="0"/>
               <a:pPr/>
-              <a:t>Friday, May 20, 2016</a:t>
+              <a:t>Saturday, May 21, 2016</a:t>
             </a:fld>
             <a:endParaRPr lang="en-US"/>
           </a:p>
@@ -1393,7 +1772,7 @@
     <a:masterClrMapping/>
   </p:clrMapOvr>
   <mc:AlternateContent xmlns:mc="http://schemas.openxmlformats.org/markup-compatibility/2006">
-    <mc:Choice xmlns:p14="http://schemas.microsoft.com/office/powerpoint/2010/main" xmlns="" Requires="p14">
+    <mc:Choice xmlns="" xmlns:p14="http://schemas.microsoft.com/office/powerpoint/2010/main" Requires="p14">
       <p:transition p14:dur="100">
         <p:cut/>
       </p:transition>
@@ -1531,7 +1910,7 @@
             <a:fld id="{D8D89BD2-8F64-7D49-B0EC-A10964D418B9}" type="datetime2">
               <a:rPr lang="en-US" smtClean="0"/>
               <a:pPr/>
-              <a:t>Friday, May 20, 2016</a:t>
+              <a:t>Saturday, May 21, 2016</a:t>
             </a:fld>
             <a:endParaRPr lang="en-US"/>
           </a:p>
@@ -1598,7 +1977,7 @@
     <a:masterClrMapping/>
   </p:clrMapOvr>
   <mc:AlternateContent xmlns:mc="http://schemas.openxmlformats.org/markup-compatibility/2006">
-    <mc:Choice xmlns:p14="http://schemas.microsoft.com/office/powerpoint/2010/main" xmlns="" Requires="p14">
+    <mc:Choice xmlns="" xmlns:p14="http://schemas.microsoft.com/office/powerpoint/2010/main" Requires="p14">
       <p:transition p14:dur="100">
         <p:cut/>
       </p:transition>
@@ -1802,7 +2181,7 @@
             <a:fld id="{5166F277-A6C8-D74E-AD9A-DEDC5E2BD837}" type="datetime2">
               <a:rPr lang="en-US" smtClean="0"/>
               <a:pPr/>
-              <a:t>Friday, May 20, 2016</a:t>
+              <a:t>Saturday, May 21, 2016</a:t>
             </a:fld>
             <a:endParaRPr lang="en-US"/>
           </a:p>
@@ -1869,7 +2248,7 @@
     <a:masterClrMapping/>
   </p:clrMapOvr>
   <mc:AlternateContent xmlns:mc="http://schemas.openxmlformats.org/markup-compatibility/2006">
-    <mc:Choice xmlns:p14="http://schemas.microsoft.com/office/powerpoint/2010/main" xmlns="" Requires="p14">
+    <mc:Choice xmlns="" xmlns:p14="http://schemas.microsoft.com/office/powerpoint/2010/main" Requires="p14">
       <p:transition p14:dur="100">
         <p:cut/>
       </p:transition>
@@ -2120,7 +2499,7 @@
             <a:fld id="{68B6B04E-5C92-7445-BA45-A4E3769C0C5A}" type="datetime2">
               <a:rPr lang="en-US" smtClean="0"/>
               <a:pPr/>
-              <a:t>Friday, May 20, 2016</a:t>
+              <a:t>Saturday, May 21, 2016</a:t>
             </a:fld>
             <a:endParaRPr lang="en-US"/>
           </a:p>
@@ -2187,7 +2566,7 @@
     <a:masterClrMapping/>
   </p:clrMapOvr>
   <mc:AlternateContent xmlns:mc="http://schemas.openxmlformats.org/markup-compatibility/2006">
-    <mc:Choice xmlns:p14="http://schemas.microsoft.com/office/powerpoint/2010/main" xmlns="" Requires="p14">
+    <mc:Choice xmlns="" xmlns:p14="http://schemas.microsoft.com/office/powerpoint/2010/main" Requires="p14">
       <p:transition p14:dur="100">
         <p:cut/>
       </p:transition>
@@ -2572,7 +2951,7 @@
             <a:fld id="{A48670BD-E6C9-264B-B690-760DD144ACC6}" type="datetime2">
               <a:rPr lang="en-US" smtClean="0"/>
               <a:pPr/>
-              <a:t>Friday, May 20, 2016</a:t>
+              <a:t>Saturday, May 21, 2016</a:t>
             </a:fld>
             <a:endParaRPr lang="en-US"/>
           </a:p>
@@ -2639,7 +3018,7 @@
     <a:masterClrMapping/>
   </p:clrMapOvr>
   <mc:AlternateContent xmlns:mc="http://schemas.openxmlformats.org/markup-compatibility/2006">
-    <mc:Choice xmlns:p14="http://schemas.microsoft.com/office/powerpoint/2010/main" xmlns="" Requires="p14">
+    <mc:Choice xmlns="" xmlns:p14="http://schemas.microsoft.com/office/powerpoint/2010/main" Requires="p14">
       <p:transition p14:dur="100">
         <p:cut/>
       </p:transition>
@@ -2720,7 +3099,7 @@
             <a:fld id="{30675A36-41C1-3640-8C6B-1BC6AFC60484}" type="datetime2">
               <a:rPr lang="en-US" smtClean="0"/>
               <a:pPr/>
-              <a:t>Friday, May 20, 2016</a:t>
+              <a:t>Saturday, May 21, 2016</a:t>
             </a:fld>
             <a:endParaRPr lang="en-US"/>
           </a:p>
@@ -2787,7 +3166,7 @@
     <a:masterClrMapping/>
   </p:clrMapOvr>
   <mc:AlternateContent xmlns:mc="http://schemas.openxmlformats.org/markup-compatibility/2006">
-    <mc:Choice xmlns:p14="http://schemas.microsoft.com/office/powerpoint/2010/main" xmlns="" Requires="p14">
+    <mc:Choice xmlns="" xmlns:p14="http://schemas.microsoft.com/office/powerpoint/2010/main" Requires="p14">
       <p:transition p14:dur="100">
         <p:cut/>
       </p:transition>
@@ -2840,7 +3219,7 @@
             <a:fld id="{937F365B-D897-1947-952A-6C45D93ACDC1}" type="datetime2">
               <a:rPr lang="en-US" smtClean="0"/>
               <a:pPr/>
-              <a:t>Friday, May 20, 2016</a:t>
+              <a:t>Saturday, May 21, 2016</a:t>
             </a:fld>
             <a:endParaRPr lang="en-US"/>
           </a:p>
@@ -2907,7 +3286,7 @@
     <a:masterClrMapping/>
   </p:clrMapOvr>
   <mc:AlternateContent xmlns:mc="http://schemas.openxmlformats.org/markup-compatibility/2006">
-    <mc:Choice xmlns:p14="http://schemas.microsoft.com/office/powerpoint/2010/main" xmlns="" Requires="p14">
+    <mc:Choice xmlns="" xmlns:p14="http://schemas.microsoft.com/office/powerpoint/2010/main" Requires="p14">
       <p:transition p14:dur="100">
         <p:cut/>
       </p:transition>
@@ -3142,7 +3521,7 @@
             <a:fld id="{2BEF7792-C4C4-FC44-A7F5-725EC2CD30B1}" type="datetime2">
               <a:rPr lang="en-US" smtClean="0"/>
               <a:pPr/>
-              <a:t>Friday, May 20, 2016</a:t>
+              <a:t>Saturday, May 21, 2016</a:t>
             </a:fld>
             <a:endParaRPr lang="en-US"/>
           </a:p>
@@ -3209,7 +3588,7 @@
     <a:masterClrMapping/>
   </p:clrMapOvr>
   <mc:AlternateContent xmlns:mc="http://schemas.openxmlformats.org/markup-compatibility/2006">
-    <mc:Choice xmlns:p14="http://schemas.microsoft.com/office/powerpoint/2010/main" xmlns="" Requires="p14">
+    <mc:Choice xmlns="" xmlns:p14="http://schemas.microsoft.com/office/powerpoint/2010/main" Requires="p14">
       <p:transition p14:dur="100">
         <p:cut/>
       </p:transition>
@@ -3427,7 +3806,7 @@
             <a:fld id="{EC13829E-7EE3-3944-BE84-808F00A9FAF3}" type="datetime2">
               <a:rPr lang="en-US" smtClean="0"/>
               <a:pPr/>
-              <a:t>Friday, May 20, 2016</a:t>
+              <a:t>Saturday, May 21, 2016</a:t>
             </a:fld>
             <a:endParaRPr lang="en-US"/>
           </a:p>
@@ -3494,7 +3873,7 @@
     <a:masterClrMapping/>
   </p:clrMapOvr>
   <mc:AlternateContent xmlns:mc="http://schemas.openxmlformats.org/markup-compatibility/2006">
-    <mc:Choice xmlns:p14="http://schemas.microsoft.com/office/powerpoint/2010/main" xmlns="" Requires="p14">
+    <mc:Choice xmlns="" xmlns:p14="http://schemas.microsoft.com/office/powerpoint/2010/main" Requires="p14">
       <p:transition p14:dur="100">
         <p:cut/>
       </p:transition>
@@ -3693,7 +4072,7 @@
             <a:fld id="{92714F1E-B45D-F141-BCEC-0A4A490D9DB7}" type="datetime2">
               <a:rPr lang="en-US" smtClean="0"/>
               <a:pPr/>
-              <a:t>Friday, May 20, 2016</a:t>
+              <a:t>Saturday, May 21, 2016</a:t>
             </a:fld>
             <a:endParaRPr lang="en-US" dirty="0"/>
           </a:p>
@@ -3815,7 +4194,7 @@
     <p:sldLayoutId id="2147485506" r:id="rId11"/>
   </p:sldLayoutIdLst>
   <mc:AlternateContent xmlns:mc="http://schemas.openxmlformats.org/markup-compatibility/2006">
-    <mc:Choice xmlns:p14="http://schemas.microsoft.com/office/powerpoint/2010/main" xmlns="" Requires="p14">
+    <mc:Choice xmlns="" xmlns:p14="http://schemas.microsoft.com/office/powerpoint/2010/main" Requires="p14">
       <p:transition p14:dur="100">
         <p:cut/>
       </p:transition>
@@ -4252,7 +4631,6 @@
               <a:rPr lang="en-US" sz="5400" dirty="0" smtClean="0"/>
               <a:t>Yeoman</a:t>
             </a:r>
-            <a:endParaRPr lang="en-US" sz="5400" dirty="0" smtClean="0"/>
           </a:p>
         </p:txBody>
       </p:sp>
@@ -4544,7 +4922,7 @@
     </p:spTree>
     <p:extLst>
       <p:ext uri="{BB962C8B-B14F-4D97-AF65-F5344CB8AC3E}">
-        <p14:creationId xmlns:p14="http://schemas.microsoft.com/office/powerpoint/2010/main" xmlns="" val="1516866467"/>
+        <p14:creationId xmlns="" xmlns:p14="http://schemas.microsoft.com/office/powerpoint/2010/main" val="1516866467"/>
       </p:ext>
     </p:extLst>
   </p:cSld>
@@ -4552,7 +4930,7 @@
     <a:overrideClrMapping bg1="lt1" tx1="dk1" bg2="lt2" tx2="dk2" accent1="accent1" accent2="accent2" accent3="accent3" accent4="accent4" accent5="accent5" accent6="accent6" hlink="hlink" folHlink="folHlink"/>
   </p:clrMapOvr>
   <mc:AlternateContent xmlns:mc="http://schemas.openxmlformats.org/markup-compatibility/2006">
-    <mc:Choice xmlns:p14="http://schemas.microsoft.com/office/powerpoint/2010/main" xmlns="" Requires="p14">
+    <mc:Choice xmlns="" xmlns:p14="http://schemas.microsoft.com/office/powerpoint/2010/main" Requires="p14">
       <p:transition p14:dur="100">
         <p:cut/>
       </p:transition>
@@ -4627,7 +5005,7 @@
           <p:nvPr/>
         </p:nvPicPr>
         <p:blipFill>
-          <a:blip r:embed="rId2"/>
+          <a:blip r:embed="rId3"/>
           <a:srcRect/>
           <a:stretch>
             <a:fillRect/>
@@ -4675,29 +5053,81 @@
             <a:endParaRPr lang="en-US" dirty="0" smtClean="0"/>
           </a:p>
           <a:p>
+            <a:endParaRPr lang="en-US" dirty="0" smtClean="0"/>
+          </a:p>
+          <a:p>
+            <a:r>
+              <a:rPr lang="en-US" dirty="0" err="1" smtClean="0"/>
+              <a:t>Kickstart</a:t>
+            </a:r>
             <a:r>
               <a:rPr lang="en-US" dirty="0" smtClean="0"/>
-              <a:t>Help to </a:t>
+              <a:t> </a:t>
+            </a:r>
+            <a:r>
+              <a:rPr lang="en-US" dirty="0" smtClean="0"/>
+              <a:t>new </a:t>
+            </a:r>
+            <a:r>
+              <a:rPr lang="en-US" dirty="0" smtClean="0"/>
+              <a:t>projects productively</a:t>
+            </a:r>
+            <a:endParaRPr lang="en-US" dirty="0" smtClean="0"/>
+          </a:p>
+          <a:p>
+            <a:endParaRPr lang="en-US" dirty="0" smtClean="0"/>
+          </a:p>
+          <a:p>
+            <a:r>
+              <a:rPr lang="en-US" dirty="0" smtClean="0"/>
+              <a:t>Provide </a:t>
+            </a:r>
+            <a:r>
+              <a:rPr lang="en-US" dirty="0" smtClean="0"/>
+              <a:t>best </a:t>
+            </a:r>
+            <a:r>
+              <a:rPr lang="en-US" dirty="0" smtClean="0"/>
+              <a:t>practices, </a:t>
+            </a:r>
+            <a:r>
+              <a:rPr lang="en-US" dirty="0" smtClean="0"/>
+              <a:t>workflow, generator</a:t>
+            </a:r>
+            <a:r>
+              <a:rPr lang="en-US" dirty="0" smtClean="0"/>
+              <a:t> &amp; tools</a:t>
+            </a:r>
+          </a:p>
+          <a:p>
+            <a:endParaRPr lang="en-US" dirty="0" smtClean="0"/>
+          </a:p>
+          <a:p>
+            <a:r>
+              <a:rPr lang="en-US" dirty="0" smtClean="0"/>
+              <a:t>Support </a:t>
             </a:r>
             <a:r>
               <a:rPr lang="en-US" dirty="0" err="1" smtClean="0"/>
-              <a:t>kickstart</a:t>
+              <a:t>linting</a:t>
             </a:r>
             <a:r>
               <a:rPr lang="en-US" dirty="0" smtClean="0"/>
-              <a:t> new projects</a:t>
-            </a:r>
-            <a:r>
-              <a:rPr lang="en-US" smtClean="0"/>
-              <a:t>, </a:t>
-            </a:r>
-            <a:r>
-              <a:rPr lang="en-US" smtClean="0"/>
-              <a:t>provide best </a:t>
-            </a:r>
+              <a:t>, testing, </a:t>
+            </a:r>
+            <a:r>
+              <a:rPr lang="en-US" dirty="0" err="1" smtClean="0"/>
+              <a:t>minification</a:t>
+            </a:r>
+            <a:endParaRPr lang="en-US" dirty="0" smtClean="0"/>
+          </a:p>
+          <a:p>
+            <a:endParaRPr lang="en-US" dirty="0" smtClean="0"/>
+          </a:p>
+          <a:p>
             <a:r>
               <a:rPr lang="en-US" dirty="0" smtClean="0"/>
-              <a:t>practices and tools to help you stay productive</a:t>
+              <a:t>and much more…</a:t>
             </a:r>
             <a:endParaRPr lang="en-US" dirty="0"/>
           </a:p>
@@ -4709,7 +5139,7 @@
     <a:masterClrMapping/>
   </p:clrMapOvr>
   <mc:AlternateContent xmlns:mc="http://schemas.openxmlformats.org/markup-compatibility/2006">
-    <mc:Choice xmlns:p14="http://schemas.microsoft.com/office/powerpoint/2010/main" xmlns="" Requires="p14">
+    <mc:Choice xmlns="" xmlns:p14="http://schemas.microsoft.com/office/powerpoint/2010/main" Requires="p14">
       <p:transition p14:dur="100">
         <p:cut/>
       </p:transition>
@@ -4757,22 +5187,27 @@
             <p:ph type="title"/>
           </p:nvPr>
         </p:nvSpPr>
-        <p:spPr/>
+        <p:spPr>
+          <a:xfrm>
+            <a:off x="547396" y="163286"/>
+            <a:ext cx="8229600" cy="739014"/>
+          </a:xfrm>
+        </p:spPr>
         <p:txBody>
           <a:bodyPr/>
           <a:lstStyle/>
           <a:p>
             <a:r>
-              <a:rPr lang="en-US" smtClean="0"/>
-              <a:t>OUTLINE</a:t>
-            </a:r>
-            <a:endParaRPr lang="en-US"/>
-          </a:p>
-        </p:txBody>
-      </p:sp>
-      <p:sp>
-        <p:nvSpPr>
-          <p:cNvPr id="3" name="Content Placeholder 2"/>
+              <a:rPr lang="en-US" dirty="0" smtClean="0"/>
+              <a:t>Yeoman tools</a:t>
+            </a:r>
+            <a:endParaRPr lang="en-US" dirty="0"/>
+          </a:p>
+        </p:txBody>
+      </p:sp>
+      <p:sp>
+        <p:nvSpPr>
+          <p:cNvPr id="7" name="Content Placeholder 6"/>
           <p:cNvSpPr>
             <a:spLocks noGrp="1"/>
           </p:cNvSpPr>
@@ -4782,138 +5217,125 @@
         </p:nvSpPr>
         <p:spPr>
           <a:xfrm>
-            <a:off x="457199" y="2273304"/>
-            <a:ext cx="3788229" cy="4157663"/>
+            <a:off x="547396" y="1850571"/>
+            <a:ext cx="8229600" cy="4157663"/>
           </a:xfrm>
         </p:spPr>
         <p:txBody>
           <a:bodyPr/>
           <a:lstStyle/>
           <a:p>
-            <a:r>
-              <a:rPr lang="en-US" sz="2800" dirty="0" smtClean="0"/>
-              <a:t>What is </a:t>
-            </a:r>
-            <a:r>
-              <a:rPr lang="en-US" sz="2800" dirty="0" err="1" smtClean="0"/>
-              <a:t>AngularJS</a:t>
-            </a:r>
-            <a:endParaRPr lang="en-US" sz="2800" dirty="0" smtClean="0"/>
-          </a:p>
-          <a:p>
-            <a:r>
-              <a:rPr lang="en-US" sz="2800" dirty="0" smtClean="0"/>
-              <a:t>Why use </a:t>
-            </a:r>
-            <a:r>
-              <a:rPr lang="en-US" sz="2800" dirty="0" err="1" smtClean="0"/>
-              <a:t>AngularJS</a:t>
-            </a:r>
-            <a:endParaRPr lang="en-US" sz="2800" dirty="0" smtClean="0"/>
-          </a:p>
-          <a:p>
-            <a:r>
-              <a:rPr lang="en-US" sz="2800" dirty="0" smtClean="0"/>
-              <a:t>Core Features</a:t>
-            </a:r>
-          </a:p>
-          <a:p>
-            <a:r>
-              <a:rPr lang="en-US" sz="2800" dirty="0" smtClean="0"/>
-              <a:t>Two-way data binding</a:t>
-            </a:r>
-          </a:p>
-          <a:p>
-            <a:r>
-              <a:rPr lang="en-US" sz="2800" dirty="0" smtClean="0"/>
-              <a:t>Modules</a:t>
-            </a:r>
-          </a:p>
-          <a:p>
-            <a:endParaRPr lang="en-US" sz="2800" dirty="0" smtClean="0"/>
-          </a:p>
-        </p:txBody>
-      </p:sp>
-      <p:sp>
-        <p:nvSpPr>
-          <p:cNvPr id="4" name="Rectangle 3"/>
-          <p:cNvSpPr/>
+            <a:endParaRPr lang="en-US" dirty="0" smtClean="0"/>
+          </a:p>
+          <a:p>
+            <a:endParaRPr lang="en-US" dirty="0" smtClean="0"/>
+          </a:p>
+          <a:p>
+            <a:endParaRPr lang="en-US" dirty="0" smtClean="0"/>
+          </a:p>
+          <a:p>
+            <a:r>
+              <a:rPr lang="en-US" b="1" dirty="0" smtClean="0"/>
+              <a:t>Scaffolding tool</a:t>
+            </a:r>
+            <a:r>
+              <a:rPr lang="en-US" dirty="0" smtClean="0"/>
+              <a:t> for </a:t>
+            </a:r>
+            <a:r>
+              <a:rPr lang="en-US" dirty="0" err="1" smtClean="0"/>
+              <a:t>contruct</a:t>
+            </a:r>
+            <a:r>
+              <a:rPr lang="en-US" dirty="0" smtClean="0"/>
+              <a:t> new app (</a:t>
+            </a:r>
+            <a:r>
+              <a:rPr lang="en-US" dirty="0" err="1" smtClean="0"/>
+              <a:t>Yo</a:t>
+            </a:r>
+            <a:r>
+              <a:rPr lang="en-US" dirty="0" smtClean="0"/>
+              <a:t>)</a:t>
+            </a:r>
+          </a:p>
+          <a:p>
+            <a:endParaRPr lang="en-US" dirty="0" smtClean="0"/>
+          </a:p>
+          <a:p>
+            <a:r>
+              <a:rPr lang="en-US" b="1" dirty="0" smtClean="0"/>
+              <a:t>Build system</a:t>
+            </a:r>
+            <a:r>
+              <a:rPr lang="en-US" dirty="0" smtClean="0"/>
+              <a:t> for build, preview, test</a:t>
+            </a:r>
+            <a:r>
+              <a:rPr lang="en-US" dirty="0" smtClean="0"/>
+              <a:t> </a:t>
+            </a:r>
+            <a:r>
+              <a:rPr lang="en-US" dirty="0" smtClean="0"/>
+              <a:t>(Grunt, Gulp)</a:t>
+            </a:r>
+          </a:p>
+          <a:p>
+            <a:endParaRPr lang="en-US" dirty="0" smtClean="0"/>
+          </a:p>
+          <a:p>
+            <a:r>
+              <a:rPr lang="en-US" b="1" dirty="0" smtClean="0"/>
+              <a:t>Package manager</a:t>
+            </a:r>
+            <a:r>
+              <a:rPr lang="en-US" dirty="0" smtClean="0"/>
+              <a:t> for dependency management (Bower, </a:t>
+            </a:r>
+            <a:r>
+              <a:rPr lang="en-US" dirty="0" err="1" smtClean="0"/>
+              <a:t>npm</a:t>
+            </a:r>
+            <a:r>
+              <a:rPr lang="en-US" dirty="0" smtClean="0"/>
+              <a:t>)</a:t>
+            </a:r>
+          </a:p>
+        </p:txBody>
+      </p:sp>
+      <p:pic>
+        <p:nvPicPr>
+          <p:cNvPr id="1027" name="Picture 3" descr="C:\Users\sonvq\Desktop\toolset.png"/>
+          <p:cNvPicPr>
+            <a:picLocks noChangeAspect="1" noChangeArrowheads="1"/>
+          </p:cNvPicPr>
           <p:nvPr/>
-        </p:nvSpPr>
-        <p:spPr>
+        </p:nvPicPr>
+        <p:blipFill>
+          <a:blip r:embed="rId3"/>
+          <a:srcRect/>
+          <a:stretch>
+            <a:fillRect/>
+          </a:stretch>
+        </p:blipFill>
+        <p:spPr bwMode="auto">
           <a:xfrm>
-            <a:off x="4898571" y="2229760"/>
-            <a:ext cx="4572000" cy="2554545"/>
+            <a:off x="2324100" y="902300"/>
+            <a:ext cx="5112313" cy="2056039"/>
           </a:xfrm>
           <a:prstGeom prst="rect">
             <a:avLst/>
           </a:prstGeom>
+          <a:noFill/>
         </p:spPr>
-        <p:txBody>
-          <a:bodyPr>
-            <a:spAutoFit/>
-          </a:bodyPr>
-          <a:lstStyle/>
-          <a:p>
-            <a:pPr marL="514350" indent="-514350">
-              <a:buFont typeface="Arial" pitchFamily="34" charset="0"/>
-              <a:buChar char="•"/>
-            </a:pPr>
-            <a:r>
-              <a:rPr lang="en-US" sz="3200" smtClean="0"/>
-              <a:t>Controllers</a:t>
-            </a:r>
-          </a:p>
-          <a:p>
-            <a:pPr marL="514350" indent="-514350">
-              <a:buFont typeface="Arial" pitchFamily="34" charset="0"/>
-              <a:buChar char="•"/>
-            </a:pPr>
-            <a:r>
-              <a:rPr lang="en-US" sz="3200" smtClean="0"/>
-              <a:t>Directive</a:t>
-            </a:r>
-          </a:p>
-          <a:p>
-            <a:pPr marL="514350" indent="-514350">
-              <a:buFont typeface="Arial" pitchFamily="34" charset="0"/>
-              <a:buChar char="•"/>
-            </a:pPr>
-            <a:r>
-              <a:rPr lang="en-US" sz="3200" smtClean="0"/>
-              <a:t>Expresstion</a:t>
-            </a:r>
-          </a:p>
-          <a:p>
-            <a:pPr marL="514350" indent="-514350">
-              <a:buFont typeface="Arial" pitchFamily="34" charset="0"/>
-              <a:buChar char="•"/>
-            </a:pPr>
-            <a:r>
-              <a:rPr lang="en-US" sz="3200" smtClean="0"/>
-              <a:t>DI</a:t>
-            </a:r>
-          </a:p>
-          <a:p>
-            <a:pPr marL="514350" indent="-514350">
-              <a:buFont typeface="Arial" pitchFamily="34" charset="0"/>
-              <a:buChar char="•"/>
-            </a:pPr>
-            <a:r>
-              <a:rPr lang="en-US" sz="3200" smtClean="0"/>
-              <a:t>Topics</a:t>
-            </a:r>
-            <a:endParaRPr lang="en-US" sz="3200"/>
-          </a:p>
-        </p:txBody>
-      </p:sp>
+      </p:pic>
     </p:spTree>
   </p:cSld>
   <p:clrMapOvr>
     <a:masterClrMapping/>
   </p:clrMapOvr>
   <mc:AlternateContent xmlns:mc="http://schemas.openxmlformats.org/markup-compatibility/2006">
-    <mc:Choice xmlns:p14="http://schemas.microsoft.com/office/powerpoint/2010/main" xmlns="" Requires="p14">
+    <mc:Choice xmlns="" xmlns:p14="http://schemas.microsoft.com/office/powerpoint/2010/main" Requires="p14">
       <p:transition p14:dur="100">
         <p:cut/>
       </p:transition>
@@ -4958,6 +5380,173 @@
             <a:spLocks noGrp="1"/>
           </p:cNvSpPr>
           <p:nvPr>
+            <p:ph type="title"/>
+          </p:nvPr>
+        </p:nvSpPr>
+        <p:spPr>
+          <a:xfrm>
+            <a:off x="547396" y="163286"/>
+            <a:ext cx="8229600" cy="739014"/>
+          </a:xfrm>
+        </p:spPr>
+        <p:txBody>
+          <a:bodyPr/>
+          <a:lstStyle/>
+          <a:p>
+            <a:r>
+              <a:rPr lang="en-US" dirty="0" smtClean="0"/>
+              <a:t>Yeoman </a:t>
+            </a:r>
+            <a:r>
+              <a:rPr lang="en-US" dirty="0" err="1" smtClean="0"/>
+              <a:t>Cmd</a:t>
+            </a:r>
+            <a:endParaRPr lang="en-US" dirty="0"/>
+          </a:p>
+        </p:txBody>
+      </p:sp>
+      <p:sp>
+        <p:nvSpPr>
+          <p:cNvPr id="7" name="Content Placeholder 6"/>
+          <p:cNvSpPr>
+            <a:spLocks noGrp="1"/>
+          </p:cNvSpPr>
+          <p:nvPr>
+            <p:ph idx="1"/>
+          </p:nvPr>
+        </p:nvSpPr>
+        <p:spPr>
+          <a:xfrm>
+            <a:off x="547396" y="1850571"/>
+            <a:ext cx="8229600" cy="4157663"/>
+          </a:xfrm>
+        </p:spPr>
+        <p:txBody>
+          <a:bodyPr/>
+          <a:lstStyle/>
+          <a:p>
+            <a:r>
+              <a:rPr lang="en-US" dirty="0" err="1" smtClean="0"/>
+              <a:t>npm</a:t>
+            </a:r>
+            <a:r>
+              <a:rPr lang="en-US" dirty="0" smtClean="0"/>
+              <a:t> install </a:t>
+            </a:r>
+            <a:r>
+              <a:rPr lang="en-US" dirty="0" err="1" smtClean="0"/>
+              <a:t>yo</a:t>
+            </a:r>
+            <a:r>
+              <a:rPr lang="en-US" dirty="0" smtClean="0"/>
+              <a:t> –g</a:t>
+            </a:r>
+          </a:p>
+          <a:p>
+            <a:endParaRPr lang="en-US" dirty="0" smtClean="0"/>
+          </a:p>
+          <a:p>
+            <a:r>
+              <a:rPr lang="en-US" dirty="0" err="1" smtClean="0"/>
+              <a:t>npm</a:t>
+            </a:r>
+            <a:r>
+              <a:rPr lang="en-US" dirty="0" smtClean="0"/>
+              <a:t> install generator-</a:t>
+            </a:r>
+            <a:r>
+              <a:rPr lang="en-US" dirty="0" err="1" smtClean="0"/>
+              <a:t>webapp</a:t>
+            </a:r>
+            <a:r>
+              <a:rPr lang="en-US" dirty="0" smtClean="0"/>
+              <a:t> –g</a:t>
+            </a:r>
+          </a:p>
+          <a:p>
+            <a:endParaRPr lang="en-US" dirty="0" smtClean="0"/>
+          </a:p>
+          <a:p>
+            <a:r>
+              <a:rPr lang="en-US" dirty="0" err="1" smtClean="0"/>
+              <a:t>yo</a:t>
+            </a:r>
+            <a:r>
+              <a:rPr lang="en-US" dirty="0" smtClean="0"/>
+              <a:t> </a:t>
+            </a:r>
+            <a:r>
+              <a:rPr lang="en-US" dirty="0" err="1" smtClean="0"/>
+              <a:t>webapp</a:t>
+            </a:r>
+            <a:endParaRPr lang="en-US" dirty="0" smtClean="0"/>
+          </a:p>
+          <a:p>
+            <a:endParaRPr lang="en-US" dirty="0" smtClean="0"/>
+          </a:p>
+          <a:p>
+            <a:r>
+              <a:rPr lang="en-US" smtClean="0"/>
+              <a:t>grunt </a:t>
+            </a:r>
+            <a:r>
+              <a:rPr lang="en-US" dirty="0" smtClean="0"/>
+              <a:t>server</a:t>
+            </a:r>
+          </a:p>
+        </p:txBody>
+      </p:sp>
+    </p:spTree>
+  </p:cSld>
+  <p:clrMapOvr>
+    <a:masterClrMapping/>
+  </p:clrMapOvr>
+  <mc:AlternateContent xmlns:mc="http://schemas.openxmlformats.org/markup-compatibility/2006">
+    <mc:Choice xmlns="" xmlns:p14="http://schemas.microsoft.com/office/powerpoint/2010/main" Requires="p14">
+      <p:transition p14:dur="100">
+        <p:cut/>
+      </p:transition>
+    </mc:Choice>
+    <mc:Fallback>
+      <p:transition>
+        <p:cut/>
+      </p:transition>
+    </mc:Fallback>
+  </mc:AlternateContent>
+  <p:timing>
+    <p:tnLst>
+      <p:par>
+        <p:cTn id="1" dur="indefinite" restart="never" nodeType="tmRoot"/>
+      </p:par>
+    </p:tnLst>
+  </p:timing>
+</p:sld>
+</file>
+
+<file path=ppt/slides/slide5.xml><?xml version="1.0" encoding="utf-8"?>
+<p:sld xmlns:a="http://schemas.openxmlformats.org/drawingml/2006/main" xmlns:r="http://schemas.openxmlformats.org/officeDocument/2006/relationships" xmlns:p="http://schemas.openxmlformats.org/presentationml/2006/main">
+  <p:cSld>
+    <p:spTree>
+      <p:nvGrpSpPr>
+        <p:cNvPr id="1" name=""/>
+        <p:cNvGrpSpPr/>
+        <p:nvPr/>
+      </p:nvGrpSpPr>
+      <p:grpSpPr>
+        <a:xfrm>
+          <a:off x="0" y="0"/>
+          <a:ext cx="0" cy="0"/>
+          <a:chOff x="0" y="0"/>
+          <a:chExt cx="0" cy="0"/>
+        </a:xfrm>
+      </p:grpSpPr>
+      <p:sp>
+        <p:nvSpPr>
+          <p:cNvPr id="2" name="Title 1"/>
+          <p:cNvSpPr>
+            <a:spLocks noGrp="1"/>
+          </p:cNvSpPr>
+          <p:nvPr>
             <p:ph type="ctrTitle"/>
           </p:nvPr>
         </p:nvSpPr>
@@ -5015,7 +5604,7 @@
     </p:spTree>
     <p:extLst>
       <p:ext uri="{BB962C8B-B14F-4D97-AF65-F5344CB8AC3E}">
-        <p14:creationId xmlns:p14="http://schemas.microsoft.com/office/powerpoint/2010/main" xmlns="" val="3137979333"/>
+        <p14:creationId xmlns="" xmlns:p14="http://schemas.microsoft.com/office/powerpoint/2010/main" val="3137979333"/>
       </p:ext>
     </p:extLst>
   </p:cSld>
@@ -5023,7 +5612,7 @@
     <a:masterClrMapping/>
   </p:clrMapOvr>
   <mc:AlternateContent xmlns:mc="http://schemas.openxmlformats.org/markup-compatibility/2006">
-    <mc:Choice xmlns:p14="http://schemas.microsoft.com/office/powerpoint/2010/main" xmlns="" Requires="p14">
+    <mc:Choice xmlns="" xmlns:p14="http://schemas.microsoft.com/office/powerpoint/2010/main" Requires="p14">
       <p:transition p14:dur="100">
         <p:cut/>
       </p:transition>

--- a/QS_Training_AngularJS_Yeoman, Grunt, Gulp - SonVQ.pptx
+++ b/QS_Training_AngularJS_Yeoman, Grunt, Gulp - SonVQ.pptx
@@ -5,17 +5,31 @@
     <p:sldMasterId id="2147485495" r:id="rId1"/>
   </p:sldMasterIdLst>
   <p:notesMasterIdLst>
-    <p:notesMasterId r:id="rId7"/>
+    <p:notesMasterId r:id="rId21"/>
   </p:notesMasterIdLst>
   <p:handoutMasterIdLst>
-    <p:handoutMasterId r:id="rId8"/>
+    <p:handoutMasterId r:id="rId22"/>
   </p:handoutMasterIdLst>
   <p:sldIdLst>
     <p:sldId id="256" r:id="rId2"/>
     <p:sldId id="394" r:id="rId3"/>
-    <p:sldId id="395" r:id="rId4"/>
-    <p:sldId id="396" r:id="rId5"/>
-    <p:sldId id="333" r:id="rId6"/>
+    <p:sldId id="399" r:id="rId4"/>
+    <p:sldId id="395" r:id="rId5"/>
+    <p:sldId id="397" r:id="rId6"/>
+    <p:sldId id="398" r:id="rId7"/>
+    <p:sldId id="401" r:id="rId8"/>
+    <p:sldId id="400" r:id="rId9"/>
+    <p:sldId id="402" r:id="rId10"/>
+    <p:sldId id="403" r:id="rId11"/>
+    <p:sldId id="405" r:id="rId12"/>
+    <p:sldId id="406" r:id="rId13"/>
+    <p:sldId id="404" r:id="rId14"/>
+    <p:sldId id="407" r:id="rId15"/>
+    <p:sldId id="408" r:id="rId16"/>
+    <p:sldId id="411" r:id="rId17"/>
+    <p:sldId id="409" r:id="rId18"/>
+    <p:sldId id="410" r:id="rId19"/>
+    <p:sldId id="333" r:id="rId20"/>
   </p:sldIdLst>
   <p:sldSz cx="9144000" cy="6858000" type="screen4x3"/>
   <p:notesSz cx="6858000" cy="9144000"/>
@@ -216,7 +230,7 @@
             <a:fld id="{AEC239D8-9946-CA43-8D24-8F75F9EC746F}" type="datetimeFigureOut">
               <a:rPr lang="en-US" smtClean="0"/>
               <a:pPr/>
-              <a:t>5/21/2016</a:t>
+              <a:t>5/24/2016</a:t>
             </a:fld>
             <a:endParaRPr lang="en-US"/>
           </a:p>
@@ -384,7 +398,7 @@
             <a:fld id="{30D3C4F2-547F-4EAC-A4FB-1991884D518B}" type="datetimeFigureOut">
               <a:rPr lang="en-US" smtClean="0"/>
               <a:pPr/>
-              <a:t>5/21/2016</a:t>
+              <a:t>5/24/2016</a:t>
             </a:fld>
             <a:endParaRPr lang="en-US"/>
           </a:p>
@@ -741,6 +755,636 @@
 </p:notes>
 </file>
 
+<file path=ppt/notesSlides/notesSlide10.xml><?xml version="1.0" encoding="utf-8"?>
+<p:notes xmlns:a="http://schemas.openxmlformats.org/drawingml/2006/main" xmlns:r="http://schemas.openxmlformats.org/officeDocument/2006/relationships" xmlns:p="http://schemas.openxmlformats.org/presentationml/2006/main">
+  <p:cSld>
+    <p:spTree>
+      <p:nvGrpSpPr>
+        <p:cNvPr id="1" name=""/>
+        <p:cNvGrpSpPr/>
+        <p:nvPr/>
+      </p:nvGrpSpPr>
+      <p:grpSpPr>
+        <a:xfrm>
+          <a:off x="0" y="0"/>
+          <a:ext cx="0" cy="0"/>
+          <a:chOff x="0" y="0"/>
+          <a:chExt cx="0" cy="0"/>
+        </a:xfrm>
+      </p:grpSpPr>
+      <p:sp>
+        <p:nvSpPr>
+          <p:cNvPr id="2" name="Slide Image Placeholder 1"/>
+          <p:cNvSpPr>
+            <a:spLocks noGrp="1" noRot="1" noChangeAspect="1"/>
+          </p:cNvSpPr>
+          <p:nvPr>
+            <p:ph type="sldImg"/>
+          </p:nvPr>
+        </p:nvSpPr>
+        <p:spPr/>
+      </p:sp>
+      <p:sp>
+        <p:nvSpPr>
+          <p:cNvPr id="3" name="Notes Placeholder 2"/>
+          <p:cNvSpPr>
+            <a:spLocks noGrp="1"/>
+          </p:cNvSpPr>
+          <p:nvPr>
+            <p:ph type="body" idx="1"/>
+          </p:nvPr>
+        </p:nvSpPr>
+        <p:spPr/>
+        <p:txBody>
+          <a:bodyPr>
+            <a:normAutofit/>
+          </a:bodyPr>
+          <a:lstStyle/>
+          <a:p>
+            <a:r>
+              <a:rPr lang="en-US" sz="1200" b="0" i="0" kern="1200" dirty="0" err="1" smtClean="0">
+                <a:solidFill>
+                  <a:schemeClr val="tx1"/>
+                </a:solidFill>
+                <a:latin typeface="+mn-lt"/>
+                <a:ea typeface="+mn-ea"/>
+                <a:cs typeface="+mn-cs"/>
+              </a:rPr>
+              <a:t>Linting</a:t>
+            </a:r>
+            <a:r>
+              <a:rPr lang="en-US" sz="1200" b="0" i="0" kern="1200" dirty="0" smtClean="0">
+                <a:solidFill>
+                  <a:schemeClr val="tx1"/>
+                </a:solidFill>
+                <a:latin typeface="+mn-lt"/>
+                <a:ea typeface="+mn-ea"/>
+                <a:cs typeface="+mn-cs"/>
+              </a:rPr>
+              <a:t> is the process of running a program that will </a:t>
+            </a:r>
+            <a:r>
+              <a:rPr lang="en-US" sz="1200" b="0" i="0" kern="1200" dirty="0" err="1" smtClean="0">
+                <a:solidFill>
+                  <a:schemeClr val="tx1"/>
+                </a:solidFill>
+                <a:latin typeface="+mn-lt"/>
+                <a:ea typeface="+mn-ea"/>
+                <a:cs typeface="+mn-cs"/>
+              </a:rPr>
+              <a:t>analyse</a:t>
+            </a:r>
+            <a:r>
+              <a:rPr lang="en-US" sz="1200" b="0" i="0" kern="1200" smtClean="0">
+                <a:solidFill>
+                  <a:schemeClr val="tx1"/>
+                </a:solidFill>
+                <a:latin typeface="+mn-lt"/>
+                <a:ea typeface="+mn-ea"/>
+                <a:cs typeface="+mn-cs"/>
+              </a:rPr>
+              <a:t> code for potential errors.</a:t>
+            </a:r>
+            <a:endParaRPr lang="en-US"/>
+          </a:p>
+        </p:txBody>
+      </p:sp>
+      <p:sp>
+        <p:nvSpPr>
+          <p:cNvPr id="4" name="Slide Number Placeholder 3"/>
+          <p:cNvSpPr>
+            <a:spLocks noGrp="1"/>
+          </p:cNvSpPr>
+          <p:nvPr>
+            <p:ph type="sldNum" sz="quarter" idx="10"/>
+          </p:nvPr>
+        </p:nvSpPr>
+        <p:spPr/>
+        <p:txBody>
+          <a:bodyPr/>
+          <a:lstStyle/>
+          <a:p>
+            <a:fld id="{35845946-0CF3-4C0F-AF5C-F563F65A0652}" type="slidenum">
+              <a:rPr lang="en-US" smtClean="0"/>
+              <a:pPr/>
+              <a:t>10</a:t>
+            </a:fld>
+            <a:endParaRPr lang="en-US"/>
+          </a:p>
+        </p:txBody>
+      </p:sp>
+    </p:spTree>
+  </p:cSld>
+  <p:clrMapOvr>
+    <a:masterClrMapping/>
+  </p:clrMapOvr>
+</p:notes>
+</file>
+
+<file path=ppt/notesSlides/notesSlide11.xml><?xml version="1.0" encoding="utf-8"?>
+<p:notes xmlns:a="http://schemas.openxmlformats.org/drawingml/2006/main" xmlns:r="http://schemas.openxmlformats.org/officeDocument/2006/relationships" xmlns:p="http://schemas.openxmlformats.org/presentationml/2006/main">
+  <p:cSld>
+    <p:spTree>
+      <p:nvGrpSpPr>
+        <p:cNvPr id="1" name=""/>
+        <p:cNvGrpSpPr/>
+        <p:nvPr/>
+      </p:nvGrpSpPr>
+      <p:grpSpPr>
+        <a:xfrm>
+          <a:off x="0" y="0"/>
+          <a:ext cx="0" cy="0"/>
+          <a:chOff x="0" y="0"/>
+          <a:chExt cx="0" cy="0"/>
+        </a:xfrm>
+      </p:grpSpPr>
+      <p:sp>
+        <p:nvSpPr>
+          <p:cNvPr id="2" name="Slide Image Placeholder 1"/>
+          <p:cNvSpPr>
+            <a:spLocks noGrp="1" noRot="1" noChangeAspect="1"/>
+          </p:cNvSpPr>
+          <p:nvPr>
+            <p:ph type="sldImg"/>
+          </p:nvPr>
+        </p:nvSpPr>
+        <p:spPr/>
+      </p:sp>
+      <p:sp>
+        <p:nvSpPr>
+          <p:cNvPr id="3" name="Notes Placeholder 2"/>
+          <p:cNvSpPr>
+            <a:spLocks noGrp="1"/>
+          </p:cNvSpPr>
+          <p:nvPr>
+            <p:ph type="body" idx="1"/>
+          </p:nvPr>
+        </p:nvSpPr>
+        <p:spPr/>
+        <p:txBody>
+          <a:bodyPr>
+            <a:normAutofit/>
+          </a:bodyPr>
+          <a:lstStyle/>
+          <a:p>
+            <a:r>
+              <a:rPr lang="en-US" sz="1200" b="0" i="0" kern="1200" dirty="0" err="1" smtClean="0">
+                <a:solidFill>
+                  <a:schemeClr val="tx1"/>
+                </a:solidFill>
+                <a:latin typeface="+mn-lt"/>
+                <a:ea typeface="+mn-ea"/>
+                <a:cs typeface="+mn-cs"/>
+              </a:rPr>
+              <a:t>Linting</a:t>
+            </a:r>
+            <a:r>
+              <a:rPr lang="en-US" sz="1200" b="0" i="0" kern="1200" dirty="0" smtClean="0">
+                <a:solidFill>
+                  <a:schemeClr val="tx1"/>
+                </a:solidFill>
+                <a:latin typeface="+mn-lt"/>
+                <a:ea typeface="+mn-ea"/>
+                <a:cs typeface="+mn-cs"/>
+              </a:rPr>
+              <a:t> is the process of running a program that will </a:t>
+            </a:r>
+            <a:r>
+              <a:rPr lang="en-US" sz="1200" b="0" i="0" kern="1200" dirty="0" err="1" smtClean="0">
+                <a:solidFill>
+                  <a:schemeClr val="tx1"/>
+                </a:solidFill>
+                <a:latin typeface="+mn-lt"/>
+                <a:ea typeface="+mn-ea"/>
+                <a:cs typeface="+mn-cs"/>
+              </a:rPr>
+              <a:t>analyse</a:t>
+            </a:r>
+            <a:r>
+              <a:rPr lang="en-US" sz="1200" b="0" i="0" kern="1200" smtClean="0">
+                <a:solidFill>
+                  <a:schemeClr val="tx1"/>
+                </a:solidFill>
+                <a:latin typeface="+mn-lt"/>
+                <a:ea typeface="+mn-ea"/>
+                <a:cs typeface="+mn-cs"/>
+              </a:rPr>
+              <a:t> code for potential errors.</a:t>
+            </a:r>
+            <a:endParaRPr lang="en-US"/>
+          </a:p>
+        </p:txBody>
+      </p:sp>
+      <p:sp>
+        <p:nvSpPr>
+          <p:cNvPr id="4" name="Slide Number Placeholder 3"/>
+          <p:cNvSpPr>
+            <a:spLocks noGrp="1"/>
+          </p:cNvSpPr>
+          <p:nvPr>
+            <p:ph type="sldNum" sz="quarter" idx="10"/>
+          </p:nvPr>
+        </p:nvSpPr>
+        <p:spPr/>
+        <p:txBody>
+          <a:bodyPr/>
+          <a:lstStyle/>
+          <a:p>
+            <a:fld id="{35845946-0CF3-4C0F-AF5C-F563F65A0652}" type="slidenum">
+              <a:rPr lang="en-US" smtClean="0"/>
+              <a:pPr/>
+              <a:t>11</a:t>
+            </a:fld>
+            <a:endParaRPr lang="en-US"/>
+          </a:p>
+        </p:txBody>
+      </p:sp>
+    </p:spTree>
+  </p:cSld>
+  <p:clrMapOvr>
+    <a:masterClrMapping/>
+  </p:clrMapOvr>
+</p:notes>
+</file>
+
+<file path=ppt/notesSlides/notesSlide12.xml><?xml version="1.0" encoding="utf-8"?>
+<p:notes xmlns:a="http://schemas.openxmlformats.org/drawingml/2006/main" xmlns:r="http://schemas.openxmlformats.org/officeDocument/2006/relationships" xmlns:p="http://schemas.openxmlformats.org/presentationml/2006/main">
+  <p:cSld>
+    <p:spTree>
+      <p:nvGrpSpPr>
+        <p:cNvPr id="1" name=""/>
+        <p:cNvGrpSpPr/>
+        <p:nvPr/>
+      </p:nvGrpSpPr>
+      <p:grpSpPr>
+        <a:xfrm>
+          <a:off x="0" y="0"/>
+          <a:ext cx="0" cy="0"/>
+          <a:chOff x="0" y="0"/>
+          <a:chExt cx="0" cy="0"/>
+        </a:xfrm>
+      </p:grpSpPr>
+      <p:sp>
+        <p:nvSpPr>
+          <p:cNvPr id="2" name="Slide Image Placeholder 1"/>
+          <p:cNvSpPr>
+            <a:spLocks noGrp="1" noRot="1" noChangeAspect="1"/>
+          </p:cNvSpPr>
+          <p:nvPr>
+            <p:ph type="sldImg"/>
+          </p:nvPr>
+        </p:nvSpPr>
+        <p:spPr/>
+      </p:sp>
+      <p:sp>
+        <p:nvSpPr>
+          <p:cNvPr id="3" name="Notes Placeholder 2"/>
+          <p:cNvSpPr>
+            <a:spLocks noGrp="1"/>
+          </p:cNvSpPr>
+          <p:nvPr>
+            <p:ph type="body" idx="1"/>
+          </p:nvPr>
+        </p:nvSpPr>
+        <p:spPr/>
+        <p:txBody>
+          <a:bodyPr>
+            <a:normAutofit/>
+          </a:bodyPr>
+          <a:lstStyle/>
+          <a:p>
+            <a:r>
+              <a:rPr lang="en-US" sz="1200" b="0" i="0" kern="1200" dirty="0" err="1" smtClean="0">
+                <a:solidFill>
+                  <a:schemeClr val="tx1"/>
+                </a:solidFill>
+                <a:latin typeface="+mn-lt"/>
+                <a:ea typeface="+mn-ea"/>
+                <a:cs typeface="+mn-cs"/>
+              </a:rPr>
+              <a:t>Linting</a:t>
+            </a:r>
+            <a:r>
+              <a:rPr lang="en-US" sz="1200" b="0" i="0" kern="1200" dirty="0" smtClean="0">
+                <a:solidFill>
+                  <a:schemeClr val="tx1"/>
+                </a:solidFill>
+                <a:latin typeface="+mn-lt"/>
+                <a:ea typeface="+mn-ea"/>
+                <a:cs typeface="+mn-cs"/>
+              </a:rPr>
+              <a:t> is the process of running a program that will </a:t>
+            </a:r>
+            <a:r>
+              <a:rPr lang="en-US" sz="1200" b="0" i="0" kern="1200" dirty="0" err="1" smtClean="0">
+                <a:solidFill>
+                  <a:schemeClr val="tx1"/>
+                </a:solidFill>
+                <a:latin typeface="+mn-lt"/>
+                <a:ea typeface="+mn-ea"/>
+                <a:cs typeface="+mn-cs"/>
+              </a:rPr>
+              <a:t>analyse</a:t>
+            </a:r>
+            <a:r>
+              <a:rPr lang="en-US" sz="1200" b="0" i="0" kern="1200" smtClean="0">
+                <a:solidFill>
+                  <a:schemeClr val="tx1"/>
+                </a:solidFill>
+                <a:latin typeface="+mn-lt"/>
+                <a:ea typeface="+mn-ea"/>
+                <a:cs typeface="+mn-cs"/>
+              </a:rPr>
+              <a:t> code for potential errors.</a:t>
+            </a:r>
+            <a:endParaRPr lang="en-US"/>
+          </a:p>
+        </p:txBody>
+      </p:sp>
+      <p:sp>
+        <p:nvSpPr>
+          <p:cNvPr id="4" name="Slide Number Placeholder 3"/>
+          <p:cNvSpPr>
+            <a:spLocks noGrp="1"/>
+          </p:cNvSpPr>
+          <p:nvPr>
+            <p:ph type="sldNum" sz="quarter" idx="10"/>
+          </p:nvPr>
+        </p:nvSpPr>
+        <p:spPr/>
+        <p:txBody>
+          <a:bodyPr/>
+          <a:lstStyle/>
+          <a:p>
+            <a:fld id="{35845946-0CF3-4C0F-AF5C-F563F65A0652}" type="slidenum">
+              <a:rPr lang="en-US" smtClean="0"/>
+              <a:pPr/>
+              <a:t>12</a:t>
+            </a:fld>
+            <a:endParaRPr lang="en-US"/>
+          </a:p>
+        </p:txBody>
+      </p:sp>
+    </p:spTree>
+  </p:cSld>
+  <p:clrMapOvr>
+    <a:masterClrMapping/>
+  </p:clrMapOvr>
+</p:notes>
+</file>
+
+<file path=ppt/notesSlides/notesSlide13.xml><?xml version="1.0" encoding="utf-8"?>
+<p:notes xmlns:a="http://schemas.openxmlformats.org/drawingml/2006/main" xmlns:r="http://schemas.openxmlformats.org/officeDocument/2006/relationships" xmlns:p="http://schemas.openxmlformats.org/presentationml/2006/main">
+  <p:cSld>
+    <p:spTree>
+      <p:nvGrpSpPr>
+        <p:cNvPr id="1" name=""/>
+        <p:cNvGrpSpPr/>
+        <p:nvPr/>
+      </p:nvGrpSpPr>
+      <p:grpSpPr>
+        <a:xfrm>
+          <a:off x="0" y="0"/>
+          <a:ext cx="0" cy="0"/>
+          <a:chOff x="0" y="0"/>
+          <a:chExt cx="0" cy="0"/>
+        </a:xfrm>
+      </p:grpSpPr>
+      <p:sp>
+        <p:nvSpPr>
+          <p:cNvPr id="2" name="Slide Image Placeholder 1"/>
+          <p:cNvSpPr>
+            <a:spLocks noGrp="1" noRot="1" noChangeAspect="1"/>
+          </p:cNvSpPr>
+          <p:nvPr>
+            <p:ph type="sldImg"/>
+          </p:nvPr>
+        </p:nvSpPr>
+        <p:spPr/>
+      </p:sp>
+      <p:sp>
+        <p:nvSpPr>
+          <p:cNvPr id="3" name="Notes Placeholder 2"/>
+          <p:cNvSpPr>
+            <a:spLocks noGrp="1"/>
+          </p:cNvSpPr>
+          <p:nvPr>
+            <p:ph type="body" idx="1"/>
+          </p:nvPr>
+        </p:nvSpPr>
+        <p:spPr/>
+        <p:txBody>
+          <a:bodyPr>
+            <a:normAutofit/>
+          </a:bodyPr>
+          <a:lstStyle/>
+          <a:p>
+            <a:r>
+              <a:rPr lang="en-US" sz="1200" b="0" i="0" kern="1200" dirty="0" err="1" smtClean="0">
+                <a:solidFill>
+                  <a:schemeClr val="tx1"/>
+                </a:solidFill>
+                <a:latin typeface="+mn-lt"/>
+                <a:ea typeface="+mn-ea"/>
+                <a:cs typeface="+mn-cs"/>
+              </a:rPr>
+              <a:t>Linting</a:t>
+            </a:r>
+            <a:r>
+              <a:rPr lang="en-US" sz="1200" b="0" i="0" kern="1200" dirty="0" smtClean="0">
+                <a:solidFill>
+                  <a:schemeClr val="tx1"/>
+                </a:solidFill>
+                <a:latin typeface="+mn-lt"/>
+                <a:ea typeface="+mn-ea"/>
+                <a:cs typeface="+mn-cs"/>
+              </a:rPr>
+              <a:t> is the process of running a program that will </a:t>
+            </a:r>
+            <a:r>
+              <a:rPr lang="en-US" sz="1200" b="0" i="0" kern="1200" dirty="0" err="1" smtClean="0">
+                <a:solidFill>
+                  <a:schemeClr val="tx1"/>
+                </a:solidFill>
+                <a:latin typeface="+mn-lt"/>
+                <a:ea typeface="+mn-ea"/>
+                <a:cs typeface="+mn-cs"/>
+              </a:rPr>
+              <a:t>analyse</a:t>
+            </a:r>
+            <a:r>
+              <a:rPr lang="en-US" sz="1200" b="0" i="0" kern="1200" smtClean="0">
+                <a:solidFill>
+                  <a:schemeClr val="tx1"/>
+                </a:solidFill>
+                <a:latin typeface="+mn-lt"/>
+                <a:ea typeface="+mn-ea"/>
+                <a:cs typeface="+mn-cs"/>
+              </a:rPr>
+              <a:t> code for potential errors.</a:t>
+            </a:r>
+            <a:endParaRPr lang="en-US"/>
+          </a:p>
+        </p:txBody>
+      </p:sp>
+      <p:sp>
+        <p:nvSpPr>
+          <p:cNvPr id="4" name="Slide Number Placeholder 3"/>
+          <p:cNvSpPr>
+            <a:spLocks noGrp="1"/>
+          </p:cNvSpPr>
+          <p:nvPr>
+            <p:ph type="sldNum" sz="quarter" idx="10"/>
+          </p:nvPr>
+        </p:nvSpPr>
+        <p:spPr/>
+        <p:txBody>
+          <a:bodyPr/>
+          <a:lstStyle/>
+          <a:p>
+            <a:fld id="{35845946-0CF3-4C0F-AF5C-F563F65A0652}" type="slidenum">
+              <a:rPr lang="en-US" smtClean="0"/>
+              <a:pPr/>
+              <a:t>13</a:t>
+            </a:fld>
+            <a:endParaRPr lang="en-US"/>
+          </a:p>
+        </p:txBody>
+      </p:sp>
+    </p:spTree>
+  </p:cSld>
+  <p:clrMapOvr>
+    <a:masterClrMapping/>
+  </p:clrMapOvr>
+</p:notes>
+</file>
+
+<file path=ppt/notesSlides/notesSlide14.xml><?xml version="1.0" encoding="utf-8"?>
+<p:notes xmlns:a="http://schemas.openxmlformats.org/drawingml/2006/main" xmlns:r="http://schemas.openxmlformats.org/officeDocument/2006/relationships" xmlns:p="http://schemas.openxmlformats.org/presentationml/2006/main">
+  <p:cSld>
+    <p:spTree>
+      <p:nvGrpSpPr>
+        <p:cNvPr id="1" name=""/>
+        <p:cNvGrpSpPr/>
+        <p:nvPr/>
+      </p:nvGrpSpPr>
+      <p:grpSpPr>
+        <a:xfrm>
+          <a:off x="0" y="0"/>
+          <a:ext cx="0" cy="0"/>
+          <a:chOff x="0" y="0"/>
+          <a:chExt cx="0" cy="0"/>
+        </a:xfrm>
+      </p:grpSpPr>
+      <p:sp>
+        <p:nvSpPr>
+          <p:cNvPr id="2" name="Slide Image Placeholder 1"/>
+          <p:cNvSpPr>
+            <a:spLocks noGrp="1" noRot="1" noChangeAspect="1"/>
+          </p:cNvSpPr>
+          <p:nvPr>
+            <p:ph type="sldImg"/>
+          </p:nvPr>
+        </p:nvSpPr>
+        <p:spPr/>
+      </p:sp>
+      <p:sp>
+        <p:nvSpPr>
+          <p:cNvPr id="3" name="Notes Placeholder 2"/>
+          <p:cNvSpPr>
+            <a:spLocks noGrp="1"/>
+          </p:cNvSpPr>
+          <p:nvPr>
+            <p:ph type="body" idx="1"/>
+          </p:nvPr>
+        </p:nvSpPr>
+        <p:spPr/>
+        <p:txBody>
+          <a:bodyPr>
+            <a:normAutofit/>
+          </a:bodyPr>
+          <a:lstStyle/>
+          <a:p>
+            <a:r>
+              <a:rPr lang="en-US" sz="1200" b="0" i="0" kern="1200" dirty="0" err="1" smtClean="0">
+                <a:solidFill>
+                  <a:schemeClr val="tx1"/>
+                </a:solidFill>
+                <a:latin typeface="+mn-lt"/>
+                <a:ea typeface="+mn-ea"/>
+                <a:cs typeface="+mn-cs"/>
+              </a:rPr>
+              <a:t>Linting</a:t>
+            </a:r>
+            <a:r>
+              <a:rPr lang="en-US" sz="1200" b="0" i="0" kern="1200" dirty="0" smtClean="0">
+                <a:solidFill>
+                  <a:schemeClr val="tx1"/>
+                </a:solidFill>
+                <a:latin typeface="+mn-lt"/>
+                <a:ea typeface="+mn-ea"/>
+                <a:cs typeface="+mn-cs"/>
+              </a:rPr>
+              <a:t> is the process of running a program that will </a:t>
+            </a:r>
+            <a:r>
+              <a:rPr lang="en-US" sz="1200" b="0" i="0" kern="1200" dirty="0" err="1" smtClean="0">
+                <a:solidFill>
+                  <a:schemeClr val="tx1"/>
+                </a:solidFill>
+                <a:latin typeface="+mn-lt"/>
+                <a:ea typeface="+mn-ea"/>
+                <a:cs typeface="+mn-cs"/>
+              </a:rPr>
+              <a:t>analyse</a:t>
+            </a:r>
+            <a:r>
+              <a:rPr lang="en-US" sz="1200" b="0" i="0" kern="1200" smtClean="0">
+                <a:solidFill>
+                  <a:schemeClr val="tx1"/>
+                </a:solidFill>
+                <a:latin typeface="+mn-lt"/>
+                <a:ea typeface="+mn-ea"/>
+                <a:cs typeface="+mn-cs"/>
+              </a:rPr>
+              <a:t> code for potential errors.</a:t>
+            </a:r>
+            <a:endParaRPr lang="en-US"/>
+          </a:p>
+        </p:txBody>
+      </p:sp>
+      <p:sp>
+        <p:nvSpPr>
+          <p:cNvPr id="4" name="Slide Number Placeholder 3"/>
+          <p:cNvSpPr>
+            <a:spLocks noGrp="1"/>
+          </p:cNvSpPr>
+          <p:nvPr>
+            <p:ph type="sldNum" sz="quarter" idx="10"/>
+          </p:nvPr>
+        </p:nvSpPr>
+        <p:spPr/>
+        <p:txBody>
+          <a:bodyPr/>
+          <a:lstStyle/>
+          <a:p>
+            <a:fld id="{35845946-0CF3-4C0F-AF5C-F563F65A0652}" type="slidenum">
+              <a:rPr lang="en-US" smtClean="0"/>
+              <a:pPr/>
+              <a:t>14</a:t>
+            </a:fld>
+            <a:endParaRPr lang="en-US"/>
+          </a:p>
+        </p:txBody>
+      </p:sp>
+    </p:spTree>
+  </p:cSld>
+  <p:clrMapOvr>
+    <a:masterClrMapping/>
+  </p:clrMapOvr>
+</p:notes>
+</file>
+
 <file path=ppt/notesSlides/notesSlide2.xml><?xml version="1.0" encoding="utf-8"?>
 <p:notes xmlns:a="http://schemas.openxmlformats.org/drawingml/2006/main" xmlns:r="http://schemas.openxmlformats.org/officeDocument/2006/relationships" xmlns:p="http://schemas.openxmlformats.org/presentationml/2006/main">
   <p:cSld>
@@ -947,7 +1591,7 @@
               <a:t>analyse</a:t>
             </a:r>
             <a:r>
-              <a:rPr lang="en-US" sz="1200" b="0" i="0" kern="1200" smtClean="0">
+              <a:rPr lang="en-US" sz="1200" b="0" i="0" kern="1200" dirty="0" smtClean="0">
                 <a:solidFill>
                   <a:schemeClr val="tx1"/>
                 </a:solidFill>
@@ -957,7 +1601,7 @@
               </a:rPr>
               <a:t> code for potential errors.</a:t>
             </a:r>
-            <a:endParaRPr lang="en-US"/>
+            <a:endParaRPr lang="en-US" dirty="0"/>
           </a:p>
         </p:txBody>
       </p:sp>
@@ -1119,6 +1763,636 @@
 </p:notes>
 </file>
 
+<file path=ppt/notesSlides/notesSlide5.xml><?xml version="1.0" encoding="utf-8"?>
+<p:notes xmlns:a="http://schemas.openxmlformats.org/drawingml/2006/main" xmlns:r="http://schemas.openxmlformats.org/officeDocument/2006/relationships" xmlns:p="http://schemas.openxmlformats.org/presentationml/2006/main">
+  <p:cSld>
+    <p:spTree>
+      <p:nvGrpSpPr>
+        <p:cNvPr id="1" name=""/>
+        <p:cNvGrpSpPr/>
+        <p:nvPr/>
+      </p:nvGrpSpPr>
+      <p:grpSpPr>
+        <a:xfrm>
+          <a:off x="0" y="0"/>
+          <a:ext cx="0" cy="0"/>
+          <a:chOff x="0" y="0"/>
+          <a:chExt cx="0" cy="0"/>
+        </a:xfrm>
+      </p:grpSpPr>
+      <p:sp>
+        <p:nvSpPr>
+          <p:cNvPr id="2" name="Slide Image Placeholder 1"/>
+          <p:cNvSpPr>
+            <a:spLocks noGrp="1" noRot="1" noChangeAspect="1"/>
+          </p:cNvSpPr>
+          <p:nvPr>
+            <p:ph type="sldImg"/>
+          </p:nvPr>
+        </p:nvSpPr>
+        <p:spPr/>
+      </p:sp>
+      <p:sp>
+        <p:nvSpPr>
+          <p:cNvPr id="3" name="Notes Placeholder 2"/>
+          <p:cNvSpPr>
+            <a:spLocks noGrp="1"/>
+          </p:cNvSpPr>
+          <p:nvPr>
+            <p:ph type="body" idx="1"/>
+          </p:nvPr>
+        </p:nvSpPr>
+        <p:spPr/>
+        <p:txBody>
+          <a:bodyPr>
+            <a:normAutofit/>
+          </a:bodyPr>
+          <a:lstStyle/>
+          <a:p>
+            <a:r>
+              <a:rPr lang="en-US" sz="1200" b="0" i="0" kern="1200" dirty="0" err="1" smtClean="0">
+                <a:solidFill>
+                  <a:schemeClr val="tx1"/>
+                </a:solidFill>
+                <a:latin typeface="+mn-lt"/>
+                <a:ea typeface="+mn-ea"/>
+                <a:cs typeface="+mn-cs"/>
+              </a:rPr>
+              <a:t>Linting</a:t>
+            </a:r>
+            <a:r>
+              <a:rPr lang="en-US" sz="1200" b="0" i="0" kern="1200" dirty="0" smtClean="0">
+                <a:solidFill>
+                  <a:schemeClr val="tx1"/>
+                </a:solidFill>
+                <a:latin typeface="+mn-lt"/>
+                <a:ea typeface="+mn-ea"/>
+                <a:cs typeface="+mn-cs"/>
+              </a:rPr>
+              <a:t> is the process of running a program that will </a:t>
+            </a:r>
+            <a:r>
+              <a:rPr lang="en-US" sz="1200" b="0" i="0" kern="1200" dirty="0" err="1" smtClean="0">
+                <a:solidFill>
+                  <a:schemeClr val="tx1"/>
+                </a:solidFill>
+                <a:latin typeface="+mn-lt"/>
+                <a:ea typeface="+mn-ea"/>
+                <a:cs typeface="+mn-cs"/>
+              </a:rPr>
+              <a:t>analyse</a:t>
+            </a:r>
+            <a:r>
+              <a:rPr lang="en-US" sz="1200" b="0" i="0" kern="1200" smtClean="0">
+                <a:solidFill>
+                  <a:schemeClr val="tx1"/>
+                </a:solidFill>
+                <a:latin typeface="+mn-lt"/>
+                <a:ea typeface="+mn-ea"/>
+                <a:cs typeface="+mn-cs"/>
+              </a:rPr>
+              <a:t> code for potential errors.</a:t>
+            </a:r>
+            <a:endParaRPr lang="en-US"/>
+          </a:p>
+        </p:txBody>
+      </p:sp>
+      <p:sp>
+        <p:nvSpPr>
+          <p:cNvPr id="4" name="Slide Number Placeholder 3"/>
+          <p:cNvSpPr>
+            <a:spLocks noGrp="1"/>
+          </p:cNvSpPr>
+          <p:nvPr>
+            <p:ph type="sldNum" sz="quarter" idx="10"/>
+          </p:nvPr>
+        </p:nvSpPr>
+        <p:spPr/>
+        <p:txBody>
+          <a:bodyPr/>
+          <a:lstStyle/>
+          <a:p>
+            <a:fld id="{35845946-0CF3-4C0F-AF5C-F563F65A0652}" type="slidenum">
+              <a:rPr lang="en-US" smtClean="0"/>
+              <a:pPr/>
+              <a:t>5</a:t>
+            </a:fld>
+            <a:endParaRPr lang="en-US"/>
+          </a:p>
+        </p:txBody>
+      </p:sp>
+    </p:spTree>
+  </p:cSld>
+  <p:clrMapOvr>
+    <a:masterClrMapping/>
+  </p:clrMapOvr>
+</p:notes>
+</file>
+
+<file path=ppt/notesSlides/notesSlide6.xml><?xml version="1.0" encoding="utf-8"?>
+<p:notes xmlns:a="http://schemas.openxmlformats.org/drawingml/2006/main" xmlns:r="http://schemas.openxmlformats.org/officeDocument/2006/relationships" xmlns:p="http://schemas.openxmlformats.org/presentationml/2006/main">
+  <p:cSld>
+    <p:spTree>
+      <p:nvGrpSpPr>
+        <p:cNvPr id="1" name=""/>
+        <p:cNvGrpSpPr/>
+        <p:nvPr/>
+      </p:nvGrpSpPr>
+      <p:grpSpPr>
+        <a:xfrm>
+          <a:off x="0" y="0"/>
+          <a:ext cx="0" cy="0"/>
+          <a:chOff x="0" y="0"/>
+          <a:chExt cx="0" cy="0"/>
+        </a:xfrm>
+      </p:grpSpPr>
+      <p:sp>
+        <p:nvSpPr>
+          <p:cNvPr id="2" name="Slide Image Placeholder 1"/>
+          <p:cNvSpPr>
+            <a:spLocks noGrp="1" noRot="1" noChangeAspect="1"/>
+          </p:cNvSpPr>
+          <p:nvPr>
+            <p:ph type="sldImg"/>
+          </p:nvPr>
+        </p:nvSpPr>
+        <p:spPr/>
+      </p:sp>
+      <p:sp>
+        <p:nvSpPr>
+          <p:cNvPr id="3" name="Notes Placeholder 2"/>
+          <p:cNvSpPr>
+            <a:spLocks noGrp="1"/>
+          </p:cNvSpPr>
+          <p:nvPr>
+            <p:ph type="body" idx="1"/>
+          </p:nvPr>
+        </p:nvSpPr>
+        <p:spPr/>
+        <p:txBody>
+          <a:bodyPr>
+            <a:normAutofit/>
+          </a:bodyPr>
+          <a:lstStyle/>
+          <a:p>
+            <a:r>
+              <a:rPr lang="en-US" sz="1200" b="0" i="0" kern="1200" dirty="0" err="1" smtClean="0">
+                <a:solidFill>
+                  <a:schemeClr val="tx1"/>
+                </a:solidFill>
+                <a:latin typeface="+mn-lt"/>
+                <a:ea typeface="+mn-ea"/>
+                <a:cs typeface="+mn-cs"/>
+              </a:rPr>
+              <a:t>Linting</a:t>
+            </a:r>
+            <a:r>
+              <a:rPr lang="en-US" sz="1200" b="0" i="0" kern="1200" dirty="0" smtClean="0">
+                <a:solidFill>
+                  <a:schemeClr val="tx1"/>
+                </a:solidFill>
+                <a:latin typeface="+mn-lt"/>
+                <a:ea typeface="+mn-ea"/>
+                <a:cs typeface="+mn-cs"/>
+              </a:rPr>
+              <a:t> is the process of running a program that will </a:t>
+            </a:r>
+            <a:r>
+              <a:rPr lang="en-US" sz="1200" b="0" i="0" kern="1200" dirty="0" err="1" smtClean="0">
+                <a:solidFill>
+                  <a:schemeClr val="tx1"/>
+                </a:solidFill>
+                <a:latin typeface="+mn-lt"/>
+                <a:ea typeface="+mn-ea"/>
+                <a:cs typeface="+mn-cs"/>
+              </a:rPr>
+              <a:t>analyse</a:t>
+            </a:r>
+            <a:r>
+              <a:rPr lang="en-US" sz="1200" b="0" i="0" kern="1200" smtClean="0">
+                <a:solidFill>
+                  <a:schemeClr val="tx1"/>
+                </a:solidFill>
+                <a:latin typeface="+mn-lt"/>
+                <a:ea typeface="+mn-ea"/>
+                <a:cs typeface="+mn-cs"/>
+              </a:rPr>
+              <a:t> code for potential errors.</a:t>
+            </a:r>
+            <a:endParaRPr lang="en-US"/>
+          </a:p>
+        </p:txBody>
+      </p:sp>
+      <p:sp>
+        <p:nvSpPr>
+          <p:cNvPr id="4" name="Slide Number Placeholder 3"/>
+          <p:cNvSpPr>
+            <a:spLocks noGrp="1"/>
+          </p:cNvSpPr>
+          <p:nvPr>
+            <p:ph type="sldNum" sz="quarter" idx="10"/>
+          </p:nvPr>
+        </p:nvSpPr>
+        <p:spPr/>
+        <p:txBody>
+          <a:bodyPr/>
+          <a:lstStyle/>
+          <a:p>
+            <a:fld id="{35845946-0CF3-4C0F-AF5C-F563F65A0652}" type="slidenum">
+              <a:rPr lang="en-US" smtClean="0"/>
+              <a:pPr/>
+              <a:t>6</a:t>
+            </a:fld>
+            <a:endParaRPr lang="en-US"/>
+          </a:p>
+        </p:txBody>
+      </p:sp>
+    </p:spTree>
+  </p:cSld>
+  <p:clrMapOvr>
+    <a:masterClrMapping/>
+  </p:clrMapOvr>
+</p:notes>
+</file>
+
+<file path=ppt/notesSlides/notesSlide7.xml><?xml version="1.0" encoding="utf-8"?>
+<p:notes xmlns:a="http://schemas.openxmlformats.org/drawingml/2006/main" xmlns:r="http://schemas.openxmlformats.org/officeDocument/2006/relationships" xmlns:p="http://schemas.openxmlformats.org/presentationml/2006/main">
+  <p:cSld>
+    <p:spTree>
+      <p:nvGrpSpPr>
+        <p:cNvPr id="1" name=""/>
+        <p:cNvGrpSpPr/>
+        <p:nvPr/>
+      </p:nvGrpSpPr>
+      <p:grpSpPr>
+        <a:xfrm>
+          <a:off x="0" y="0"/>
+          <a:ext cx="0" cy="0"/>
+          <a:chOff x="0" y="0"/>
+          <a:chExt cx="0" cy="0"/>
+        </a:xfrm>
+      </p:grpSpPr>
+      <p:sp>
+        <p:nvSpPr>
+          <p:cNvPr id="2" name="Slide Image Placeholder 1"/>
+          <p:cNvSpPr>
+            <a:spLocks noGrp="1" noRot="1" noChangeAspect="1"/>
+          </p:cNvSpPr>
+          <p:nvPr>
+            <p:ph type="sldImg"/>
+          </p:nvPr>
+        </p:nvSpPr>
+        <p:spPr/>
+      </p:sp>
+      <p:sp>
+        <p:nvSpPr>
+          <p:cNvPr id="3" name="Notes Placeholder 2"/>
+          <p:cNvSpPr>
+            <a:spLocks noGrp="1"/>
+          </p:cNvSpPr>
+          <p:nvPr>
+            <p:ph type="body" idx="1"/>
+          </p:nvPr>
+        </p:nvSpPr>
+        <p:spPr/>
+        <p:txBody>
+          <a:bodyPr>
+            <a:normAutofit/>
+          </a:bodyPr>
+          <a:lstStyle/>
+          <a:p>
+            <a:r>
+              <a:rPr lang="en-US" sz="1200" b="0" i="0" kern="1200" dirty="0" err="1" smtClean="0">
+                <a:solidFill>
+                  <a:schemeClr val="tx1"/>
+                </a:solidFill>
+                <a:latin typeface="+mn-lt"/>
+                <a:ea typeface="+mn-ea"/>
+                <a:cs typeface="+mn-cs"/>
+              </a:rPr>
+              <a:t>Linting</a:t>
+            </a:r>
+            <a:r>
+              <a:rPr lang="en-US" sz="1200" b="0" i="0" kern="1200" dirty="0" smtClean="0">
+                <a:solidFill>
+                  <a:schemeClr val="tx1"/>
+                </a:solidFill>
+                <a:latin typeface="+mn-lt"/>
+                <a:ea typeface="+mn-ea"/>
+                <a:cs typeface="+mn-cs"/>
+              </a:rPr>
+              <a:t> is the process of running a program that will </a:t>
+            </a:r>
+            <a:r>
+              <a:rPr lang="en-US" sz="1200" b="0" i="0" kern="1200" dirty="0" err="1" smtClean="0">
+                <a:solidFill>
+                  <a:schemeClr val="tx1"/>
+                </a:solidFill>
+                <a:latin typeface="+mn-lt"/>
+                <a:ea typeface="+mn-ea"/>
+                <a:cs typeface="+mn-cs"/>
+              </a:rPr>
+              <a:t>analyse</a:t>
+            </a:r>
+            <a:r>
+              <a:rPr lang="en-US" sz="1200" b="0" i="0" kern="1200" smtClean="0">
+                <a:solidFill>
+                  <a:schemeClr val="tx1"/>
+                </a:solidFill>
+                <a:latin typeface="+mn-lt"/>
+                <a:ea typeface="+mn-ea"/>
+                <a:cs typeface="+mn-cs"/>
+              </a:rPr>
+              <a:t> code for potential errors.</a:t>
+            </a:r>
+            <a:endParaRPr lang="en-US"/>
+          </a:p>
+        </p:txBody>
+      </p:sp>
+      <p:sp>
+        <p:nvSpPr>
+          <p:cNvPr id="4" name="Slide Number Placeholder 3"/>
+          <p:cNvSpPr>
+            <a:spLocks noGrp="1"/>
+          </p:cNvSpPr>
+          <p:nvPr>
+            <p:ph type="sldNum" sz="quarter" idx="10"/>
+          </p:nvPr>
+        </p:nvSpPr>
+        <p:spPr/>
+        <p:txBody>
+          <a:bodyPr/>
+          <a:lstStyle/>
+          <a:p>
+            <a:fld id="{35845946-0CF3-4C0F-AF5C-F563F65A0652}" type="slidenum">
+              <a:rPr lang="en-US" smtClean="0"/>
+              <a:pPr/>
+              <a:t>7</a:t>
+            </a:fld>
+            <a:endParaRPr lang="en-US"/>
+          </a:p>
+        </p:txBody>
+      </p:sp>
+    </p:spTree>
+  </p:cSld>
+  <p:clrMapOvr>
+    <a:masterClrMapping/>
+  </p:clrMapOvr>
+</p:notes>
+</file>
+
+<file path=ppt/notesSlides/notesSlide8.xml><?xml version="1.0" encoding="utf-8"?>
+<p:notes xmlns:a="http://schemas.openxmlformats.org/drawingml/2006/main" xmlns:r="http://schemas.openxmlformats.org/officeDocument/2006/relationships" xmlns:p="http://schemas.openxmlformats.org/presentationml/2006/main">
+  <p:cSld>
+    <p:spTree>
+      <p:nvGrpSpPr>
+        <p:cNvPr id="1" name=""/>
+        <p:cNvGrpSpPr/>
+        <p:nvPr/>
+      </p:nvGrpSpPr>
+      <p:grpSpPr>
+        <a:xfrm>
+          <a:off x="0" y="0"/>
+          <a:ext cx="0" cy="0"/>
+          <a:chOff x="0" y="0"/>
+          <a:chExt cx="0" cy="0"/>
+        </a:xfrm>
+      </p:grpSpPr>
+      <p:sp>
+        <p:nvSpPr>
+          <p:cNvPr id="2" name="Slide Image Placeholder 1"/>
+          <p:cNvSpPr>
+            <a:spLocks noGrp="1" noRot="1" noChangeAspect="1"/>
+          </p:cNvSpPr>
+          <p:nvPr>
+            <p:ph type="sldImg"/>
+          </p:nvPr>
+        </p:nvSpPr>
+        <p:spPr/>
+      </p:sp>
+      <p:sp>
+        <p:nvSpPr>
+          <p:cNvPr id="3" name="Notes Placeholder 2"/>
+          <p:cNvSpPr>
+            <a:spLocks noGrp="1"/>
+          </p:cNvSpPr>
+          <p:nvPr>
+            <p:ph type="body" idx="1"/>
+          </p:nvPr>
+        </p:nvSpPr>
+        <p:spPr/>
+        <p:txBody>
+          <a:bodyPr>
+            <a:normAutofit/>
+          </a:bodyPr>
+          <a:lstStyle/>
+          <a:p>
+            <a:r>
+              <a:rPr lang="en-US" sz="1200" b="0" i="0" kern="1200" dirty="0" err="1" smtClean="0">
+                <a:solidFill>
+                  <a:schemeClr val="tx1"/>
+                </a:solidFill>
+                <a:latin typeface="+mn-lt"/>
+                <a:ea typeface="+mn-ea"/>
+                <a:cs typeface="+mn-cs"/>
+              </a:rPr>
+              <a:t>Linting</a:t>
+            </a:r>
+            <a:r>
+              <a:rPr lang="en-US" sz="1200" b="0" i="0" kern="1200" dirty="0" smtClean="0">
+                <a:solidFill>
+                  <a:schemeClr val="tx1"/>
+                </a:solidFill>
+                <a:latin typeface="+mn-lt"/>
+                <a:ea typeface="+mn-ea"/>
+                <a:cs typeface="+mn-cs"/>
+              </a:rPr>
+              <a:t> is the process of running a program that will </a:t>
+            </a:r>
+            <a:r>
+              <a:rPr lang="en-US" sz="1200" b="0" i="0" kern="1200" dirty="0" err="1" smtClean="0">
+                <a:solidFill>
+                  <a:schemeClr val="tx1"/>
+                </a:solidFill>
+                <a:latin typeface="+mn-lt"/>
+                <a:ea typeface="+mn-ea"/>
+                <a:cs typeface="+mn-cs"/>
+              </a:rPr>
+              <a:t>analyse</a:t>
+            </a:r>
+            <a:r>
+              <a:rPr lang="en-US" sz="1200" b="0" i="0" kern="1200" smtClean="0">
+                <a:solidFill>
+                  <a:schemeClr val="tx1"/>
+                </a:solidFill>
+                <a:latin typeface="+mn-lt"/>
+                <a:ea typeface="+mn-ea"/>
+                <a:cs typeface="+mn-cs"/>
+              </a:rPr>
+              <a:t> code for potential errors.</a:t>
+            </a:r>
+            <a:endParaRPr lang="en-US"/>
+          </a:p>
+        </p:txBody>
+      </p:sp>
+      <p:sp>
+        <p:nvSpPr>
+          <p:cNvPr id="4" name="Slide Number Placeholder 3"/>
+          <p:cNvSpPr>
+            <a:spLocks noGrp="1"/>
+          </p:cNvSpPr>
+          <p:nvPr>
+            <p:ph type="sldNum" sz="quarter" idx="10"/>
+          </p:nvPr>
+        </p:nvSpPr>
+        <p:spPr/>
+        <p:txBody>
+          <a:bodyPr/>
+          <a:lstStyle/>
+          <a:p>
+            <a:fld id="{35845946-0CF3-4C0F-AF5C-F563F65A0652}" type="slidenum">
+              <a:rPr lang="en-US" smtClean="0"/>
+              <a:pPr/>
+              <a:t>8</a:t>
+            </a:fld>
+            <a:endParaRPr lang="en-US"/>
+          </a:p>
+        </p:txBody>
+      </p:sp>
+    </p:spTree>
+  </p:cSld>
+  <p:clrMapOvr>
+    <a:masterClrMapping/>
+  </p:clrMapOvr>
+</p:notes>
+</file>
+
+<file path=ppt/notesSlides/notesSlide9.xml><?xml version="1.0" encoding="utf-8"?>
+<p:notes xmlns:a="http://schemas.openxmlformats.org/drawingml/2006/main" xmlns:r="http://schemas.openxmlformats.org/officeDocument/2006/relationships" xmlns:p="http://schemas.openxmlformats.org/presentationml/2006/main">
+  <p:cSld>
+    <p:spTree>
+      <p:nvGrpSpPr>
+        <p:cNvPr id="1" name=""/>
+        <p:cNvGrpSpPr/>
+        <p:nvPr/>
+      </p:nvGrpSpPr>
+      <p:grpSpPr>
+        <a:xfrm>
+          <a:off x="0" y="0"/>
+          <a:ext cx="0" cy="0"/>
+          <a:chOff x="0" y="0"/>
+          <a:chExt cx="0" cy="0"/>
+        </a:xfrm>
+      </p:grpSpPr>
+      <p:sp>
+        <p:nvSpPr>
+          <p:cNvPr id="2" name="Slide Image Placeholder 1"/>
+          <p:cNvSpPr>
+            <a:spLocks noGrp="1" noRot="1" noChangeAspect="1"/>
+          </p:cNvSpPr>
+          <p:nvPr>
+            <p:ph type="sldImg"/>
+          </p:nvPr>
+        </p:nvSpPr>
+        <p:spPr/>
+      </p:sp>
+      <p:sp>
+        <p:nvSpPr>
+          <p:cNvPr id="3" name="Notes Placeholder 2"/>
+          <p:cNvSpPr>
+            <a:spLocks noGrp="1"/>
+          </p:cNvSpPr>
+          <p:nvPr>
+            <p:ph type="body" idx="1"/>
+          </p:nvPr>
+        </p:nvSpPr>
+        <p:spPr/>
+        <p:txBody>
+          <a:bodyPr>
+            <a:normAutofit/>
+          </a:bodyPr>
+          <a:lstStyle/>
+          <a:p>
+            <a:r>
+              <a:rPr lang="en-US" sz="1200" b="0" i="0" kern="1200" dirty="0" err="1" smtClean="0">
+                <a:solidFill>
+                  <a:schemeClr val="tx1"/>
+                </a:solidFill>
+                <a:latin typeface="+mn-lt"/>
+                <a:ea typeface="+mn-ea"/>
+                <a:cs typeface="+mn-cs"/>
+              </a:rPr>
+              <a:t>Linting</a:t>
+            </a:r>
+            <a:r>
+              <a:rPr lang="en-US" sz="1200" b="0" i="0" kern="1200" dirty="0" smtClean="0">
+                <a:solidFill>
+                  <a:schemeClr val="tx1"/>
+                </a:solidFill>
+                <a:latin typeface="+mn-lt"/>
+                <a:ea typeface="+mn-ea"/>
+                <a:cs typeface="+mn-cs"/>
+              </a:rPr>
+              <a:t> is the process of running a program that will </a:t>
+            </a:r>
+            <a:r>
+              <a:rPr lang="en-US" sz="1200" b="0" i="0" kern="1200" dirty="0" err="1" smtClean="0">
+                <a:solidFill>
+                  <a:schemeClr val="tx1"/>
+                </a:solidFill>
+                <a:latin typeface="+mn-lt"/>
+                <a:ea typeface="+mn-ea"/>
+                <a:cs typeface="+mn-cs"/>
+              </a:rPr>
+              <a:t>analyse</a:t>
+            </a:r>
+            <a:r>
+              <a:rPr lang="en-US" sz="1200" b="0" i="0" kern="1200" smtClean="0">
+                <a:solidFill>
+                  <a:schemeClr val="tx1"/>
+                </a:solidFill>
+                <a:latin typeface="+mn-lt"/>
+                <a:ea typeface="+mn-ea"/>
+                <a:cs typeface="+mn-cs"/>
+              </a:rPr>
+              <a:t> code for potential errors.</a:t>
+            </a:r>
+            <a:endParaRPr lang="en-US"/>
+          </a:p>
+        </p:txBody>
+      </p:sp>
+      <p:sp>
+        <p:nvSpPr>
+          <p:cNvPr id="4" name="Slide Number Placeholder 3"/>
+          <p:cNvSpPr>
+            <a:spLocks noGrp="1"/>
+          </p:cNvSpPr>
+          <p:nvPr>
+            <p:ph type="sldNum" sz="quarter" idx="10"/>
+          </p:nvPr>
+        </p:nvSpPr>
+        <p:spPr/>
+        <p:txBody>
+          <a:bodyPr/>
+          <a:lstStyle/>
+          <a:p>
+            <a:fld id="{35845946-0CF3-4C0F-AF5C-F563F65A0652}" type="slidenum">
+              <a:rPr lang="en-US" smtClean="0"/>
+              <a:pPr/>
+              <a:t>9</a:t>
+            </a:fld>
+            <a:endParaRPr lang="en-US"/>
+          </a:p>
+        </p:txBody>
+      </p:sp>
+    </p:spTree>
+  </p:cSld>
+  <p:clrMapOvr>
+    <a:masterClrMapping/>
+  </p:clrMapOvr>
+</p:notes>
+</file>
+
 <file path=ppt/slideLayouts/slideLayout1.xml><?xml version="1.0" encoding="utf-8"?>
 <p:sldLayout xmlns:a="http://schemas.openxmlformats.org/drawingml/2006/main" xmlns:r="http://schemas.openxmlformats.org/officeDocument/2006/relationships" xmlns:p="http://schemas.openxmlformats.org/presentationml/2006/main" type="title" preserve="1">
   <p:cSld name="Title Slide">
@@ -1305,7 +2579,7 @@
             <a:fld id="{8695E4D3-92F1-F74E-BDA8-3EA24612ADAC}" type="datetime2">
               <a:rPr lang="en-US" smtClean="0"/>
               <a:pPr/>
-              <a:t>Saturday, May 21, 2016</a:t>
+              <a:t>Tuesday, May 24, 2016</a:t>
             </a:fld>
             <a:endParaRPr lang="en-US"/>
           </a:p>
@@ -1500,7 +2774,7 @@
             <a:fld id="{9358C7B7-FC72-9D41-BEE1-BB86D4F232B4}" type="datetime2">
               <a:rPr lang="en-US" smtClean="0"/>
               <a:pPr/>
-              <a:t>Saturday, May 21, 2016</a:t>
+              <a:t>Tuesday, May 24, 2016</a:t>
             </a:fld>
             <a:endParaRPr lang="en-US"/>
           </a:p>
@@ -1705,7 +2979,7 @@
             <a:fld id="{556E821B-96E8-764D-BF74-9827494534E4}" type="datetime2">
               <a:rPr lang="en-US" smtClean="0"/>
               <a:pPr/>
-              <a:t>Saturday, May 21, 2016</a:t>
+              <a:t>Tuesday, May 24, 2016</a:t>
             </a:fld>
             <a:endParaRPr lang="en-US"/>
           </a:p>
@@ -1910,7 +3184,7 @@
             <a:fld id="{D8D89BD2-8F64-7D49-B0EC-A10964D418B9}" type="datetime2">
               <a:rPr lang="en-US" smtClean="0"/>
               <a:pPr/>
-              <a:t>Saturday, May 21, 2016</a:t>
+              <a:t>Tuesday, May 24, 2016</a:t>
             </a:fld>
             <a:endParaRPr lang="en-US"/>
           </a:p>
@@ -2181,7 +3455,7 @@
             <a:fld id="{5166F277-A6C8-D74E-AD9A-DEDC5E2BD837}" type="datetime2">
               <a:rPr lang="en-US" smtClean="0"/>
               <a:pPr/>
-              <a:t>Saturday, May 21, 2016</a:t>
+              <a:t>Tuesday, May 24, 2016</a:t>
             </a:fld>
             <a:endParaRPr lang="en-US"/>
           </a:p>
@@ -2499,7 +3773,7 @@
             <a:fld id="{68B6B04E-5C92-7445-BA45-A4E3769C0C5A}" type="datetime2">
               <a:rPr lang="en-US" smtClean="0"/>
               <a:pPr/>
-              <a:t>Saturday, May 21, 2016</a:t>
+              <a:t>Tuesday, May 24, 2016</a:t>
             </a:fld>
             <a:endParaRPr lang="en-US"/>
           </a:p>
@@ -2951,7 +4225,7 @@
             <a:fld id="{A48670BD-E6C9-264B-B690-760DD144ACC6}" type="datetime2">
               <a:rPr lang="en-US" smtClean="0"/>
               <a:pPr/>
-              <a:t>Saturday, May 21, 2016</a:t>
+              <a:t>Tuesday, May 24, 2016</a:t>
             </a:fld>
             <a:endParaRPr lang="en-US"/>
           </a:p>
@@ -3099,7 +4373,7 @@
             <a:fld id="{30675A36-41C1-3640-8C6B-1BC6AFC60484}" type="datetime2">
               <a:rPr lang="en-US" smtClean="0"/>
               <a:pPr/>
-              <a:t>Saturday, May 21, 2016</a:t>
+              <a:t>Tuesday, May 24, 2016</a:t>
             </a:fld>
             <a:endParaRPr lang="en-US"/>
           </a:p>
@@ -3219,7 +4493,7 @@
             <a:fld id="{937F365B-D897-1947-952A-6C45D93ACDC1}" type="datetime2">
               <a:rPr lang="en-US" smtClean="0"/>
               <a:pPr/>
-              <a:t>Saturday, May 21, 2016</a:t>
+              <a:t>Tuesday, May 24, 2016</a:t>
             </a:fld>
             <a:endParaRPr lang="en-US"/>
           </a:p>
@@ -3521,7 +4795,7 @@
             <a:fld id="{2BEF7792-C4C4-FC44-A7F5-725EC2CD30B1}" type="datetime2">
               <a:rPr lang="en-US" smtClean="0"/>
               <a:pPr/>
-              <a:t>Saturday, May 21, 2016</a:t>
+              <a:t>Tuesday, May 24, 2016</a:t>
             </a:fld>
             <a:endParaRPr lang="en-US"/>
           </a:p>
@@ -3806,7 +5080,7 @@
             <a:fld id="{EC13829E-7EE3-3944-BE84-808F00A9FAF3}" type="datetime2">
               <a:rPr lang="en-US" smtClean="0"/>
               <a:pPr/>
-              <a:t>Saturday, May 21, 2016</a:t>
+              <a:t>Tuesday, May 24, 2016</a:t>
             </a:fld>
             <a:endParaRPr lang="en-US"/>
           </a:p>
@@ -4072,7 +5346,7 @@
             <a:fld id="{92714F1E-B45D-F141-BCEC-0A4A490D9DB7}" type="datetime2">
               <a:rPr lang="en-US" smtClean="0"/>
               <a:pPr/>
-              <a:t>Saturday, May 21, 2016</a:t>
+              <a:t>Tuesday, May 24, 2016</a:t>
             </a:fld>
             <a:endParaRPr lang="en-US" dirty="0"/>
           </a:p>
@@ -4607,42 +5881,13 @@
       </p:grpSpPr>
       <p:sp>
         <p:nvSpPr>
-          <p:cNvPr id="2" name="Title 1"/>
-          <p:cNvSpPr>
-            <a:spLocks noGrp="1"/>
-          </p:cNvSpPr>
-          <p:nvPr>
-            <p:ph type="ctrTitle"/>
-          </p:nvPr>
-        </p:nvSpPr>
-        <p:spPr>
-          <a:xfrm>
-            <a:off x="838200" y="2980059"/>
-            <a:ext cx="7772400" cy="1470025"/>
-          </a:xfrm>
-        </p:spPr>
-        <p:txBody>
-          <a:bodyPr>
-            <a:noAutofit/>
-          </a:bodyPr>
-          <a:lstStyle/>
-          <a:p>
-            <a:r>
-              <a:rPr lang="en-US" sz="5400" dirty="0" smtClean="0"/>
-              <a:t>Yeoman</a:t>
-            </a:r>
-          </a:p>
-        </p:txBody>
-      </p:sp>
-      <p:sp>
-        <p:nvSpPr>
           <p:cNvPr id="7" name="TextBox 6"/>
           <p:cNvSpPr txBox="1"/>
           <p:nvPr/>
         </p:nvSpPr>
         <p:spPr>
           <a:xfrm>
-            <a:off x="685800" y="1026190"/>
+            <a:off x="685800" y="732268"/>
             <a:ext cx="6076600" cy="1200329"/>
           </a:xfrm>
           <a:prstGeom prst="rect">
@@ -4727,7 +5972,7 @@
         <p:spPr>
           <a:xfrm>
             <a:off x="3336103" y="6232112"/>
-            <a:ext cx="2463047" cy="400110"/>
+            <a:ext cx="2582182" cy="400110"/>
           </a:xfrm>
           <a:prstGeom prst="rect">
             <a:avLst/>
@@ -4749,7 +5994,17 @@
                   </a:schemeClr>
                 </a:solidFill>
               </a:rPr>
-              <a:t>HANOI – SEP, 2015 </a:t>
+              <a:t>HANOI – </a:t>
+            </a:r>
+            <a:r>
+              <a:rPr lang="en-US" sz="2000" b="1" dirty="0" smtClean="0">
+                <a:solidFill>
+                  <a:schemeClr val="bg1">
+                    <a:lumMod val="65000"/>
+                  </a:schemeClr>
+                </a:solidFill>
+              </a:rPr>
+              <a:t>MAY, 2016 </a:t>
             </a:r>
             <a:endParaRPr lang="en-US" sz="2000" b="1" dirty="0">
               <a:solidFill>
@@ -4769,7 +6024,7 @@
         </p:nvSpPr>
         <p:spPr>
           <a:xfrm>
-            <a:off x="5553278" y="4624260"/>
+            <a:off x="5553278" y="5497283"/>
             <a:ext cx="3899266" cy="400110"/>
           </a:xfrm>
           <a:prstGeom prst="rect">
@@ -4841,7 +6096,7 @@
         </p:nvSpPr>
         <p:spPr bwMode="auto">
           <a:xfrm>
-            <a:off x="631366" y="1929352"/>
+            <a:off x="631366" y="1700746"/>
             <a:ext cx="7772400" cy="1470025"/>
           </a:xfrm>
           <a:prstGeom prst="rect">
@@ -4919,6 +6174,32 @@
           </a:p>
         </p:txBody>
       </p:sp>
+      <p:pic>
+        <p:nvPicPr>
+          <p:cNvPr id="3074" name="Picture 2" descr="C:\Users\sonvq\Desktop\Yeoman.png"/>
+          <p:cNvPicPr>
+            <a:picLocks noChangeAspect="1" noChangeArrowheads="1"/>
+          </p:cNvPicPr>
+          <p:nvPr/>
+        </p:nvPicPr>
+        <p:blipFill>
+          <a:blip r:embed="rId4"/>
+          <a:srcRect/>
+          <a:stretch>
+            <a:fillRect/>
+          </a:stretch>
+        </p:blipFill>
+        <p:spPr bwMode="auto">
+          <a:xfrm>
+            <a:off x="1379765" y="3146591"/>
+            <a:ext cx="6667500" cy="1905000"/>
+          </a:xfrm>
+          <a:prstGeom prst="rect">
+            <a:avLst/>
+          </a:prstGeom>
+          <a:noFill/>
+        </p:spPr>
+      </p:pic>
     </p:spTree>
     <p:extLst>
       <p:ext uri="{BB962C8B-B14F-4D97-AF65-F5344CB8AC3E}">
@@ -4928,6 +6209,3712 @@
   </p:cSld>
   <p:clrMapOvr>
     <a:overrideClrMapping bg1="lt1" tx1="dk1" bg2="lt2" tx2="dk2" accent1="accent1" accent2="accent2" accent3="accent3" accent4="accent4" accent5="accent5" accent6="accent6" hlink="hlink" folHlink="folHlink"/>
+  </p:clrMapOvr>
+  <mc:AlternateContent xmlns:mc="http://schemas.openxmlformats.org/markup-compatibility/2006">
+    <mc:Choice xmlns="" xmlns:p14="http://schemas.microsoft.com/office/powerpoint/2010/main" Requires="p14">
+      <p:transition p14:dur="100">
+        <p:cut/>
+      </p:transition>
+    </mc:Choice>
+    <mc:Fallback>
+      <p:transition>
+        <p:cut/>
+      </p:transition>
+    </mc:Fallback>
+  </mc:AlternateContent>
+  <p:timing>
+    <p:tnLst>
+      <p:par>
+        <p:cTn id="1" dur="indefinite" restart="never" nodeType="tmRoot"/>
+      </p:par>
+    </p:tnLst>
+  </p:timing>
+</p:sld>
+</file>
+
+<file path=ppt/slides/slide10.xml><?xml version="1.0" encoding="utf-8"?>
+<p:sld xmlns:a="http://schemas.openxmlformats.org/drawingml/2006/main" xmlns:r="http://schemas.openxmlformats.org/officeDocument/2006/relationships" xmlns:p="http://schemas.openxmlformats.org/presentationml/2006/main">
+  <p:cSld>
+    <p:spTree>
+      <p:nvGrpSpPr>
+        <p:cNvPr id="1" name=""/>
+        <p:cNvGrpSpPr/>
+        <p:nvPr/>
+      </p:nvGrpSpPr>
+      <p:grpSpPr>
+        <a:xfrm>
+          <a:off x="0" y="0"/>
+          <a:ext cx="0" cy="0"/>
+          <a:chOff x="0" y="0"/>
+          <a:chExt cx="0" cy="0"/>
+        </a:xfrm>
+      </p:grpSpPr>
+      <p:sp>
+        <p:nvSpPr>
+          <p:cNvPr id="7" name="Content Placeholder 6"/>
+          <p:cNvSpPr>
+            <a:spLocks noGrp="1"/>
+          </p:cNvSpPr>
+          <p:nvPr>
+            <p:ph idx="1"/>
+          </p:nvPr>
+        </p:nvSpPr>
+        <p:spPr>
+          <a:xfrm>
+            <a:off x="547396" y="1794952"/>
+            <a:ext cx="8400660" cy="4627637"/>
+          </a:xfrm>
+        </p:spPr>
+        <p:txBody>
+          <a:bodyPr/>
+          <a:lstStyle/>
+          <a:p>
+            <a:endParaRPr lang="en-US" dirty="0" smtClean="0"/>
+          </a:p>
+          <a:p>
+            <a:endParaRPr lang="en-US" dirty="0" smtClean="0"/>
+          </a:p>
+          <a:p>
+            <a:endParaRPr lang="en-US" dirty="0" smtClean="0"/>
+          </a:p>
+          <a:p>
+            <a:endParaRPr lang="en-US" dirty="0" smtClean="0"/>
+          </a:p>
+          <a:p>
+            <a:r>
+              <a:rPr lang="en-US" dirty="0" smtClean="0"/>
+              <a:t>Scaffolds </a:t>
+            </a:r>
+            <a:r>
+              <a:rPr lang="en-US" dirty="0" smtClean="0"/>
+              <a:t>out a new </a:t>
+            </a:r>
+            <a:r>
+              <a:rPr lang="en-US" dirty="0" smtClean="0"/>
+              <a:t>application</a:t>
+            </a:r>
+          </a:p>
+          <a:p>
+            <a:endParaRPr lang="en-US" dirty="0" smtClean="0"/>
+          </a:p>
+          <a:p>
+            <a:r>
+              <a:rPr lang="en-US" dirty="0" smtClean="0"/>
+              <a:t>W</a:t>
+            </a:r>
+            <a:r>
+              <a:rPr lang="en-US" dirty="0" smtClean="0"/>
+              <a:t>riting build </a:t>
+            </a:r>
+            <a:r>
+              <a:rPr lang="en-US" dirty="0" smtClean="0"/>
+              <a:t>configuration (</a:t>
+            </a:r>
+            <a:r>
+              <a:rPr lang="en-US" dirty="0" err="1" smtClean="0"/>
+              <a:t>e.g</a:t>
+            </a:r>
+            <a:r>
+              <a:rPr lang="en-US" dirty="0" smtClean="0"/>
+              <a:t> </a:t>
+            </a:r>
+            <a:r>
+              <a:rPr lang="en-US" dirty="0" err="1" smtClean="0"/>
+              <a:t>Gruntfile</a:t>
+            </a:r>
+            <a:r>
+              <a:rPr lang="en-US" dirty="0" smtClean="0"/>
+              <a:t>, </a:t>
+            </a:r>
+            <a:r>
+              <a:rPr lang="en-US" dirty="0" err="1" smtClean="0"/>
+              <a:t>Gulpfile</a:t>
+            </a:r>
+            <a:r>
+              <a:rPr lang="en-US" dirty="0" smtClean="0"/>
+              <a:t>)</a:t>
+            </a:r>
+          </a:p>
+          <a:p>
+            <a:endParaRPr lang="en-US" dirty="0" smtClean="0"/>
+          </a:p>
+          <a:p>
+            <a:r>
+              <a:rPr lang="en-US" dirty="0" smtClean="0"/>
+              <a:t>Pulling relevant </a:t>
+            </a:r>
+            <a:r>
+              <a:rPr lang="en-US" dirty="0" smtClean="0"/>
+              <a:t>build tasks &amp;</a:t>
+            </a:r>
+            <a:r>
+              <a:rPr lang="en-US" dirty="0" smtClean="0"/>
+              <a:t> </a:t>
+            </a:r>
+            <a:r>
+              <a:rPr lang="en-US" dirty="0" smtClean="0"/>
+              <a:t>package manager dependencies (Bower, </a:t>
+            </a:r>
+            <a:r>
+              <a:rPr lang="en-US" dirty="0" err="1" smtClean="0"/>
+              <a:t>npm</a:t>
+            </a:r>
+            <a:r>
+              <a:rPr lang="en-US" dirty="0" smtClean="0"/>
+              <a:t>) that </a:t>
+            </a:r>
+            <a:r>
+              <a:rPr lang="en-US" dirty="0" smtClean="0"/>
+              <a:t>needs for </a:t>
+            </a:r>
+            <a:r>
+              <a:rPr lang="en-US" dirty="0" smtClean="0"/>
+              <a:t>build.</a:t>
+            </a:r>
+            <a:endParaRPr lang="en-US" dirty="0" smtClean="0"/>
+          </a:p>
+        </p:txBody>
+      </p:sp>
+      <p:pic>
+        <p:nvPicPr>
+          <p:cNvPr id="4099" name="Picture 3" descr="C:\Users\sonvq\Desktop\0-yeoman1.png"/>
+          <p:cNvPicPr>
+            <a:picLocks noChangeAspect="1" noChangeArrowheads="1"/>
+          </p:cNvPicPr>
+          <p:nvPr/>
+        </p:nvPicPr>
+        <p:blipFill>
+          <a:blip r:embed="rId3"/>
+          <a:srcRect/>
+          <a:stretch>
+            <a:fillRect/>
+          </a:stretch>
+        </p:blipFill>
+        <p:spPr bwMode="auto">
+          <a:xfrm>
+            <a:off x="3167745" y="119746"/>
+            <a:ext cx="2438400" cy="3048000"/>
+          </a:xfrm>
+          <a:prstGeom prst="rect">
+            <a:avLst/>
+          </a:prstGeom>
+          <a:noFill/>
+        </p:spPr>
+      </p:pic>
+    </p:spTree>
+  </p:cSld>
+  <p:clrMapOvr>
+    <a:masterClrMapping/>
+  </p:clrMapOvr>
+  <mc:AlternateContent xmlns:mc="http://schemas.openxmlformats.org/markup-compatibility/2006">
+    <mc:Choice xmlns="" xmlns:p14="http://schemas.microsoft.com/office/powerpoint/2010/main" Requires="p14">
+      <p:transition p14:dur="100">
+        <p:cut/>
+      </p:transition>
+    </mc:Choice>
+    <mc:Fallback>
+      <p:transition>
+        <p:cut/>
+      </p:transition>
+    </mc:Fallback>
+  </mc:AlternateContent>
+  <p:timing>
+    <p:tnLst>
+      <p:par>
+        <p:cTn id="1" dur="indefinite" restart="never" nodeType="tmRoot"/>
+      </p:par>
+    </p:tnLst>
+  </p:timing>
+</p:sld>
+</file>
+
+<file path=ppt/slides/slide11.xml><?xml version="1.0" encoding="utf-8"?>
+<p:sld xmlns:a="http://schemas.openxmlformats.org/drawingml/2006/main" xmlns:r="http://schemas.openxmlformats.org/officeDocument/2006/relationships" xmlns:p="http://schemas.openxmlformats.org/presentationml/2006/main">
+  <p:cSld>
+    <p:spTree>
+      <p:nvGrpSpPr>
+        <p:cNvPr id="1" name=""/>
+        <p:cNvGrpSpPr/>
+        <p:nvPr/>
+      </p:nvGrpSpPr>
+      <p:grpSpPr>
+        <a:xfrm>
+          <a:off x="0" y="0"/>
+          <a:ext cx="0" cy="0"/>
+          <a:chOff x="0" y="0"/>
+          <a:chExt cx="0" cy="0"/>
+        </a:xfrm>
+      </p:grpSpPr>
+      <p:sp>
+        <p:nvSpPr>
+          <p:cNvPr id="7" name="Content Placeholder 6"/>
+          <p:cNvSpPr>
+            <a:spLocks noGrp="1"/>
+          </p:cNvSpPr>
+          <p:nvPr>
+            <p:ph idx="1"/>
+          </p:nvPr>
+        </p:nvSpPr>
+        <p:spPr>
+          <a:xfrm>
+            <a:off x="547396" y="1794952"/>
+            <a:ext cx="8106748" cy="4627637"/>
+          </a:xfrm>
+        </p:spPr>
+        <p:txBody>
+          <a:bodyPr/>
+          <a:lstStyle/>
+          <a:p>
+            <a:endParaRPr lang="en-US" dirty="0" smtClean="0"/>
+          </a:p>
+          <a:p>
+            <a:endParaRPr lang="en-US" dirty="0" smtClean="0"/>
+          </a:p>
+          <a:p>
+            <a:endParaRPr lang="en-US" dirty="0" smtClean="0"/>
+          </a:p>
+          <a:p>
+            <a:endParaRPr lang="en-US" dirty="0" smtClean="0"/>
+          </a:p>
+          <a:p>
+            <a:r>
+              <a:rPr lang="en-US" dirty="0" smtClean="0"/>
+              <a:t>Automatic Build system</a:t>
+            </a:r>
+            <a:r>
+              <a:rPr lang="en-US" b="1" dirty="0" smtClean="0"/>
+              <a:t> </a:t>
+            </a:r>
+            <a:r>
+              <a:rPr lang="en-US" dirty="0" smtClean="0"/>
+              <a:t>for web app</a:t>
+            </a:r>
+          </a:p>
+          <a:p>
+            <a:endParaRPr lang="en-US" dirty="0" smtClean="0"/>
+          </a:p>
+          <a:p>
+            <a:r>
+              <a:rPr lang="en-US" dirty="0" smtClean="0"/>
+              <a:t>Minify code, compile, unit test, validate, etc.</a:t>
+            </a:r>
+          </a:p>
+          <a:p>
+            <a:endParaRPr lang="en-US" dirty="0" smtClean="0"/>
+          </a:p>
+          <a:p>
+            <a:r>
+              <a:rPr lang="en-US" dirty="0" smtClean="0"/>
+              <a:t>Extendable</a:t>
+            </a:r>
+          </a:p>
+        </p:txBody>
+      </p:sp>
+      <p:pic>
+        <p:nvPicPr>
+          <p:cNvPr id="6146" name="Picture 2" descr="C:\Users\sonvq\Desktop\toolset5.png"/>
+          <p:cNvPicPr>
+            <a:picLocks noChangeAspect="1" noChangeArrowheads="1"/>
+          </p:cNvPicPr>
+          <p:nvPr/>
+        </p:nvPicPr>
+        <p:blipFill>
+          <a:blip r:embed="rId3"/>
+          <a:srcRect/>
+          <a:stretch>
+            <a:fillRect/>
+          </a:stretch>
+        </p:blipFill>
+        <p:spPr bwMode="auto">
+          <a:xfrm>
+            <a:off x="3195638" y="195948"/>
+            <a:ext cx="2752725" cy="3095625"/>
+          </a:xfrm>
+          <a:prstGeom prst="rect">
+            <a:avLst/>
+          </a:prstGeom>
+          <a:noFill/>
+        </p:spPr>
+      </p:pic>
+    </p:spTree>
+  </p:cSld>
+  <p:clrMapOvr>
+    <a:masterClrMapping/>
+  </p:clrMapOvr>
+  <mc:AlternateContent xmlns:mc="http://schemas.openxmlformats.org/markup-compatibility/2006">
+    <mc:Choice xmlns="" xmlns:p14="http://schemas.microsoft.com/office/powerpoint/2010/main" Requires="p14">
+      <p:transition p14:dur="100">
+        <p:cut/>
+      </p:transition>
+    </mc:Choice>
+    <mc:Fallback>
+      <p:transition>
+        <p:cut/>
+      </p:transition>
+    </mc:Fallback>
+  </mc:AlternateContent>
+  <p:timing>
+    <p:tnLst>
+      <p:par>
+        <p:cTn id="1" dur="indefinite" restart="never" nodeType="tmRoot"/>
+      </p:par>
+    </p:tnLst>
+  </p:timing>
+</p:sld>
+</file>
+
+<file path=ppt/slides/slide12.xml><?xml version="1.0" encoding="utf-8"?>
+<p:sld xmlns:a="http://schemas.openxmlformats.org/drawingml/2006/main" xmlns:r="http://schemas.openxmlformats.org/officeDocument/2006/relationships" xmlns:p="http://schemas.openxmlformats.org/presentationml/2006/main">
+  <p:cSld>
+    <p:spTree>
+      <p:nvGrpSpPr>
+        <p:cNvPr id="1" name=""/>
+        <p:cNvGrpSpPr/>
+        <p:nvPr/>
+      </p:nvGrpSpPr>
+      <p:grpSpPr>
+        <a:xfrm>
+          <a:off x="0" y="0"/>
+          <a:ext cx="0" cy="0"/>
+          <a:chOff x="0" y="0"/>
+          <a:chExt cx="0" cy="0"/>
+        </a:xfrm>
+      </p:grpSpPr>
+      <p:sp>
+        <p:nvSpPr>
+          <p:cNvPr id="7" name="Content Placeholder 6"/>
+          <p:cNvSpPr>
+            <a:spLocks noGrp="1"/>
+          </p:cNvSpPr>
+          <p:nvPr>
+            <p:ph idx="1"/>
+          </p:nvPr>
+        </p:nvSpPr>
+        <p:spPr>
+          <a:xfrm>
+            <a:off x="547396" y="2862940"/>
+            <a:ext cx="8400660" cy="3690257"/>
+          </a:xfrm>
+        </p:spPr>
+        <p:txBody>
+          <a:bodyPr/>
+          <a:lstStyle/>
+          <a:p>
+            <a:pPr>
+              <a:buFont typeface="Arial" pitchFamily="34" charset="0"/>
+              <a:buChar char="•"/>
+            </a:pPr>
+            <a:r>
+              <a:rPr lang="en-US" b="1" dirty="0" smtClean="0">
+                <a:solidFill>
+                  <a:srgbClr val="000000"/>
+                </a:solidFill>
+              </a:rPr>
+              <a:t>clean</a:t>
+            </a:r>
+            <a:r>
+              <a:rPr lang="en-US" dirty="0" smtClean="0">
+                <a:solidFill>
+                  <a:srgbClr val="000000"/>
+                </a:solidFill>
+              </a:rPr>
+              <a:t>: </a:t>
+            </a:r>
+            <a:r>
+              <a:rPr lang="en-US" dirty="0" smtClean="0">
+                <a:solidFill>
+                  <a:srgbClr val="000000"/>
+                </a:solidFill>
+              </a:rPr>
+              <a:t>delete previous build</a:t>
+            </a:r>
+          </a:p>
+          <a:p>
+            <a:pPr>
+              <a:buFont typeface="Arial" pitchFamily="34" charset="0"/>
+              <a:buChar char="•"/>
+            </a:pPr>
+            <a:r>
+              <a:rPr lang="en-US" b="1" dirty="0" smtClean="0">
+                <a:solidFill>
+                  <a:srgbClr val="000000"/>
+                </a:solidFill>
+              </a:rPr>
+              <a:t>copy</a:t>
+            </a:r>
+            <a:r>
+              <a:rPr lang="en-US" dirty="0" smtClean="0">
+                <a:solidFill>
+                  <a:srgbClr val="000000"/>
+                </a:solidFill>
+              </a:rPr>
+              <a:t>: copy </a:t>
+            </a:r>
+            <a:r>
+              <a:rPr lang="en-US" dirty="0" smtClean="0">
+                <a:solidFill>
+                  <a:srgbClr val="000000"/>
+                </a:solidFill>
+              </a:rPr>
+              <a:t>folder </a:t>
+            </a:r>
+            <a:r>
+              <a:rPr lang="en-US" dirty="0" smtClean="0">
+                <a:solidFill>
+                  <a:srgbClr val="000000"/>
+                </a:solidFill>
+              </a:rPr>
+              <a:t>staging (intermediate/) </a:t>
+            </a:r>
+            <a:r>
+              <a:rPr lang="en-US" dirty="0" smtClean="0">
+                <a:solidFill>
+                  <a:srgbClr val="000000"/>
+                </a:solidFill>
+              </a:rPr>
+              <a:t>to  </a:t>
+            </a:r>
+            <a:r>
+              <a:rPr lang="en-US" dirty="0" smtClean="0">
+                <a:solidFill>
+                  <a:srgbClr val="000000"/>
+                </a:solidFill>
+              </a:rPr>
+              <a:t>(publish</a:t>
+            </a:r>
+            <a:r>
+              <a:rPr lang="en-US" dirty="0" smtClean="0">
+                <a:solidFill>
+                  <a:srgbClr val="000000"/>
+                </a:solidFill>
+              </a:rPr>
+              <a:t>/)</a:t>
+            </a:r>
+            <a:endParaRPr lang="en-US" dirty="0" smtClean="0">
+              <a:solidFill>
+                <a:srgbClr val="000000"/>
+              </a:solidFill>
+            </a:endParaRPr>
+          </a:p>
+          <a:p>
+            <a:pPr>
+              <a:buFont typeface="Arial" pitchFamily="34" charset="0"/>
+              <a:buChar char="•"/>
+            </a:pPr>
+            <a:r>
+              <a:rPr lang="en-US" b="1" dirty="0" err="1" smtClean="0">
+                <a:solidFill>
+                  <a:srgbClr val="000000"/>
+                </a:solidFill>
+              </a:rPr>
+              <a:t>css</a:t>
+            </a:r>
+            <a:r>
+              <a:rPr lang="en-US" dirty="0" smtClean="0">
+                <a:solidFill>
+                  <a:srgbClr val="000000"/>
+                </a:solidFill>
+              </a:rPr>
+              <a:t>: replace @</a:t>
+            </a:r>
+            <a:r>
+              <a:rPr lang="en-US" dirty="0" smtClean="0">
+                <a:solidFill>
+                  <a:srgbClr val="000000"/>
+                </a:solidFill>
+              </a:rPr>
+              <a:t>imports, </a:t>
+            </a:r>
+            <a:r>
+              <a:rPr lang="en-US" dirty="0" err="1" smtClean="0">
+                <a:solidFill>
+                  <a:srgbClr val="000000"/>
+                </a:solidFill>
+              </a:rPr>
+              <a:t>concat</a:t>
+            </a:r>
+            <a:r>
+              <a:rPr lang="en-US" dirty="0" smtClean="0">
+                <a:solidFill>
+                  <a:srgbClr val="000000"/>
+                </a:solidFill>
+              </a:rPr>
+              <a:t> </a:t>
+            </a:r>
+            <a:r>
+              <a:rPr lang="en-US" dirty="0" smtClean="0">
+                <a:solidFill>
+                  <a:srgbClr val="000000"/>
+                </a:solidFill>
+              </a:rPr>
+              <a:t>&amp; </a:t>
+            </a:r>
+            <a:r>
+              <a:rPr lang="en-US" dirty="0" smtClean="0">
+                <a:solidFill>
+                  <a:srgbClr val="000000"/>
+                </a:solidFill>
+              </a:rPr>
+              <a:t>minify </a:t>
+            </a:r>
+            <a:r>
+              <a:rPr lang="en-US" dirty="0" smtClean="0">
+                <a:solidFill>
+                  <a:srgbClr val="000000"/>
+                </a:solidFill>
+              </a:rPr>
+              <a:t>CSS into 1 </a:t>
+            </a:r>
+            <a:r>
+              <a:rPr lang="en-US" dirty="0" smtClean="0">
+                <a:solidFill>
+                  <a:srgbClr val="000000"/>
+                </a:solidFill>
+              </a:rPr>
+              <a:t>file</a:t>
+            </a:r>
+          </a:p>
+          <a:p>
+            <a:pPr>
+              <a:buFont typeface="Arial" pitchFamily="34" charset="0"/>
+              <a:buChar char="•"/>
+            </a:pPr>
+            <a:r>
+              <a:rPr lang="en-US" b="1" dirty="0" smtClean="0">
+                <a:solidFill>
+                  <a:srgbClr val="000000"/>
+                </a:solidFill>
+              </a:rPr>
+              <a:t>html</a:t>
+            </a:r>
+            <a:r>
+              <a:rPr lang="en-US" dirty="0" smtClean="0">
+                <a:solidFill>
+                  <a:srgbClr val="000000"/>
+                </a:solidFill>
+              </a:rPr>
+              <a:t>: </a:t>
+            </a:r>
+            <a:r>
+              <a:rPr lang="en-US" dirty="0" smtClean="0">
+                <a:solidFill>
+                  <a:srgbClr val="000000"/>
+                </a:solidFill>
+              </a:rPr>
+              <a:t>minify </a:t>
+            </a:r>
+            <a:r>
+              <a:rPr lang="en-US" dirty="0" smtClean="0">
+                <a:solidFill>
+                  <a:srgbClr val="000000"/>
+                </a:solidFill>
+              </a:rPr>
+              <a:t>HTML </a:t>
+            </a:r>
+            <a:endParaRPr lang="en-US" dirty="0" smtClean="0">
+              <a:solidFill>
+                <a:srgbClr val="000000"/>
+              </a:solidFill>
+            </a:endParaRPr>
+          </a:p>
+          <a:p>
+            <a:pPr>
+              <a:buFont typeface="Arial" pitchFamily="34" charset="0"/>
+              <a:buChar char="•"/>
+            </a:pPr>
+            <a:r>
+              <a:rPr lang="en-US" b="1" dirty="0" err="1" smtClean="0">
+                <a:solidFill>
+                  <a:srgbClr val="000000"/>
+                </a:solidFill>
+              </a:rPr>
+              <a:t>img</a:t>
+            </a:r>
+            <a:r>
+              <a:rPr lang="en-US" dirty="0" smtClean="0">
+                <a:solidFill>
+                  <a:srgbClr val="000000"/>
+                </a:solidFill>
+              </a:rPr>
+              <a:t>: </a:t>
+            </a:r>
+            <a:r>
+              <a:rPr lang="en-US" dirty="0" smtClean="0">
+                <a:solidFill>
+                  <a:srgbClr val="000000"/>
+                </a:solidFill>
+              </a:rPr>
+              <a:t>optimize </a:t>
+            </a:r>
+            <a:r>
+              <a:rPr lang="en-US" dirty="0" smtClean="0">
+                <a:solidFill>
+                  <a:srgbClr val="000000"/>
+                </a:solidFill>
+              </a:rPr>
+              <a:t>.</a:t>
+            </a:r>
+            <a:r>
+              <a:rPr lang="en-US" dirty="0" err="1" smtClean="0">
+                <a:solidFill>
+                  <a:srgbClr val="000000"/>
+                </a:solidFill>
+              </a:rPr>
+              <a:t>png</a:t>
+            </a:r>
+            <a:r>
+              <a:rPr lang="en-US" dirty="0" smtClean="0">
+                <a:solidFill>
+                  <a:srgbClr val="000000"/>
+                </a:solidFill>
+              </a:rPr>
+              <a:t>/.jpg </a:t>
+            </a:r>
+            <a:r>
+              <a:rPr lang="en-US" dirty="0" smtClean="0">
+                <a:solidFill>
+                  <a:srgbClr val="000000"/>
+                </a:solidFill>
+              </a:rPr>
+              <a:t>by </a:t>
+            </a:r>
+            <a:r>
+              <a:rPr lang="en-US" dirty="0" err="1" smtClean="0">
+                <a:solidFill>
+                  <a:srgbClr val="000000"/>
+                </a:solidFill>
+              </a:rPr>
+              <a:t>OptiPNG</a:t>
+            </a:r>
+            <a:r>
+              <a:rPr lang="en-US" dirty="0" smtClean="0">
+                <a:solidFill>
+                  <a:srgbClr val="000000"/>
+                </a:solidFill>
+              </a:rPr>
+              <a:t>/</a:t>
+            </a:r>
+            <a:r>
+              <a:rPr lang="en-US" dirty="0" err="1" smtClean="0">
+                <a:solidFill>
+                  <a:srgbClr val="000000"/>
+                </a:solidFill>
+              </a:rPr>
+              <a:t>JPEGtran</a:t>
+            </a:r>
+            <a:endParaRPr lang="en-US" dirty="0" smtClean="0">
+              <a:solidFill>
+                <a:srgbClr val="000000"/>
+              </a:solidFill>
+            </a:endParaRPr>
+          </a:p>
+          <a:p>
+            <a:pPr>
+              <a:buFont typeface="Arial" pitchFamily="34" charset="0"/>
+              <a:buChar char="•"/>
+            </a:pPr>
+            <a:r>
+              <a:rPr lang="en-US" b="1" dirty="0" err="1" smtClean="0">
+                <a:solidFill>
+                  <a:srgbClr val="000000"/>
+                </a:solidFill>
+              </a:rPr>
+              <a:t>mkdirs</a:t>
+            </a:r>
+            <a:r>
+              <a:rPr lang="en-US" dirty="0" smtClean="0">
+                <a:solidFill>
+                  <a:srgbClr val="000000"/>
+                </a:solidFill>
+              </a:rPr>
+              <a:t>: </a:t>
+            </a:r>
+            <a:r>
+              <a:rPr lang="en-US" dirty="0" smtClean="0">
+                <a:solidFill>
+                  <a:srgbClr val="000000"/>
+                </a:solidFill>
+              </a:rPr>
+              <a:t>prepare build folders </a:t>
+            </a:r>
+          </a:p>
+          <a:p>
+            <a:pPr>
+              <a:buFont typeface="Arial" pitchFamily="34" charset="0"/>
+              <a:buChar char="•"/>
+            </a:pPr>
+            <a:r>
+              <a:rPr lang="en-US" b="1" dirty="0" smtClean="0">
+                <a:solidFill>
+                  <a:srgbClr val="000000"/>
+                </a:solidFill>
+              </a:rPr>
+              <a:t>rev</a:t>
+            </a:r>
+            <a:r>
+              <a:rPr lang="en-US" dirty="0" smtClean="0">
+                <a:solidFill>
+                  <a:srgbClr val="000000"/>
+                </a:solidFill>
+              </a:rPr>
+              <a:t>: </a:t>
+            </a:r>
+            <a:r>
+              <a:rPr lang="en-US" dirty="0" smtClean="0">
+                <a:solidFill>
+                  <a:srgbClr val="000000"/>
+                </a:solidFill>
+              </a:rPr>
+              <a:t>auto </a:t>
+            </a:r>
+            <a:r>
+              <a:rPr lang="en-US" dirty="0" smtClean="0">
+                <a:solidFill>
+                  <a:srgbClr val="000000"/>
+                </a:solidFill>
+              </a:rPr>
+              <a:t>rename </a:t>
+            </a:r>
+            <a:r>
+              <a:rPr lang="en-US" dirty="0" smtClean="0">
+                <a:solidFill>
+                  <a:srgbClr val="000000"/>
+                </a:solidFill>
+              </a:rPr>
+              <a:t>build files by </a:t>
+            </a:r>
+            <a:r>
+              <a:rPr lang="en-US" dirty="0" smtClean="0">
+                <a:solidFill>
+                  <a:srgbClr val="000000"/>
+                </a:solidFill>
+              </a:rPr>
+              <a:t>revision</a:t>
+            </a:r>
+          </a:p>
+          <a:p>
+            <a:pPr>
+              <a:buFont typeface="Arial" pitchFamily="34" charset="0"/>
+              <a:buChar char="•"/>
+            </a:pPr>
+            <a:r>
+              <a:rPr lang="en-US" b="1" dirty="0" err="1" smtClean="0">
+                <a:solidFill>
+                  <a:srgbClr val="000000"/>
+                </a:solidFill>
+              </a:rPr>
+              <a:t>usemin</a:t>
+            </a:r>
+            <a:r>
+              <a:rPr lang="en-US" dirty="0" smtClean="0">
+                <a:solidFill>
+                  <a:srgbClr val="000000"/>
+                </a:solidFill>
+              </a:rPr>
+              <a:t>: </a:t>
+            </a:r>
+            <a:r>
+              <a:rPr lang="en-US" dirty="0" smtClean="0">
+                <a:solidFill>
+                  <a:srgbClr val="000000"/>
+                </a:solidFill>
+              </a:rPr>
+              <a:t>replace reference to use optimized CSS, JS and assets</a:t>
+            </a:r>
+            <a:endParaRPr lang="en-US" dirty="0" smtClean="0">
+              <a:solidFill>
+                <a:srgbClr val="000000"/>
+              </a:solidFill>
+            </a:endParaRPr>
+          </a:p>
+          <a:p>
+            <a:endParaRPr lang="en-US" dirty="0" smtClean="0"/>
+          </a:p>
+        </p:txBody>
+      </p:sp>
+      <p:pic>
+        <p:nvPicPr>
+          <p:cNvPr id="7170" name="Picture 2" descr="C:\Users\sonvq\Desktop\grund-js-opt.png"/>
+          <p:cNvPicPr>
+            <a:picLocks noChangeAspect="1" noChangeArrowheads="1"/>
+          </p:cNvPicPr>
+          <p:nvPr/>
+        </p:nvPicPr>
+        <p:blipFill>
+          <a:blip r:embed="rId3"/>
+          <a:srcRect/>
+          <a:stretch>
+            <a:fillRect/>
+          </a:stretch>
+        </p:blipFill>
+        <p:spPr bwMode="auto">
+          <a:xfrm>
+            <a:off x="2465618" y="293915"/>
+            <a:ext cx="4403271" cy="2204494"/>
+          </a:xfrm>
+          <a:prstGeom prst="rect">
+            <a:avLst/>
+          </a:prstGeom>
+          <a:noFill/>
+        </p:spPr>
+      </p:pic>
+    </p:spTree>
+  </p:cSld>
+  <p:clrMapOvr>
+    <a:masterClrMapping/>
+  </p:clrMapOvr>
+  <mc:AlternateContent xmlns:mc="http://schemas.openxmlformats.org/markup-compatibility/2006">
+    <mc:Choice xmlns="" xmlns:p14="http://schemas.microsoft.com/office/powerpoint/2010/main" Requires="p14">
+      <p:transition p14:dur="100">
+        <p:cut/>
+      </p:transition>
+    </mc:Choice>
+    <mc:Fallback>
+      <p:transition>
+        <p:cut/>
+      </p:transition>
+    </mc:Fallback>
+  </mc:AlternateContent>
+  <p:timing>
+    <p:tnLst>
+      <p:par>
+        <p:cTn id="1" dur="indefinite" restart="never" nodeType="tmRoot"/>
+      </p:par>
+    </p:tnLst>
+  </p:timing>
+</p:sld>
+</file>
+
+<file path=ppt/slides/slide13.xml><?xml version="1.0" encoding="utf-8"?>
+<p:sld xmlns:a="http://schemas.openxmlformats.org/drawingml/2006/main" xmlns:r="http://schemas.openxmlformats.org/officeDocument/2006/relationships" xmlns:p="http://schemas.openxmlformats.org/presentationml/2006/main">
+  <p:cSld>
+    <p:spTree>
+      <p:nvGrpSpPr>
+        <p:cNvPr id="1" name=""/>
+        <p:cNvGrpSpPr/>
+        <p:nvPr/>
+      </p:nvGrpSpPr>
+      <p:grpSpPr>
+        <a:xfrm>
+          <a:off x="0" y="0"/>
+          <a:ext cx="0" cy="0"/>
+          <a:chOff x="0" y="0"/>
+          <a:chExt cx="0" cy="0"/>
+        </a:xfrm>
+      </p:grpSpPr>
+      <p:sp>
+        <p:nvSpPr>
+          <p:cNvPr id="7" name="Content Placeholder 6"/>
+          <p:cNvSpPr>
+            <a:spLocks noGrp="1"/>
+          </p:cNvSpPr>
+          <p:nvPr>
+            <p:ph idx="1"/>
+          </p:nvPr>
+        </p:nvSpPr>
+        <p:spPr>
+          <a:xfrm>
+            <a:off x="547396" y="1555460"/>
+            <a:ext cx="8400660" cy="5063054"/>
+          </a:xfrm>
+        </p:spPr>
+        <p:txBody>
+          <a:bodyPr/>
+          <a:lstStyle/>
+          <a:p>
+            <a:endParaRPr lang="en-US" dirty="0" smtClean="0"/>
+          </a:p>
+          <a:p>
+            <a:endParaRPr lang="en-US" dirty="0" smtClean="0"/>
+          </a:p>
+          <a:p>
+            <a:pPr>
+              <a:buNone/>
+            </a:pPr>
+            <a:endParaRPr lang="en-US" dirty="0" smtClean="0"/>
+          </a:p>
+          <a:p>
+            <a:r>
+              <a:rPr lang="en-US" b="1" dirty="0" smtClean="0"/>
+              <a:t>Package </a:t>
+            </a:r>
+            <a:r>
+              <a:rPr lang="en-US" b="1" dirty="0" smtClean="0"/>
+              <a:t>Manager</a:t>
+            </a:r>
+            <a:r>
+              <a:rPr lang="en-US" dirty="0" smtClean="0"/>
+              <a:t> is used for dependency </a:t>
+            </a:r>
+            <a:r>
+              <a:rPr lang="en-US" dirty="0" smtClean="0"/>
+              <a:t>management</a:t>
+            </a:r>
+          </a:p>
+          <a:p>
+            <a:pPr>
+              <a:buNone/>
+            </a:pPr>
+            <a:endParaRPr lang="en-US" dirty="0" smtClean="0"/>
+          </a:p>
+          <a:p>
+            <a:r>
+              <a:rPr lang="en-US" dirty="0" smtClean="0"/>
+              <a:t>Don’t have </a:t>
+            </a:r>
+            <a:r>
+              <a:rPr lang="en-US" dirty="0" smtClean="0"/>
+              <a:t>to manually download and </a:t>
+            </a:r>
+            <a:r>
+              <a:rPr lang="en-US" dirty="0" smtClean="0"/>
+              <a:t>manage scripts</a:t>
+            </a:r>
+          </a:p>
+          <a:p>
+            <a:endParaRPr lang="en-US" dirty="0" smtClean="0"/>
+          </a:p>
+          <a:p>
+            <a:r>
+              <a:rPr lang="en-US" dirty="0" smtClean="0">
+                <a:hlinkClick r:id="rId3"/>
+              </a:rPr>
+              <a:t>Bower</a:t>
+            </a:r>
+            <a:r>
+              <a:rPr lang="en-US" dirty="0" smtClean="0"/>
+              <a:t> and </a:t>
+            </a:r>
+            <a:r>
+              <a:rPr lang="en-US" dirty="0" err="1" smtClean="0">
+                <a:hlinkClick r:id="rId4"/>
+              </a:rPr>
+              <a:t>npm</a:t>
+            </a:r>
+            <a:r>
+              <a:rPr lang="en-US" dirty="0" smtClean="0"/>
+              <a:t> are two popular </a:t>
+            </a:r>
+            <a:r>
+              <a:rPr lang="en-US" dirty="0" smtClean="0"/>
+              <a:t>options</a:t>
+            </a:r>
+          </a:p>
+          <a:p>
+            <a:endParaRPr lang="en-US" dirty="0" smtClean="0"/>
+          </a:p>
+          <a:p>
+            <a:r>
+              <a:rPr lang="en-US" dirty="0" smtClean="0"/>
+              <a:t>Written by Twitter Inc</a:t>
+            </a:r>
+            <a:endParaRPr lang="en-US" dirty="0" smtClean="0"/>
+          </a:p>
+        </p:txBody>
+      </p:sp>
+      <p:pic>
+        <p:nvPicPr>
+          <p:cNvPr id="5122" name="Picture 2" descr="C:\Users\sonvq\Desktop\toolset3.png"/>
+          <p:cNvPicPr>
+            <a:picLocks noChangeAspect="1" noChangeArrowheads="1"/>
+          </p:cNvPicPr>
+          <p:nvPr/>
+        </p:nvPicPr>
+        <p:blipFill>
+          <a:blip r:embed="rId5"/>
+          <a:srcRect/>
+          <a:stretch>
+            <a:fillRect/>
+          </a:stretch>
+        </p:blipFill>
+        <p:spPr bwMode="auto">
+          <a:xfrm>
+            <a:off x="3236460" y="-10886"/>
+            <a:ext cx="2457450" cy="2743200"/>
+          </a:xfrm>
+          <a:prstGeom prst="rect">
+            <a:avLst/>
+          </a:prstGeom>
+          <a:noFill/>
+        </p:spPr>
+      </p:pic>
+    </p:spTree>
+  </p:cSld>
+  <p:clrMapOvr>
+    <a:masterClrMapping/>
+  </p:clrMapOvr>
+  <mc:AlternateContent xmlns:mc="http://schemas.openxmlformats.org/markup-compatibility/2006">
+    <mc:Choice xmlns="" xmlns:p14="http://schemas.microsoft.com/office/powerpoint/2010/main" Requires="p14">
+      <p:transition p14:dur="100">
+        <p:cut/>
+      </p:transition>
+    </mc:Choice>
+    <mc:Fallback>
+      <p:transition>
+        <p:cut/>
+      </p:transition>
+    </mc:Fallback>
+  </mc:AlternateContent>
+  <p:timing>
+    <p:tnLst>
+      <p:par>
+        <p:cTn id="1" dur="indefinite" restart="never" nodeType="tmRoot"/>
+      </p:par>
+    </p:tnLst>
+  </p:timing>
+</p:sld>
+</file>
+
+<file path=ppt/slides/slide14.xml><?xml version="1.0" encoding="utf-8"?>
+<p:sld xmlns:a="http://schemas.openxmlformats.org/drawingml/2006/main" xmlns:r="http://schemas.openxmlformats.org/officeDocument/2006/relationships" xmlns:p="http://schemas.openxmlformats.org/presentationml/2006/main">
+  <p:cSld>
+    <p:spTree>
+      <p:nvGrpSpPr>
+        <p:cNvPr id="1" name=""/>
+        <p:cNvGrpSpPr/>
+        <p:nvPr/>
+      </p:nvGrpSpPr>
+      <p:grpSpPr>
+        <a:xfrm>
+          <a:off x="0" y="0"/>
+          <a:ext cx="0" cy="0"/>
+          <a:chOff x="0" y="0"/>
+          <a:chExt cx="0" cy="0"/>
+        </a:xfrm>
+      </p:grpSpPr>
+      <p:sp>
+        <p:nvSpPr>
+          <p:cNvPr id="7" name="Content Placeholder 6"/>
+          <p:cNvSpPr>
+            <a:spLocks noGrp="1"/>
+          </p:cNvSpPr>
+          <p:nvPr>
+            <p:ph idx="1"/>
+          </p:nvPr>
+        </p:nvSpPr>
+        <p:spPr>
+          <a:xfrm>
+            <a:off x="536510" y="2394856"/>
+            <a:ext cx="8400660" cy="4223657"/>
+          </a:xfrm>
+        </p:spPr>
+        <p:txBody>
+          <a:bodyPr/>
+          <a:lstStyle/>
+          <a:p>
+            <a:pPr>
+              <a:buNone/>
+            </a:pPr>
+            <a:endParaRPr lang="en-US" dirty="0" smtClean="0"/>
+          </a:p>
+          <a:p>
+            <a:r>
+              <a:rPr lang="en-US" dirty="0" smtClean="0">
+                <a:solidFill>
+                  <a:srgbClr val="000000"/>
+                </a:solidFill>
+              </a:rPr>
+              <a:t>3 commands:</a:t>
+            </a:r>
+          </a:p>
+          <a:p>
+            <a:pPr lvl="1">
+              <a:buFont typeface="Courier New" pitchFamily="49" charset="0"/>
+              <a:buChar char="o"/>
+            </a:pPr>
+            <a:r>
+              <a:rPr lang="en-US" i="1" dirty="0" smtClean="0">
+                <a:solidFill>
+                  <a:srgbClr val="000000"/>
+                </a:solidFill>
+              </a:rPr>
+              <a:t>bower </a:t>
+            </a:r>
+            <a:r>
+              <a:rPr lang="en-US" i="1" dirty="0" smtClean="0">
+                <a:solidFill>
+                  <a:srgbClr val="000000"/>
+                </a:solidFill>
+              </a:rPr>
+              <a:t>search </a:t>
+            </a:r>
+            <a:r>
+              <a:rPr lang="en-US" i="1" dirty="0" smtClean="0">
+                <a:solidFill>
+                  <a:srgbClr val="000000"/>
+                </a:solidFill>
+              </a:rPr>
+              <a:t>[package_name</a:t>
+            </a:r>
+            <a:r>
+              <a:rPr lang="en-US" i="1" dirty="0" smtClean="0">
+                <a:solidFill>
+                  <a:srgbClr val="000000"/>
+                </a:solidFill>
+              </a:rPr>
+              <a:t>]</a:t>
+            </a:r>
+            <a:endParaRPr lang="en-US" i="1" dirty="0" smtClean="0">
+              <a:solidFill>
+                <a:srgbClr val="000000"/>
+              </a:solidFill>
+            </a:endParaRPr>
+          </a:p>
+          <a:p>
+            <a:pPr lvl="1">
+              <a:buFont typeface="Courier New" pitchFamily="49" charset="0"/>
+              <a:buChar char="o"/>
+            </a:pPr>
+            <a:r>
+              <a:rPr lang="en-US" i="1" dirty="0" smtClean="0">
+                <a:solidFill>
+                  <a:srgbClr val="000000"/>
+                </a:solidFill>
+              </a:rPr>
+              <a:t>bower </a:t>
+            </a:r>
+            <a:r>
+              <a:rPr lang="en-US" i="1" dirty="0" smtClean="0">
+                <a:solidFill>
+                  <a:srgbClr val="000000"/>
+                </a:solidFill>
+              </a:rPr>
+              <a:t>install </a:t>
+            </a:r>
+            <a:r>
+              <a:rPr lang="en-US" i="1" dirty="0" smtClean="0">
+                <a:solidFill>
+                  <a:srgbClr val="000000"/>
+                </a:solidFill>
+              </a:rPr>
+              <a:t>[package_name</a:t>
+            </a:r>
+            <a:r>
+              <a:rPr lang="en-US" i="1" dirty="0" smtClean="0">
+                <a:solidFill>
+                  <a:srgbClr val="000000"/>
+                </a:solidFill>
+              </a:rPr>
+              <a:t>]</a:t>
+            </a:r>
+            <a:endParaRPr lang="en-US" i="1" dirty="0" smtClean="0">
+              <a:solidFill>
+                <a:srgbClr val="000000"/>
+              </a:solidFill>
+            </a:endParaRPr>
+          </a:p>
+          <a:p>
+            <a:pPr lvl="1">
+              <a:buFont typeface="Courier New" pitchFamily="49" charset="0"/>
+              <a:buChar char="o"/>
+            </a:pPr>
+            <a:r>
+              <a:rPr lang="en-US" i="1" dirty="0" smtClean="0">
+                <a:solidFill>
+                  <a:srgbClr val="000000"/>
+                </a:solidFill>
+              </a:rPr>
+              <a:t>bower uninstall [package</a:t>
+            </a:r>
+            <a:r>
+              <a:rPr lang="vi-VN" i="1" dirty="0" smtClean="0">
+                <a:solidFill>
+                  <a:srgbClr val="000000"/>
+                </a:solidFill>
+              </a:rPr>
+              <a:t>_</a:t>
+            </a:r>
+            <a:r>
+              <a:rPr lang="en-US" i="1" dirty="0" smtClean="0">
+                <a:solidFill>
+                  <a:srgbClr val="000000"/>
+                </a:solidFill>
+              </a:rPr>
+              <a:t>name]</a:t>
+            </a:r>
+          </a:p>
+          <a:p>
+            <a:pPr lvl="1"/>
+            <a:endParaRPr lang="en-US" dirty="0" smtClean="0">
+              <a:solidFill>
+                <a:srgbClr val="000000"/>
+              </a:solidFill>
+            </a:endParaRPr>
+          </a:p>
+          <a:p>
+            <a:pPr>
+              <a:buFont typeface="Arial" pitchFamily="34" charset="0"/>
+              <a:buChar char="•"/>
+            </a:pPr>
+            <a:r>
+              <a:rPr lang="en-US" dirty="0" smtClean="0"/>
+              <a:t>There are about 27372 </a:t>
+            </a:r>
+            <a:r>
+              <a:rPr lang="en-US" dirty="0" smtClean="0"/>
+              <a:t>bower </a:t>
+            </a:r>
+            <a:r>
+              <a:rPr lang="en-US" dirty="0" smtClean="0"/>
+              <a:t>components (2</a:t>
+            </a:r>
+            <a:r>
+              <a:rPr lang="vi-VN" dirty="0" smtClean="0"/>
+              <a:t>5 May 2016)</a:t>
+            </a:r>
+          </a:p>
+          <a:p>
+            <a:pPr lvl="1">
+              <a:buFont typeface="Courier New" pitchFamily="49" charset="0"/>
+              <a:buChar char="o"/>
+            </a:pPr>
+            <a:r>
+              <a:rPr lang="en-US" dirty="0" smtClean="0">
+                <a:hlinkClick r:id="rId3"/>
+              </a:rPr>
+              <a:t>http</a:t>
+            </a:r>
+            <a:r>
+              <a:rPr lang="en-US" dirty="0" smtClean="0">
+                <a:hlinkClick r:id="rId3"/>
+              </a:rPr>
+              <a:t>://sindresorhus.com/bower-components</a:t>
+            </a:r>
+            <a:endParaRPr lang="en-US" dirty="0" smtClean="0"/>
+          </a:p>
+          <a:p>
+            <a:endParaRPr lang="en-US" dirty="0" smtClean="0">
+              <a:solidFill>
+                <a:srgbClr val="000000"/>
+              </a:solidFill>
+            </a:endParaRPr>
+          </a:p>
+        </p:txBody>
+      </p:sp>
+      <p:pic>
+        <p:nvPicPr>
+          <p:cNvPr id="8194" name="Picture 2" descr="C:\Users\sonvq\Desktop\frontend-workflow.png"/>
+          <p:cNvPicPr>
+            <a:picLocks noChangeAspect="1" noChangeArrowheads="1"/>
+          </p:cNvPicPr>
+          <p:nvPr/>
+        </p:nvPicPr>
+        <p:blipFill>
+          <a:blip r:embed="rId4"/>
+          <a:srcRect/>
+          <a:stretch>
+            <a:fillRect/>
+          </a:stretch>
+        </p:blipFill>
+        <p:spPr bwMode="auto">
+          <a:xfrm>
+            <a:off x="2797626" y="435431"/>
+            <a:ext cx="3617056" cy="1709059"/>
+          </a:xfrm>
+          <a:prstGeom prst="rect">
+            <a:avLst/>
+          </a:prstGeom>
+          <a:noFill/>
+        </p:spPr>
+      </p:pic>
+    </p:spTree>
+  </p:cSld>
+  <p:clrMapOvr>
+    <a:masterClrMapping/>
+  </p:clrMapOvr>
+  <mc:AlternateContent xmlns:mc="http://schemas.openxmlformats.org/markup-compatibility/2006">
+    <mc:Choice xmlns="" xmlns:p14="http://schemas.microsoft.com/office/powerpoint/2010/main" Requires="p14">
+      <p:transition p14:dur="100">
+        <p:cut/>
+      </p:transition>
+    </mc:Choice>
+    <mc:Fallback>
+      <p:transition>
+        <p:cut/>
+      </p:transition>
+    </mc:Fallback>
+  </mc:AlternateContent>
+  <p:timing>
+    <p:tnLst>
+      <p:par>
+        <p:cTn id="1" dur="indefinite" restart="never" nodeType="tmRoot"/>
+      </p:par>
+    </p:tnLst>
+  </p:timing>
+</p:sld>
+</file>
+
+<file path=ppt/slides/slide15.xml><?xml version="1.0" encoding="utf-8"?>
+<p:sld xmlns:a="http://schemas.openxmlformats.org/drawingml/2006/main" xmlns:r="http://schemas.openxmlformats.org/officeDocument/2006/relationships" xmlns:p="http://schemas.openxmlformats.org/presentationml/2006/main">
+  <p:cSld>
+    <p:spTree>
+      <p:nvGrpSpPr>
+        <p:cNvPr id="1" name=""/>
+        <p:cNvGrpSpPr/>
+        <p:nvPr/>
+      </p:nvGrpSpPr>
+      <p:grpSpPr>
+        <a:xfrm>
+          <a:off x="0" y="0"/>
+          <a:ext cx="0" cy="0"/>
+          <a:chOff x="0" y="0"/>
+          <a:chExt cx="0" cy="0"/>
+        </a:xfrm>
+      </p:grpSpPr>
+      <p:sp>
+        <p:nvSpPr>
+          <p:cNvPr id="7" name="Title 1"/>
+          <p:cNvSpPr txBox="1">
+            <a:spLocks/>
+          </p:cNvSpPr>
+          <p:nvPr/>
+        </p:nvSpPr>
+        <p:spPr bwMode="auto">
+          <a:xfrm>
+            <a:off x="457200" y="-141521"/>
+            <a:ext cx="8720218" cy="1143000"/>
+          </a:xfrm>
+          <a:prstGeom prst="rect">
+            <a:avLst/>
+          </a:prstGeom>
+          <a:noFill/>
+          <a:ln w="9525">
+            <a:noFill/>
+            <a:miter lim="800000"/>
+            <a:headEnd/>
+            <a:tailEnd/>
+          </a:ln>
+        </p:spPr>
+        <p:txBody>
+          <a:bodyPr vert="horz" wrap="square" lIns="91440" tIns="45720" rIns="91440" bIns="45720" numCol="1" anchor="ctr" anchorCtr="0" compatLnSpc="1">
+            <a:prstTxWarp prst="textNoShape">
+              <a:avLst/>
+            </a:prstTxWarp>
+          </a:bodyPr>
+          <a:lstStyle>
+            <a:lvl1pPr algn="ctr" rtl="0" eaLnBrk="1" fontAlgn="base" hangingPunct="1">
+              <a:spcBef>
+                <a:spcPct val="0"/>
+              </a:spcBef>
+              <a:spcAft>
+                <a:spcPct val="0"/>
+              </a:spcAft>
+              <a:defRPr sz="4400" kern="1200">
+                <a:solidFill>
+                  <a:schemeClr val="tx1"/>
+                </a:solidFill>
+                <a:latin typeface="+mj-lt"/>
+                <a:ea typeface="+mj-ea"/>
+                <a:cs typeface="+mj-cs"/>
+              </a:defRPr>
+            </a:lvl1pPr>
+            <a:lvl2pPr algn="ctr" rtl="0" eaLnBrk="1" fontAlgn="base" hangingPunct="1">
+              <a:spcBef>
+                <a:spcPct val="0"/>
+              </a:spcBef>
+              <a:spcAft>
+                <a:spcPct val="0"/>
+              </a:spcAft>
+              <a:defRPr sz="4400">
+                <a:solidFill>
+                  <a:schemeClr val="tx1"/>
+                </a:solidFill>
+                <a:latin typeface="Arial" charset="0"/>
+              </a:defRPr>
+            </a:lvl2pPr>
+            <a:lvl3pPr algn="ctr" rtl="0" eaLnBrk="1" fontAlgn="base" hangingPunct="1">
+              <a:spcBef>
+                <a:spcPct val="0"/>
+              </a:spcBef>
+              <a:spcAft>
+                <a:spcPct val="0"/>
+              </a:spcAft>
+              <a:defRPr sz="4400">
+                <a:solidFill>
+                  <a:schemeClr val="tx1"/>
+                </a:solidFill>
+                <a:latin typeface="Arial" charset="0"/>
+              </a:defRPr>
+            </a:lvl3pPr>
+            <a:lvl4pPr algn="ctr" rtl="0" eaLnBrk="1" fontAlgn="base" hangingPunct="1">
+              <a:spcBef>
+                <a:spcPct val="0"/>
+              </a:spcBef>
+              <a:spcAft>
+                <a:spcPct val="0"/>
+              </a:spcAft>
+              <a:defRPr sz="4400">
+                <a:solidFill>
+                  <a:schemeClr val="tx1"/>
+                </a:solidFill>
+                <a:latin typeface="Arial" charset="0"/>
+              </a:defRPr>
+            </a:lvl4pPr>
+            <a:lvl5pPr algn="ctr" rtl="0" eaLnBrk="1" fontAlgn="base" hangingPunct="1">
+              <a:spcBef>
+                <a:spcPct val="0"/>
+              </a:spcBef>
+              <a:spcAft>
+                <a:spcPct val="0"/>
+              </a:spcAft>
+              <a:defRPr sz="4400">
+                <a:solidFill>
+                  <a:schemeClr val="tx1"/>
+                </a:solidFill>
+                <a:latin typeface="Arial" charset="0"/>
+              </a:defRPr>
+            </a:lvl5pPr>
+            <a:lvl6pPr marL="457200" algn="ctr" rtl="0" eaLnBrk="1" fontAlgn="base" hangingPunct="1">
+              <a:spcBef>
+                <a:spcPct val="0"/>
+              </a:spcBef>
+              <a:spcAft>
+                <a:spcPct val="0"/>
+              </a:spcAft>
+              <a:defRPr sz="4400">
+                <a:solidFill>
+                  <a:schemeClr val="tx1"/>
+                </a:solidFill>
+                <a:latin typeface="Lucida Sans" pitchFamily="34" charset="0"/>
+              </a:defRPr>
+            </a:lvl6pPr>
+            <a:lvl7pPr marL="914400" algn="ctr" rtl="0" eaLnBrk="1" fontAlgn="base" hangingPunct="1">
+              <a:spcBef>
+                <a:spcPct val="0"/>
+              </a:spcBef>
+              <a:spcAft>
+                <a:spcPct val="0"/>
+              </a:spcAft>
+              <a:defRPr sz="4400">
+                <a:solidFill>
+                  <a:schemeClr val="tx1"/>
+                </a:solidFill>
+                <a:latin typeface="Lucida Sans" pitchFamily="34" charset="0"/>
+              </a:defRPr>
+            </a:lvl7pPr>
+            <a:lvl8pPr marL="1371600" algn="ctr" rtl="0" eaLnBrk="1" fontAlgn="base" hangingPunct="1">
+              <a:spcBef>
+                <a:spcPct val="0"/>
+              </a:spcBef>
+              <a:spcAft>
+                <a:spcPct val="0"/>
+              </a:spcAft>
+              <a:defRPr sz="4400">
+                <a:solidFill>
+                  <a:schemeClr val="tx1"/>
+                </a:solidFill>
+                <a:latin typeface="Lucida Sans" pitchFamily="34" charset="0"/>
+              </a:defRPr>
+            </a:lvl8pPr>
+            <a:lvl9pPr marL="1828800" algn="ctr" rtl="0" eaLnBrk="1" fontAlgn="base" hangingPunct="1">
+              <a:spcBef>
+                <a:spcPct val="0"/>
+              </a:spcBef>
+              <a:spcAft>
+                <a:spcPct val="0"/>
+              </a:spcAft>
+              <a:defRPr sz="4400">
+                <a:solidFill>
+                  <a:schemeClr val="tx1"/>
+                </a:solidFill>
+                <a:latin typeface="Lucida Sans" pitchFamily="34" charset="0"/>
+              </a:defRPr>
+            </a:lvl9pPr>
+          </a:lstStyle>
+          <a:p>
+            <a:r>
+              <a:rPr lang="en-US" dirty="0" err="1">
+                <a:cs typeface="Constantia"/>
+              </a:rPr>
+              <a:t>AngularJS</a:t>
+            </a:r>
+            <a:r>
+              <a:rPr lang="en-US" dirty="0">
+                <a:cs typeface="Constantia"/>
+              </a:rPr>
+              <a:t> generator</a:t>
+            </a:r>
+          </a:p>
+        </p:txBody>
+      </p:sp>
+      <p:sp>
+        <p:nvSpPr>
+          <p:cNvPr id="9" name="Content Placeholder 2"/>
+          <p:cNvSpPr txBox="1">
+            <a:spLocks/>
+          </p:cNvSpPr>
+          <p:nvPr/>
+        </p:nvSpPr>
+        <p:spPr bwMode="auto">
+          <a:xfrm>
+            <a:off x="457200" y="2000925"/>
+            <a:ext cx="8229600" cy="4428450"/>
+          </a:xfrm>
+          <a:prstGeom prst="rect">
+            <a:avLst/>
+          </a:prstGeom>
+          <a:noFill/>
+          <a:ln w="9525">
+            <a:noFill/>
+            <a:miter lim="800000"/>
+            <a:headEnd/>
+            <a:tailEnd/>
+          </a:ln>
+        </p:spPr>
+        <p:txBody>
+          <a:bodyPr vert="horz" wrap="square" lIns="91440" tIns="45720" rIns="91440" bIns="45720" numCol="1" anchor="t" anchorCtr="0" compatLnSpc="1">
+            <a:prstTxWarp prst="textNoShape">
+              <a:avLst/>
+            </a:prstTxWarp>
+          </a:bodyPr>
+          <a:lstStyle>
+            <a:lvl1pPr marL="0" indent="0" algn="ctr" rtl="0" eaLnBrk="1" fontAlgn="base" hangingPunct="1">
+              <a:spcBef>
+                <a:spcPct val="20000"/>
+              </a:spcBef>
+              <a:spcAft>
+                <a:spcPct val="0"/>
+              </a:spcAft>
+              <a:buFont typeface="Arial" charset="0"/>
+              <a:buNone/>
+              <a:defRPr sz="2400" kern="1200">
+                <a:solidFill>
+                  <a:schemeClr val="tx1">
+                    <a:tint val="75000"/>
+                  </a:schemeClr>
+                </a:solidFill>
+                <a:latin typeface="+mn-lt"/>
+                <a:ea typeface="+mn-ea"/>
+                <a:cs typeface="+mn-cs"/>
+              </a:defRPr>
+            </a:lvl1pPr>
+            <a:lvl2pPr marL="457200" indent="0" algn="ctr" rtl="0" eaLnBrk="1" fontAlgn="base" hangingPunct="1">
+              <a:spcBef>
+                <a:spcPct val="20000"/>
+              </a:spcBef>
+              <a:spcAft>
+                <a:spcPct val="0"/>
+              </a:spcAft>
+              <a:buFont typeface="Arial" charset="0"/>
+              <a:buNone/>
+              <a:defRPr sz="2000" kern="1200">
+                <a:solidFill>
+                  <a:schemeClr val="tx1">
+                    <a:tint val="75000"/>
+                  </a:schemeClr>
+                </a:solidFill>
+                <a:latin typeface="+mn-lt"/>
+                <a:ea typeface="+mn-ea"/>
+                <a:cs typeface="+mn-cs"/>
+              </a:defRPr>
+            </a:lvl2pPr>
+            <a:lvl3pPr marL="914400" indent="0" algn="ctr" rtl="0" eaLnBrk="1" fontAlgn="base" hangingPunct="1">
+              <a:spcBef>
+                <a:spcPct val="20000"/>
+              </a:spcBef>
+              <a:spcAft>
+                <a:spcPct val="0"/>
+              </a:spcAft>
+              <a:buFont typeface="Arial" charset="0"/>
+              <a:buNone/>
+              <a:defRPr kern="1200">
+                <a:solidFill>
+                  <a:schemeClr val="tx1">
+                    <a:tint val="75000"/>
+                  </a:schemeClr>
+                </a:solidFill>
+                <a:latin typeface="+mn-lt"/>
+                <a:ea typeface="+mn-ea"/>
+                <a:cs typeface="+mn-cs"/>
+              </a:defRPr>
+            </a:lvl3pPr>
+            <a:lvl4pPr marL="1371600" indent="0" algn="ctr" rtl="0" eaLnBrk="1" fontAlgn="base" hangingPunct="1">
+              <a:spcBef>
+                <a:spcPct val="20000"/>
+              </a:spcBef>
+              <a:spcAft>
+                <a:spcPct val="0"/>
+              </a:spcAft>
+              <a:buFont typeface="Arial" charset="0"/>
+              <a:buNone/>
+              <a:defRPr sz="1600" kern="1200">
+                <a:solidFill>
+                  <a:schemeClr val="tx1">
+                    <a:tint val="75000"/>
+                  </a:schemeClr>
+                </a:solidFill>
+                <a:latin typeface="+mn-lt"/>
+                <a:ea typeface="+mn-ea"/>
+                <a:cs typeface="+mn-cs"/>
+              </a:defRPr>
+            </a:lvl4pPr>
+            <a:lvl5pPr marL="1828800" indent="0" algn="ctr" rtl="0" eaLnBrk="1" fontAlgn="base" hangingPunct="1">
+              <a:spcBef>
+                <a:spcPct val="20000"/>
+              </a:spcBef>
+              <a:spcAft>
+                <a:spcPct val="0"/>
+              </a:spcAft>
+              <a:buFont typeface="Arial" charset="0"/>
+              <a:buNone/>
+              <a:defRPr sz="1600" kern="1200">
+                <a:solidFill>
+                  <a:schemeClr val="tx1">
+                    <a:tint val="75000"/>
+                  </a:schemeClr>
+                </a:solidFill>
+                <a:latin typeface="+mn-lt"/>
+                <a:ea typeface="+mn-ea"/>
+                <a:cs typeface="+mn-cs"/>
+              </a:defRPr>
+            </a:lvl5pPr>
+            <a:lvl6pPr marL="2286000" indent="0" algn="ctr" defTabSz="914400" rtl="0" eaLnBrk="1" latinLnBrk="0" hangingPunct="1">
+              <a:spcBef>
+                <a:spcPct val="20000"/>
+              </a:spcBef>
+              <a:buFont typeface="Arial" pitchFamily="34" charset="0"/>
+              <a:buNone/>
+              <a:defRPr sz="2000" kern="1200">
+                <a:solidFill>
+                  <a:schemeClr val="tx1">
+                    <a:tint val="75000"/>
+                  </a:schemeClr>
+                </a:solidFill>
+                <a:latin typeface="+mn-lt"/>
+                <a:ea typeface="+mn-ea"/>
+                <a:cs typeface="+mn-cs"/>
+              </a:defRPr>
+            </a:lvl6pPr>
+            <a:lvl7pPr marL="2743200" indent="0" algn="ctr" defTabSz="914400" rtl="0" eaLnBrk="1" latinLnBrk="0" hangingPunct="1">
+              <a:spcBef>
+                <a:spcPct val="20000"/>
+              </a:spcBef>
+              <a:buFont typeface="Arial" pitchFamily="34" charset="0"/>
+              <a:buNone/>
+              <a:defRPr sz="2000" kern="1200">
+                <a:solidFill>
+                  <a:schemeClr val="tx1">
+                    <a:tint val="75000"/>
+                  </a:schemeClr>
+                </a:solidFill>
+                <a:latin typeface="+mn-lt"/>
+                <a:ea typeface="+mn-ea"/>
+                <a:cs typeface="+mn-cs"/>
+              </a:defRPr>
+            </a:lvl7pPr>
+            <a:lvl8pPr marL="3200400" indent="0" algn="ctr" defTabSz="914400" rtl="0" eaLnBrk="1" latinLnBrk="0" hangingPunct="1">
+              <a:spcBef>
+                <a:spcPct val="20000"/>
+              </a:spcBef>
+              <a:buFont typeface="Arial" pitchFamily="34" charset="0"/>
+              <a:buNone/>
+              <a:defRPr sz="2000" kern="1200">
+                <a:solidFill>
+                  <a:schemeClr val="tx1">
+                    <a:tint val="75000"/>
+                  </a:schemeClr>
+                </a:solidFill>
+                <a:latin typeface="+mn-lt"/>
+                <a:ea typeface="+mn-ea"/>
+                <a:cs typeface="+mn-cs"/>
+              </a:defRPr>
+            </a:lvl8pPr>
+            <a:lvl9pPr marL="3657600" indent="0" algn="ctr" defTabSz="914400" rtl="0" eaLnBrk="1" latinLnBrk="0" hangingPunct="1">
+              <a:spcBef>
+                <a:spcPct val="20000"/>
+              </a:spcBef>
+              <a:buFont typeface="Arial" pitchFamily="34" charset="0"/>
+              <a:buNone/>
+              <a:defRPr sz="2000" kern="1200">
+                <a:solidFill>
+                  <a:schemeClr val="tx1">
+                    <a:tint val="75000"/>
+                  </a:schemeClr>
+                </a:solidFill>
+                <a:latin typeface="+mn-lt"/>
+                <a:ea typeface="+mn-ea"/>
+                <a:cs typeface="+mn-cs"/>
+              </a:defRPr>
+            </a:lvl9pPr>
+          </a:lstStyle>
+          <a:p>
+            <a:pPr algn="l"/>
+            <a:endParaRPr lang="en-US" dirty="0">
+              <a:solidFill>
+                <a:srgbClr val="000000"/>
+              </a:solidFill>
+            </a:endParaRPr>
+          </a:p>
+        </p:txBody>
+      </p:sp>
+      <p:pic>
+        <p:nvPicPr>
+          <p:cNvPr id="9218" name="Picture 2" descr="C:\Users\sonvq\Desktop\Screenshot_2.png"/>
+          <p:cNvPicPr>
+            <a:picLocks noChangeAspect="1" noChangeArrowheads="1"/>
+          </p:cNvPicPr>
+          <p:nvPr/>
+        </p:nvPicPr>
+        <p:blipFill>
+          <a:blip r:embed="rId2"/>
+          <a:srcRect/>
+          <a:stretch>
+            <a:fillRect/>
+          </a:stretch>
+        </p:blipFill>
+        <p:spPr bwMode="auto">
+          <a:xfrm>
+            <a:off x="1413556" y="929783"/>
+            <a:ext cx="6826930" cy="5928218"/>
+          </a:xfrm>
+          <a:prstGeom prst="rect">
+            <a:avLst/>
+          </a:prstGeom>
+          <a:noFill/>
+          <a:ln>
+            <a:solidFill>
+              <a:schemeClr val="accent1"/>
+            </a:solidFill>
+          </a:ln>
+        </p:spPr>
+      </p:pic>
+    </p:spTree>
+    <p:extLst>
+      <p:ext uri="{BB962C8B-B14F-4D97-AF65-F5344CB8AC3E}">
+        <p14:creationId xmlns:p14="http://schemas.microsoft.com/office/powerpoint/2010/main" xmlns="" val="746720901"/>
+      </p:ext>
+    </p:extLst>
+  </p:cSld>
+  <p:clrMapOvr>
+    <a:masterClrMapping/>
+  </p:clrMapOvr>
+  <mc:AlternateContent xmlns:mc="http://schemas.openxmlformats.org/markup-compatibility/2006">
+    <mc:Choice xmlns:p14="http://schemas.microsoft.com/office/powerpoint/2010/main" xmlns="" Requires="p14">
+      <p:transition spd="med" p14:dur="700">
+        <p:fade/>
+      </p:transition>
+    </mc:Choice>
+    <mc:Fallback>
+      <p:transition spd="med">
+        <p:fade/>
+      </p:transition>
+    </mc:Fallback>
+  </mc:AlternateContent>
+  <p:timing>
+    <p:tnLst>
+      <p:par>
+        <p:cTn id="1" dur="indefinite" restart="never" nodeType="tmRoot"/>
+      </p:par>
+    </p:tnLst>
+  </p:timing>
+</p:sld>
+</file>
+
+<file path=ppt/slides/slide16.xml><?xml version="1.0" encoding="utf-8"?>
+<p:sld xmlns:a="http://schemas.openxmlformats.org/drawingml/2006/main" xmlns:r="http://schemas.openxmlformats.org/officeDocument/2006/relationships" xmlns:p="http://schemas.openxmlformats.org/presentationml/2006/main">
+  <p:cSld>
+    <p:spTree>
+      <p:nvGrpSpPr>
+        <p:cNvPr id="1" name=""/>
+        <p:cNvGrpSpPr/>
+        <p:nvPr/>
+      </p:nvGrpSpPr>
+      <p:grpSpPr>
+        <a:xfrm>
+          <a:off x="0" y="0"/>
+          <a:ext cx="0" cy="0"/>
+          <a:chOff x="0" y="0"/>
+          <a:chExt cx="0" cy="0"/>
+        </a:xfrm>
+      </p:grpSpPr>
+      <p:sp>
+        <p:nvSpPr>
+          <p:cNvPr id="7" name="Title 1"/>
+          <p:cNvSpPr txBox="1">
+            <a:spLocks/>
+          </p:cNvSpPr>
+          <p:nvPr/>
+        </p:nvSpPr>
+        <p:spPr bwMode="auto">
+          <a:xfrm>
+            <a:off x="2100944" y="1462083"/>
+            <a:ext cx="8720218" cy="1143000"/>
+          </a:xfrm>
+          <a:prstGeom prst="rect">
+            <a:avLst/>
+          </a:prstGeom>
+          <a:noFill/>
+          <a:ln w="9525">
+            <a:noFill/>
+            <a:miter lim="800000"/>
+            <a:headEnd/>
+            <a:tailEnd/>
+          </a:ln>
+        </p:spPr>
+        <p:txBody>
+          <a:bodyPr vert="horz" wrap="square" lIns="91440" tIns="45720" rIns="91440" bIns="45720" numCol="1" anchor="ctr" anchorCtr="0" compatLnSpc="1">
+            <a:prstTxWarp prst="textNoShape">
+              <a:avLst/>
+            </a:prstTxWarp>
+          </a:bodyPr>
+          <a:lstStyle>
+            <a:lvl1pPr algn="ctr" rtl="0" eaLnBrk="1" fontAlgn="base" hangingPunct="1">
+              <a:spcBef>
+                <a:spcPct val="0"/>
+              </a:spcBef>
+              <a:spcAft>
+                <a:spcPct val="0"/>
+              </a:spcAft>
+              <a:defRPr sz="4400" kern="1200">
+                <a:solidFill>
+                  <a:schemeClr val="tx1"/>
+                </a:solidFill>
+                <a:latin typeface="+mj-lt"/>
+                <a:ea typeface="+mj-ea"/>
+                <a:cs typeface="+mj-cs"/>
+              </a:defRPr>
+            </a:lvl1pPr>
+            <a:lvl2pPr algn="ctr" rtl="0" eaLnBrk="1" fontAlgn="base" hangingPunct="1">
+              <a:spcBef>
+                <a:spcPct val="0"/>
+              </a:spcBef>
+              <a:spcAft>
+                <a:spcPct val="0"/>
+              </a:spcAft>
+              <a:defRPr sz="4400">
+                <a:solidFill>
+                  <a:schemeClr val="tx1"/>
+                </a:solidFill>
+                <a:latin typeface="Arial" charset="0"/>
+              </a:defRPr>
+            </a:lvl2pPr>
+            <a:lvl3pPr algn="ctr" rtl="0" eaLnBrk="1" fontAlgn="base" hangingPunct="1">
+              <a:spcBef>
+                <a:spcPct val="0"/>
+              </a:spcBef>
+              <a:spcAft>
+                <a:spcPct val="0"/>
+              </a:spcAft>
+              <a:defRPr sz="4400">
+                <a:solidFill>
+                  <a:schemeClr val="tx1"/>
+                </a:solidFill>
+                <a:latin typeface="Arial" charset="0"/>
+              </a:defRPr>
+            </a:lvl3pPr>
+            <a:lvl4pPr algn="ctr" rtl="0" eaLnBrk="1" fontAlgn="base" hangingPunct="1">
+              <a:spcBef>
+                <a:spcPct val="0"/>
+              </a:spcBef>
+              <a:spcAft>
+                <a:spcPct val="0"/>
+              </a:spcAft>
+              <a:defRPr sz="4400">
+                <a:solidFill>
+                  <a:schemeClr val="tx1"/>
+                </a:solidFill>
+                <a:latin typeface="Arial" charset="0"/>
+              </a:defRPr>
+            </a:lvl4pPr>
+            <a:lvl5pPr algn="ctr" rtl="0" eaLnBrk="1" fontAlgn="base" hangingPunct="1">
+              <a:spcBef>
+                <a:spcPct val="0"/>
+              </a:spcBef>
+              <a:spcAft>
+                <a:spcPct val="0"/>
+              </a:spcAft>
+              <a:defRPr sz="4400">
+                <a:solidFill>
+                  <a:schemeClr val="tx1"/>
+                </a:solidFill>
+                <a:latin typeface="Arial" charset="0"/>
+              </a:defRPr>
+            </a:lvl5pPr>
+            <a:lvl6pPr marL="457200" algn="ctr" rtl="0" eaLnBrk="1" fontAlgn="base" hangingPunct="1">
+              <a:spcBef>
+                <a:spcPct val="0"/>
+              </a:spcBef>
+              <a:spcAft>
+                <a:spcPct val="0"/>
+              </a:spcAft>
+              <a:defRPr sz="4400">
+                <a:solidFill>
+                  <a:schemeClr val="tx1"/>
+                </a:solidFill>
+                <a:latin typeface="Lucida Sans" pitchFamily="34" charset="0"/>
+              </a:defRPr>
+            </a:lvl6pPr>
+            <a:lvl7pPr marL="914400" algn="ctr" rtl="0" eaLnBrk="1" fontAlgn="base" hangingPunct="1">
+              <a:spcBef>
+                <a:spcPct val="0"/>
+              </a:spcBef>
+              <a:spcAft>
+                <a:spcPct val="0"/>
+              </a:spcAft>
+              <a:defRPr sz="4400">
+                <a:solidFill>
+                  <a:schemeClr val="tx1"/>
+                </a:solidFill>
+                <a:latin typeface="Lucida Sans" pitchFamily="34" charset="0"/>
+              </a:defRPr>
+            </a:lvl7pPr>
+            <a:lvl8pPr marL="1371600" algn="ctr" rtl="0" eaLnBrk="1" fontAlgn="base" hangingPunct="1">
+              <a:spcBef>
+                <a:spcPct val="0"/>
+              </a:spcBef>
+              <a:spcAft>
+                <a:spcPct val="0"/>
+              </a:spcAft>
+              <a:defRPr sz="4400">
+                <a:solidFill>
+                  <a:schemeClr val="tx1"/>
+                </a:solidFill>
+                <a:latin typeface="Lucida Sans" pitchFamily="34" charset="0"/>
+              </a:defRPr>
+            </a:lvl8pPr>
+            <a:lvl9pPr marL="1828800" algn="ctr" rtl="0" eaLnBrk="1" fontAlgn="base" hangingPunct="1">
+              <a:spcBef>
+                <a:spcPct val="0"/>
+              </a:spcBef>
+              <a:spcAft>
+                <a:spcPct val="0"/>
+              </a:spcAft>
+              <a:defRPr sz="4400">
+                <a:solidFill>
+                  <a:schemeClr val="tx1"/>
+                </a:solidFill>
+                <a:latin typeface="Lucida Sans" pitchFamily="34" charset="0"/>
+              </a:defRPr>
+            </a:lvl9pPr>
+          </a:lstStyle>
+          <a:p>
+            <a:r>
+              <a:rPr lang="vi-VN" dirty="0" smtClean="0">
+                <a:cs typeface="Constantia"/>
+              </a:rPr>
+              <a:t>Project structure</a:t>
+            </a:r>
+            <a:endParaRPr lang="en-US" dirty="0">
+              <a:cs typeface="Constantia"/>
+            </a:endParaRPr>
+          </a:p>
+        </p:txBody>
+      </p:sp>
+      <p:sp>
+        <p:nvSpPr>
+          <p:cNvPr id="9" name="Content Placeholder 2"/>
+          <p:cNvSpPr txBox="1">
+            <a:spLocks/>
+          </p:cNvSpPr>
+          <p:nvPr/>
+        </p:nvSpPr>
+        <p:spPr bwMode="auto">
+          <a:xfrm>
+            <a:off x="457200" y="2000925"/>
+            <a:ext cx="8229600" cy="4428450"/>
+          </a:xfrm>
+          <a:prstGeom prst="rect">
+            <a:avLst/>
+          </a:prstGeom>
+          <a:noFill/>
+          <a:ln w="9525">
+            <a:noFill/>
+            <a:miter lim="800000"/>
+            <a:headEnd/>
+            <a:tailEnd/>
+          </a:ln>
+        </p:spPr>
+        <p:txBody>
+          <a:bodyPr vert="horz" wrap="square" lIns="91440" tIns="45720" rIns="91440" bIns="45720" numCol="1" anchor="t" anchorCtr="0" compatLnSpc="1">
+            <a:prstTxWarp prst="textNoShape">
+              <a:avLst/>
+            </a:prstTxWarp>
+          </a:bodyPr>
+          <a:lstStyle>
+            <a:lvl1pPr marL="0" indent="0" algn="ctr" rtl="0" eaLnBrk="1" fontAlgn="base" hangingPunct="1">
+              <a:spcBef>
+                <a:spcPct val="20000"/>
+              </a:spcBef>
+              <a:spcAft>
+                <a:spcPct val="0"/>
+              </a:spcAft>
+              <a:buFont typeface="Arial" charset="0"/>
+              <a:buNone/>
+              <a:defRPr sz="2400" kern="1200">
+                <a:solidFill>
+                  <a:schemeClr val="tx1">
+                    <a:tint val="75000"/>
+                  </a:schemeClr>
+                </a:solidFill>
+                <a:latin typeface="+mn-lt"/>
+                <a:ea typeface="+mn-ea"/>
+                <a:cs typeface="+mn-cs"/>
+              </a:defRPr>
+            </a:lvl1pPr>
+            <a:lvl2pPr marL="457200" indent="0" algn="ctr" rtl="0" eaLnBrk="1" fontAlgn="base" hangingPunct="1">
+              <a:spcBef>
+                <a:spcPct val="20000"/>
+              </a:spcBef>
+              <a:spcAft>
+                <a:spcPct val="0"/>
+              </a:spcAft>
+              <a:buFont typeface="Arial" charset="0"/>
+              <a:buNone/>
+              <a:defRPr sz="2000" kern="1200">
+                <a:solidFill>
+                  <a:schemeClr val="tx1">
+                    <a:tint val="75000"/>
+                  </a:schemeClr>
+                </a:solidFill>
+                <a:latin typeface="+mn-lt"/>
+                <a:ea typeface="+mn-ea"/>
+                <a:cs typeface="+mn-cs"/>
+              </a:defRPr>
+            </a:lvl2pPr>
+            <a:lvl3pPr marL="914400" indent="0" algn="ctr" rtl="0" eaLnBrk="1" fontAlgn="base" hangingPunct="1">
+              <a:spcBef>
+                <a:spcPct val="20000"/>
+              </a:spcBef>
+              <a:spcAft>
+                <a:spcPct val="0"/>
+              </a:spcAft>
+              <a:buFont typeface="Arial" charset="0"/>
+              <a:buNone/>
+              <a:defRPr kern="1200">
+                <a:solidFill>
+                  <a:schemeClr val="tx1">
+                    <a:tint val="75000"/>
+                  </a:schemeClr>
+                </a:solidFill>
+                <a:latin typeface="+mn-lt"/>
+                <a:ea typeface="+mn-ea"/>
+                <a:cs typeface="+mn-cs"/>
+              </a:defRPr>
+            </a:lvl3pPr>
+            <a:lvl4pPr marL="1371600" indent="0" algn="ctr" rtl="0" eaLnBrk="1" fontAlgn="base" hangingPunct="1">
+              <a:spcBef>
+                <a:spcPct val="20000"/>
+              </a:spcBef>
+              <a:spcAft>
+                <a:spcPct val="0"/>
+              </a:spcAft>
+              <a:buFont typeface="Arial" charset="0"/>
+              <a:buNone/>
+              <a:defRPr sz="1600" kern="1200">
+                <a:solidFill>
+                  <a:schemeClr val="tx1">
+                    <a:tint val="75000"/>
+                  </a:schemeClr>
+                </a:solidFill>
+                <a:latin typeface="+mn-lt"/>
+                <a:ea typeface="+mn-ea"/>
+                <a:cs typeface="+mn-cs"/>
+              </a:defRPr>
+            </a:lvl4pPr>
+            <a:lvl5pPr marL="1828800" indent="0" algn="ctr" rtl="0" eaLnBrk="1" fontAlgn="base" hangingPunct="1">
+              <a:spcBef>
+                <a:spcPct val="20000"/>
+              </a:spcBef>
+              <a:spcAft>
+                <a:spcPct val="0"/>
+              </a:spcAft>
+              <a:buFont typeface="Arial" charset="0"/>
+              <a:buNone/>
+              <a:defRPr sz="1600" kern="1200">
+                <a:solidFill>
+                  <a:schemeClr val="tx1">
+                    <a:tint val="75000"/>
+                  </a:schemeClr>
+                </a:solidFill>
+                <a:latin typeface="+mn-lt"/>
+                <a:ea typeface="+mn-ea"/>
+                <a:cs typeface="+mn-cs"/>
+              </a:defRPr>
+            </a:lvl5pPr>
+            <a:lvl6pPr marL="2286000" indent="0" algn="ctr" defTabSz="914400" rtl="0" eaLnBrk="1" latinLnBrk="0" hangingPunct="1">
+              <a:spcBef>
+                <a:spcPct val="20000"/>
+              </a:spcBef>
+              <a:buFont typeface="Arial" pitchFamily="34" charset="0"/>
+              <a:buNone/>
+              <a:defRPr sz="2000" kern="1200">
+                <a:solidFill>
+                  <a:schemeClr val="tx1">
+                    <a:tint val="75000"/>
+                  </a:schemeClr>
+                </a:solidFill>
+                <a:latin typeface="+mn-lt"/>
+                <a:ea typeface="+mn-ea"/>
+                <a:cs typeface="+mn-cs"/>
+              </a:defRPr>
+            </a:lvl6pPr>
+            <a:lvl7pPr marL="2743200" indent="0" algn="ctr" defTabSz="914400" rtl="0" eaLnBrk="1" latinLnBrk="0" hangingPunct="1">
+              <a:spcBef>
+                <a:spcPct val="20000"/>
+              </a:spcBef>
+              <a:buFont typeface="Arial" pitchFamily="34" charset="0"/>
+              <a:buNone/>
+              <a:defRPr sz="2000" kern="1200">
+                <a:solidFill>
+                  <a:schemeClr val="tx1">
+                    <a:tint val="75000"/>
+                  </a:schemeClr>
+                </a:solidFill>
+                <a:latin typeface="+mn-lt"/>
+                <a:ea typeface="+mn-ea"/>
+                <a:cs typeface="+mn-cs"/>
+              </a:defRPr>
+            </a:lvl7pPr>
+            <a:lvl8pPr marL="3200400" indent="0" algn="ctr" defTabSz="914400" rtl="0" eaLnBrk="1" latinLnBrk="0" hangingPunct="1">
+              <a:spcBef>
+                <a:spcPct val="20000"/>
+              </a:spcBef>
+              <a:buFont typeface="Arial" pitchFamily="34" charset="0"/>
+              <a:buNone/>
+              <a:defRPr sz="2000" kern="1200">
+                <a:solidFill>
+                  <a:schemeClr val="tx1">
+                    <a:tint val="75000"/>
+                  </a:schemeClr>
+                </a:solidFill>
+                <a:latin typeface="+mn-lt"/>
+                <a:ea typeface="+mn-ea"/>
+                <a:cs typeface="+mn-cs"/>
+              </a:defRPr>
+            </a:lvl8pPr>
+            <a:lvl9pPr marL="3657600" indent="0" algn="ctr" defTabSz="914400" rtl="0" eaLnBrk="1" latinLnBrk="0" hangingPunct="1">
+              <a:spcBef>
+                <a:spcPct val="20000"/>
+              </a:spcBef>
+              <a:buFont typeface="Arial" pitchFamily="34" charset="0"/>
+              <a:buNone/>
+              <a:defRPr sz="2000" kern="1200">
+                <a:solidFill>
+                  <a:schemeClr val="tx1">
+                    <a:tint val="75000"/>
+                  </a:schemeClr>
+                </a:solidFill>
+                <a:latin typeface="+mn-lt"/>
+                <a:ea typeface="+mn-ea"/>
+                <a:cs typeface="+mn-cs"/>
+              </a:defRPr>
+            </a:lvl9pPr>
+          </a:lstStyle>
+          <a:p>
+            <a:pPr algn="l"/>
+            <a:endParaRPr lang="en-US" dirty="0">
+              <a:solidFill>
+                <a:srgbClr val="000000"/>
+              </a:solidFill>
+            </a:endParaRPr>
+          </a:p>
+        </p:txBody>
+      </p:sp>
+      <p:pic>
+        <p:nvPicPr>
+          <p:cNvPr id="11266" name="Picture 2" descr="C:\Users\sonvq\Desktop\Screenshot_4.png"/>
+          <p:cNvPicPr>
+            <a:picLocks noChangeAspect="1" noChangeArrowheads="1"/>
+          </p:cNvPicPr>
+          <p:nvPr/>
+        </p:nvPicPr>
+        <p:blipFill>
+          <a:blip r:embed="rId2"/>
+          <a:srcRect/>
+          <a:stretch>
+            <a:fillRect/>
+          </a:stretch>
+        </p:blipFill>
+        <p:spPr bwMode="auto">
+          <a:xfrm>
+            <a:off x="762000" y="651148"/>
+            <a:ext cx="3320143" cy="6227418"/>
+          </a:xfrm>
+          <a:prstGeom prst="rect">
+            <a:avLst/>
+          </a:prstGeom>
+          <a:noFill/>
+          <a:ln>
+            <a:solidFill>
+              <a:schemeClr val="accent1"/>
+            </a:solidFill>
+          </a:ln>
+        </p:spPr>
+      </p:pic>
+    </p:spTree>
+    <p:extLst>
+      <p:ext uri="{BB962C8B-B14F-4D97-AF65-F5344CB8AC3E}">
+        <p14:creationId xmlns:p14="http://schemas.microsoft.com/office/powerpoint/2010/main" xmlns="" val="746720901"/>
+      </p:ext>
+    </p:extLst>
+  </p:cSld>
+  <p:clrMapOvr>
+    <a:masterClrMapping/>
+  </p:clrMapOvr>
+  <mc:AlternateContent xmlns:mc="http://schemas.openxmlformats.org/markup-compatibility/2006">
+    <mc:Choice xmlns:p14="http://schemas.microsoft.com/office/powerpoint/2010/main" xmlns="" Requires="p14">
+      <p:transition spd="med" p14:dur="700">
+        <p:fade/>
+      </p:transition>
+    </mc:Choice>
+    <mc:Fallback>
+      <p:transition spd="med">
+        <p:fade/>
+      </p:transition>
+    </mc:Fallback>
+  </mc:AlternateContent>
+  <p:timing>
+    <p:tnLst>
+      <p:par>
+        <p:cTn id="1" dur="indefinite" restart="never" nodeType="tmRoot"/>
+      </p:par>
+    </p:tnLst>
+  </p:timing>
+</p:sld>
+</file>
+
+<file path=ppt/slides/slide17.xml><?xml version="1.0" encoding="utf-8"?>
+<p:sld xmlns:a="http://schemas.openxmlformats.org/drawingml/2006/main" xmlns:r="http://schemas.openxmlformats.org/officeDocument/2006/relationships" xmlns:p="http://schemas.openxmlformats.org/presentationml/2006/main">
+  <p:cSld>
+    <p:spTree>
+      <p:nvGrpSpPr>
+        <p:cNvPr id="1" name=""/>
+        <p:cNvGrpSpPr/>
+        <p:nvPr/>
+      </p:nvGrpSpPr>
+      <p:grpSpPr>
+        <a:xfrm>
+          <a:off x="0" y="0"/>
+          <a:ext cx="0" cy="0"/>
+          <a:chOff x="0" y="0"/>
+          <a:chExt cx="0" cy="0"/>
+        </a:xfrm>
+      </p:grpSpPr>
+      <p:sp>
+        <p:nvSpPr>
+          <p:cNvPr id="7" name="Title 1"/>
+          <p:cNvSpPr txBox="1">
+            <a:spLocks/>
+          </p:cNvSpPr>
+          <p:nvPr/>
+        </p:nvSpPr>
+        <p:spPr bwMode="auto">
+          <a:xfrm>
+            <a:off x="267344" y="30732"/>
+            <a:ext cx="8720218" cy="1143000"/>
+          </a:xfrm>
+          <a:prstGeom prst="rect">
+            <a:avLst/>
+          </a:prstGeom>
+          <a:noFill/>
+          <a:ln w="9525">
+            <a:noFill/>
+            <a:miter lim="800000"/>
+            <a:headEnd/>
+            <a:tailEnd/>
+          </a:ln>
+        </p:spPr>
+        <p:txBody>
+          <a:bodyPr vert="horz" wrap="square" lIns="91440" tIns="45720" rIns="91440" bIns="45720" numCol="1" anchor="ctr" anchorCtr="0" compatLnSpc="1">
+            <a:prstTxWarp prst="textNoShape">
+              <a:avLst/>
+            </a:prstTxWarp>
+          </a:bodyPr>
+          <a:lstStyle>
+            <a:lvl1pPr algn="ctr" rtl="0" eaLnBrk="1" fontAlgn="base" hangingPunct="1">
+              <a:spcBef>
+                <a:spcPct val="0"/>
+              </a:spcBef>
+              <a:spcAft>
+                <a:spcPct val="0"/>
+              </a:spcAft>
+              <a:defRPr sz="4400" kern="1200">
+                <a:solidFill>
+                  <a:schemeClr val="tx1"/>
+                </a:solidFill>
+                <a:latin typeface="+mj-lt"/>
+                <a:ea typeface="+mj-ea"/>
+                <a:cs typeface="+mj-cs"/>
+              </a:defRPr>
+            </a:lvl1pPr>
+            <a:lvl2pPr algn="ctr" rtl="0" eaLnBrk="1" fontAlgn="base" hangingPunct="1">
+              <a:spcBef>
+                <a:spcPct val="0"/>
+              </a:spcBef>
+              <a:spcAft>
+                <a:spcPct val="0"/>
+              </a:spcAft>
+              <a:defRPr sz="4400">
+                <a:solidFill>
+                  <a:schemeClr val="tx1"/>
+                </a:solidFill>
+                <a:latin typeface="Arial" charset="0"/>
+              </a:defRPr>
+            </a:lvl2pPr>
+            <a:lvl3pPr algn="ctr" rtl="0" eaLnBrk="1" fontAlgn="base" hangingPunct="1">
+              <a:spcBef>
+                <a:spcPct val="0"/>
+              </a:spcBef>
+              <a:spcAft>
+                <a:spcPct val="0"/>
+              </a:spcAft>
+              <a:defRPr sz="4400">
+                <a:solidFill>
+                  <a:schemeClr val="tx1"/>
+                </a:solidFill>
+                <a:latin typeface="Arial" charset="0"/>
+              </a:defRPr>
+            </a:lvl3pPr>
+            <a:lvl4pPr algn="ctr" rtl="0" eaLnBrk="1" fontAlgn="base" hangingPunct="1">
+              <a:spcBef>
+                <a:spcPct val="0"/>
+              </a:spcBef>
+              <a:spcAft>
+                <a:spcPct val="0"/>
+              </a:spcAft>
+              <a:defRPr sz="4400">
+                <a:solidFill>
+                  <a:schemeClr val="tx1"/>
+                </a:solidFill>
+                <a:latin typeface="Arial" charset="0"/>
+              </a:defRPr>
+            </a:lvl4pPr>
+            <a:lvl5pPr algn="ctr" rtl="0" eaLnBrk="1" fontAlgn="base" hangingPunct="1">
+              <a:spcBef>
+                <a:spcPct val="0"/>
+              </a:spcBef>
+              <a:spcAft>
+                <a:spcPct val="0"/>
+              </a:spcAft>
+              <a:defRPr sz="4400">
+                <a:solidFill>
+                  <a:schemeClr val="tx1"/>
+                </a:solidFill>
+                <a:latin typeface="Arial" charset="0"/>
+              </a:defRPr>
+            </a:lvl5pPr>
+            <a:lvl6pPr marL="457200" algn="ctr" rtl="0" eaLnBrk="1" fontAlgn="base" hangingPunct="1">
+              <a:spcBef>
+                <a:spcPct val="0"/>
+              </a:spcBef>
+              <a:spcAft>
+                <a:spcPct val="0"/>
+              </a:spcAft>
+              <a:defRPr sz="4400">
+                <a:solidFill>
+                  <a:schemeClr val="tx1"/>
+                </a:solidFill>
+                <a:latin typeface="Lucida Sans" pitchFamily="34" charset="0"/>
+              </a:defRPr>
+            </a:lvl6pPr>
+            <a:lvl7pPr marL="914400" algn="ctr" rtl="0" eaLnBrk="1" fontAlgn="base" hangingPunct="1">
+              <a:spcBef>
+                <a:spcPct val="0"/>
+              </a:spcBef>
+              <a:spcAft>
+                <a:spcPct val="0"/>
+              </a:spcAft>
+              <a:defRPr sz="4400">
+                <a:solidFill>
+                  <a:schemeClr val="tx1"/>
+                </a:solidFill>
+                <a:latin typeface="Lucida Sans" pitchFamily="34" charset="0"/>
+              </a:defRPr>
+            </a:lvl7pPr>
+            <a:lvl8pPr marL="1371600" algn="ctr" rtl="0" eaLnBrk="1" fontAlgn="base" hangingPunct="1">
+              <a:spcBef>
+                <a:spcPct val="0"/>
+              </a:spcBef>
+              <a:spcAft>
+                <a:spcPct val="0"/>
+              </a:spcAft>
+              <a:defRPr sz="4400">
+                <a:solidFill>
+                  <a:schemeClr val="tx1"/>
+                </a:solidFill>
+                <a:latin typeface="Lucida Sans" pitchFamily="34" charset="0"/>
+              </a:defRPr>
+            </a:lvl8pPr>
+            <a:lvl9pPr marL="1828800" algn="ctr" rtl="0" eaLnBrk="1" fontAlgn="base" hangingPunct="1">
+              <a:spcBef>
+                <a:spcPct val="0"/>
+              </a:spcBef>
+              <a:spcAft>
+                <a:spcPct val="0"/>
+              </a:spcAft>
+              <a:defRPr sz="4400">
+                <a:solidFill>
+                  <a:schemeClr val="tx1"/>
+                </a:solidFill>
+                <a:latin typeface="Lucida Sans" pitchFamily="34" charset="0"/>
+              </a:defRPr>
+            </a:lvl9pPr>
+          </a:lstStyle>
+          <a:p>
+            <a:r>
+              <a:rPr lang="en-US" dirty="0" err="1">
+                <a:cs typeface="Constantia"/>
+              </a:rPr>
+              <a:t>AngularJS</a:t>
+            </a:r>
+            <a:r>
+              <a:rPr lang="en-US" dirty="0">
+                <a:cs typeface="Constantia"/>
+              </a:rPr>
+              <a:t> generator</a:t>
+            </a:r>
+          </a:p>
+        </p:txBody>
+      </p:sp>
+      <p:pic>
+        <p:nvPicPr>
+          <p:cNvPr id="10242" name="Picture 2" descr="C:\Users\sonvq\Desktop\Screenshot_3.png"/>
+          <p:cNvPicPr>
+            <a:picLocks noChangeAspect="1" noChangeArrowheads="1"/>
+          </p:cNvPicPr>
+          <p:nvPr/>
+        </p:nvPicPr>
+        <p:blipFill>
+          <a:blip r:embed="rId2"/>
+          <a:srcRect/>
+          <a:stretch>
+            <a:fillRect/>
+          </a:stretch>
+        </p:blipFill>
+        <p:spPr bwMode="auto">
+          <a:xfrm>
+            <a:off x="217708" y="1204118"/>
+            <a:ext cx="4443751" cy="5532733"/>
+          </a:xfrm>
+          <a:prstGeom prst="rect">
+            <a:avLst/>
+          </a:prstGeom>
+          <a:noFill/>
+          <a:ln>
+            <a:solidFill>
+              <a:schemeClr val="accent1"/>
+            </a:solidFill>
+          </a:ln>
+        </p:spPr>
+      </p:pic>
+      <p:sp>
+        <p:nvSpPr>
+          <p:cNvPr id="13" name="Rectangle 12"/>
+          <p:cNvSpPr/>
+          <p:nvPr/>
+        </p:nvSpPr>
+        <p:spPr>
+          <a:xfrm>
+            <a:off x="4770319" y="2002972"/>
+            <a:ext cx="4367093" cy="646331"/>
+          </a:xfrm>
+          <a:prstGeom prst="rect">
+            <a:avLst/>
+          </a:prstGeom>
+        </p:spPr>
+        <p:txBody>
+          <a:bodyPr wrap="none">
+            <a:spAutoFit/>
+          </a:bodyPr>
+          <a:lstStyle/>
+          <a:p>
+            <a:r>
+              <a:rPr lang="en-US" dirty="0" smtClean="0">
+                <a:hlinkClick r:id="rId3"/>
+              </a:rPr>
+              <a:t>https://</a:t>
+            </a:r>
+            <a:r>
+              <a:rPr lang="en-US" dirty="0" smtClean="0">
+                <a:hlinkClick r:id="rId3"/>
+              </a:rPr>
+              <a:t>github.com/yeoman/generator-angular</a:t>
+            </a:r>
+            <a:endParaRPr lang="vi-VN" dirty="0" smtClean="0"/>
+          </a:p>
+          <a:p>
+            <a:endParaRPr lang="en-US" dirty="0"/>
+          </a:p>
+        </p:txBody>
+      </p:sp>
+    </p:spTree>
+    <p:extLst>
+      <p:ext uri="{BB962C8B-B14F-4D97-AF65-F5344CB8AC3E}">
+        <p14:creationId xmlns:p14="http://schemas.microsoft.com/office/powerpoint/2010/main" xmlns="" val="2571140062"/>
+      </p:ext>
+    </p:extLst>
+  </p:cSld>
+  <p:clrMapOvr>
+    <a:masterClrMapping/>
+  </p:clrMapOvr>
+  <mc:AlternateContent xmlns:mc="http://schemas.openxmlformats.org/markup-compatibility/2006">
+    <mc:Choice xmlns:p14="http://schemas.microsoft.com/office/powerpoint/2010/main" xmlns="" Requires="p14">
+      <p:transition spd="med" p14:dur="700">
+        <p:fade/>
+      </p:transition>
+    </mc:Choice>
+    <mc:Fallback>
+      <p:transition spd="med">
+        <p:fade/>
+      </p:transition>
+    </mc:Fallback>
+  </mc:AlternateContent>
+  <p:timing>
+    <p:tnLst>
+      <p:par>
+        <p:cTn id="1" dur="indefinite" restart="never" nodeType="tmRoot"/>
+      </p:par>
+    </p:tnLst>
+  </p:timing>
+</p:sld>
+</file>
+
+<file path=ppt/slides/slide18.xml><?xml version="1.0" encoding="utf-8"?>
+<p:sld xmlns:a="http://schemas.openxmlformats.org/drawingml/2006/main" xmlns:r="http://schemas.openxmlformats.org/officeDocument/2006/relationships" xmlns:p="http://schemas.openxmlformats.org/presentationml/2006/main">
+  <p:cSld>
+    <p:spTree>
+      <p:nvGrpSpPr>
+        <p:cNvPr id="1" name=""/>
+        <p:cNvGrpSpPr/>
+        <p:nvPr/>
+      </p:nvGrpSpPr>
+      <p:grpSpPr>
+        <a:xfrm>
+          <a:off x="0" y="0"/>
+          <a:ext cx="0" cy="0"/>
+          <a:chOff x="0" y="0"/>
+          <a:chExt cx="0" cy="0"/>
+        </a:xfrm>
+      </p:grpSpPr>
+      <p:sp>
+        <p:nvSpPr>
+          <p:cNvPr id="7" name="Title 1"/>
+          <p:cNvSpPr txBox="1">
+            <a:spLocks/>
+          </p:cNvSpPr>
+          <p:nvPr/>
+        </p:nvSpPr>
+        <p:spPr bwMode="auto">
+          <a:xfrm>
+            <a:off x="0" y="228600"/>
+            <a:ext cx="8720218" cy="1143000"/>
+          </a:xfrm>
+          <a:prstGeom prst="rect">
+            <a:avLst/>
+          </a:prstGeom>
+          <a:noFill/>
+          <a:ln w="9525">
+            <a:noFill/>
+            <a:miter lim="800000"/>
+            <a:headEnd/>
+            <a:tailEnd/>
+          </a:ln>
+        </p:spPr>
+        <p:txBody>
+          <a:bodyPr vert="horz" wrap="square" lIns="91440" tIns="45720" rIns="91440" bIns="45720" numCol="1" anchor="ctr" anchorCtr="0" compatLnSpc="1">
+            <a:prstTxWarp prst="textNoShape">
+              <a:avLst/>
+            </a:prstTxWarp>
+          </a:bodyPr>
+          <a:lstStyle>
+            <a:lvl1pPr algn="ctr" rtl="0" eaLnBrk="1" fontAlgn="base" hangingPunct="1">
+              <a:spcBef>
+                <a:spcPct val="0"/>
+              </a:spcBef>
+              <a:spcAft>
+                <a:spcPct val="0"/>
+              </a:spcAft>
+              <a:defRPr sz="4400" kern="1200">
+                <a:solidFill>
+                  <a:schemeClr val="tx1"/>
+                </a:solidFill>
+                <a:latin typeface="+mj-lt"/>
+                <a:ea typeface="+mj-ea"/>
+                <a:cs typeface="+mj-cs"/>
+              </a:defRPr>
+            </a:lvl1pPr>
+            <a:lvl2pPr algn="ctr" rtl="0" eaLnBrk="1" fontAlgn="base" hangingPunct="1">
+              <a:spcBef>
+                <a:spcPct val="0"/>
+              </a:spcBef>
+              <a:spcAft>
+                <a:spcPct val="0"/>
+              </a:spcAft>
+              <a:defRPr sz="4400">
+                <a:solidFill>
+                  <a:schemeClr val="tx1"/>
+                </a:solidFill>
+                <a:latin typeface="Arial" charset="0"/>
+              </a:defRPr>
+            </a:lvl2pPr>
+            <a:lvl3pPr algn="ctr" rtl="0" eaLnBrk="1" fontAlgn="base" hangingPunct="1">
+              <a:spcBef>
+                <a:spcPct val="0"/>
+              </a:spcBef>
+              <a:spcAft>
+                <a:spcPct val="0"/>
+              </a:spcAft>
+              <a:defRPr sz="4400">
+                <a:solidFill>
+                  <a:schemeClr val="tx1"/>
+                </a:solidFill>
+                <a:latin typeface="Arial" charset="0"/>
+              </a:defRPr>
+            </a:lvl3pPr>
+            <a:lvl4pPr algn="ctr" rtl="0" eaLnBrk="1" fontAlgn="base" hangingPunct="1">
+              <a:spcBef>
+                <a:spcPct val="0"/>
+              </a:spcBef>
+              <a:spcAft>
+                <a:spcPct val="0"/>
+              </a:spcAft>
+              <a:defRPr sz="4400">
+                <a:solidFill>
+                  <a:schemeClr val="tx1"/>
+                </a:solidFill>
+                <a:latin typeface="Arial" charset="0"/>
+              </a:defRPr>
+            </a:lvl4pPr>
+            <a:lvl5pPr algn="ctr" rtl="0" eaLnBrk="1" fontAlgn="base" hangingPunct="1">
+              <a:spcBef>
+                <a:spcPct val="0"/>
+              </a:spcBef>
+              <a:spcAft>
+                <a:spcPct val="0"/>
+              </a:spcAft>
+              <a:defRPr sz="4400">
+                <a:solidFill>
+                  <a:schemeClr val="tx1"/>
+                </a:solidFill>
+                <a:latin typeface="Arial" charset="0"/>
+              </a:defRPr>
+            </a:lvl5pPr>
+            <a:lvl6pPr marL="457200" algn="ctr" rtl="0" eaLnBrk="1" fontAlgn="base" hangingPunct="1">
+              <a:spcBef>
+                <a:spcPct val="0"/>
+              </a:spcBef>
+              <a:spcAft>
+                <a:spcPct val="0"/>
+              </a:spcAft>
+              <a:defRPr sz="4400">
+                <a:solidFill>
+                  <a:schemeClr val="tx1"/>
+                </a:solidFill>
+                <a:latin typeface="Lucida Sans" pitchFamily="34" charset="0"/>
+              </a:defRPr>
+            </a:lvl6pPr>
+            <a:lvl7pPr marL="914400" algn="ctr" rtl="0" eaLnBrk="1" fontAlgn="base" hangingPunct="1">
+              <a:spcBef>
+                <a:spcPct val="0"/>
+              </a:spcBef>
+              <a:spcAft>
+                <a:spcPct val="0"/>
+              </a:spcAft>
+              <a:defRPr sz="4400">
+                <a:solidFill>
+                  <a:schemeClr val="tx1"/>
+                </a:solidFill>
+                <a:latin typeface="Lucida Sans" pitchFamily="34" charset="0"/>
+              </a:defRPr>
+            </a:lvl7pPr>
+            <a:lvl8pPr marL="1371600" algn="ctr" rtl="0" eaLnBrk="1" fontAlgn="base" hangingPunct="1">
+              <a:spcBef>
+                <a:spcPct val="0"/>
+              </a:spcBef>
+              <a:spcAft>
+                <a:spcPct val="0"/>
+              </a:spcAft>
+              <a:defRPr sz="4400">
+                <a:solidFill>
+                  <a:schemeClr val="tx1"/>
+                </a:solidFill>
+                <a:latin typeface="Lucida Sans" pitchFamily="34" charset="0"/>
+              </a:defRPr>
+            </a:lvl8pPr>
+            <a:lvl9pPr marL="1828800" algn="ctr" rtl="0" eaLnBrk="1" fontAlgn="base" hangingPunct="1">
+              <a:spcBef>
+                <a:spcPct val="0"/>
+              </a:spcBef>
+              <a:spcAft>
+                <a:spcPct val="0"/>
+              </a:spcAft>
+              <a:defRPr sz="4400">
+                <a:solidFill>
+                  <a:schemeClr val="tx1"/>
+                </a:solidFill>
+                <a:latin typeface="Lucida Sans" pitchFamily="34" charset="0"/>
+              </a:defRPr>
+            </a:lvl9pPr>
+          </a:lstStyle>
+          <a:p>
+            <a:pPr lvl="1"/>
+            <a:r>
+              <a:rPr lang="en-US" dirty="0" smtClean="0">
+                <a:cs typeface="Constantia"/>
+              </a:rPr>
+              <a:t>Demo</a:t>
+            </a:r>
+            <a:endParaRPr lang="en-US" dirty="0">
+              <a:cs typeface="Constantia"/>
+            </a:endParaRPr>
+          </a:p>
+        </p:txBody>
+      </p:sp>
+      <p:sp>
+        <p:nvSpPr>
+          <p:cNvPr id="9" name="Content Placeholder 2"/>
+          <p:cNvSpPr txBox="1">
+            <a:spLocks/>
+          </p:cNvSpPr>
+          <p:nvPr/>
+        </p:nvSpPr>
+        <p:spPr bwMode="auto">
+          <a:xfrm>
+            <a:off x="457200" y="1534886"/>
+            <a:ext cx="8229600" cy="4894489"/>
+          </a:xfrm>
+          <a:prstGeom prst="rect">
+            <a:avLst/>
+          </a:prstGeom>
+          <a:noFill/>
+          <a:ln w="9525">
+            <a:noFill/>
+            <a:miter lim="800000"/>
+            <a:headEnd/>
+            <a:tailEnd/>
+          </a:ln>
+        </p:spPr>
+        <p:txBody>
+          <a:bodyPr vert="horz" wrap="square" lIns="91440" tIns="45720" rIns="91440" bIns="45720" numCol="1" anchor="t" anchorCtr="0" compatLnSpc="1">
+            <a:prstTxWarp prst="textNoShape">
+              <a:avLst/>
+            </a:prstTxWarp>
+          </a:bodyPr>
+          <a:lstStyle>
+            <a:lvl1pPr marL="0" indent="0" algn="ctr" rtl="0" eaLnBrk="1" fontAlgn="base" hangingPunct="1">
+              <a:spcBef>
+                <a:spcPct val="20000"/>
+              </a:spcBef>
+              <a:spcAft>
+                <a:spcPct val="0"/>
+              </a:spcAft>
+              <a:buFont typeface="Arial" charset="0"/>
+              <a:buNone/>
+              <a:defRPr sz="2400" kern="1200">
+                <a:solidFill>
+                  <a:schemeClr val="tx1">
+                    <a:tint val="75000"/>
+                  </a:schemeClr>
+                </a:solidFill>
+                <a:latin typeface="+mn-lt"/>
+                <a:ea typeface="+mn-ea"/>
+                <a:cs typeface="+mn-cs"/>
+              </a:defRPr>
+            </a:lvl1pPr>
+            <a:lvl2pPr marL="457200" indent="0" algn="ctr" rtl="0" eaLnBrk="1" fontAlgn="base" hangingPunct="1">
+              <a:spcBef>
+                <a:spcPct val="20000"/>
+              </a:spcBef>
+              <a:spcAft>
+                <a:spcPct val="0"/>
+              </a:spcAft>
+              <a:buFont typeface="Arial" charset="0"/>
+              <a:buNone/>
+              <a:defRPr sz="2000" kern="1200">
+                <a:solidFill>
+                  <a:schemeClr val="tx1">
+                    <a:tint val="75000"/>
+                  </a:schemeClr>
+                </a:solidFill>
+                <a:latin typeface="+mn-lt"/>
+                <a:ea typeface="+mn-ea"/>
+                <a:cs typeface="+mn-cs"/>
+              </a:defRPr>
+            </a:lvl2pPr>
+            <a:lvl3pPr marL="914400" indent="0" algn="ctr" rtl="0" eaLnBrk="1" fontAlgn="base" hangingPunct="1">
+              <a:spcBef>
+                <a:spcPct val="20000"/>
+              </a:spcBef>
+              <a:spcAft>
+                <a:spcPct val="0"/>
+              </a:spcAft>
+              <a:buFont typeface="Arial" charset="0"/>
+              <a:buNone/>
+              <a:defRPr kern="1200">
+                <a:solidFill>
+                  <a:schemeClr val="tx1">
+                    <a:tint val="75000"/>
+                  </a:schemeClr>
+                </a:solidFill>
+                <a:latin typeface="+mn-lt"/>
+                <a:ea typeface="+mn-ea"/>
+                <a:cs typeface="+mn-cs"/>
+              </a:defRPr>
+            </a:lvl3pPr>
+            <a:lvl4pPr marL="1371600" indent="0" algn="ctr" rtl="0" eaLnBrk="1" fontAlgn="base" hangingPunct="1">
+              <a:spcBef>
+                <a:spcPct val="20000"/>
+              </a:spcBef>
+              <a:spcAft>
+                <a:spcPct val="0"/>
+              </a:spcAft>
+              <a:buFont typeface="Arial" charset="0"/>
+              <a:buNone/>
+              <a:defRPr sz="1600" kern="1200">
+                <a:solidFill>
+                  <a:schemeClr val="tx1">
+                    <a:tint val="75000"/>
+                  </a:schemeClr>
+                </a:solidFill>
+                <a:latin typeface="+mn-lt"/>
+                <a:ea typeface="+mn-ea"/>
+                <a:cs typeface="+mn-cs"/>
+              </a:defRPr>
+            </a:lvl4pPr>
+            <a:lvl5pPr marL="1828800" indent="0" algn="ctr" rtl="0" eaLnBrk="1" fontAlgn="base" hangingPunct="1">
+              <a:spcBef>
+                <a:spcPct val="20000"/>
+              </a:spcBef>
+              <a:spcAft>
+                <a:spcPct val="0"/>
+              </a:spcAft>
+              <a:buFont typeface="Arial" charset="0"/>
+              <a:buNone/>
+              <a:defRPr sz="1600" kern="1200">
+                <a:solidFill>
+                  <a:schemeClr val="tx1">
+                    <a:tint val="75000"/>
+                  </a:schemeClr>
+                </a:solidFill>
+                <a:latin typeface="+mn-lt"/>
+                <a:ea typeface="+mn-ea"/>
+                <a:cs typeface="+mn-cs"/>
+              </a:defRPr>
+            </a:lvl5pPr>
+            <a:lvl6pPr marL="2286000" indent="0" algn="ctr" defTabSz="914400" rtl="0" eaLnBrk="1" latinLnBrk="0" hangingPunct="1">
+              <a:spcBef>
+                <a:spcPct val="20000"/>
+              </a:spcBef>
+              <a:buFont typeface="Arial" pitchFamily="34" charset="0"/>
+              <a:buNone/>
+              <a:defRPr sz="2000" kern="1200">
+                <a:solidFill>
+                  <a:schemeClr val="tx1">
+                    <a:tint val="75000"/>
+                  </a:schemeClr>
+                </a:solidFill>
+                <a:latin typeface="+mn-lt"/>
+                <a:ea typeface="+mn-ea"/>
+                <a:cs typeface="+mn-cs"/>
+              </a:defRPr>
+            </a:lvl6pPr>
+            <a:lvl7pPr marL="2743200" indent="0" algn="ctr" defTabSz="914400" rtl="0" eaLnBrk="1" latinLnBrk="0" hangingPunct="1">
+              <a:spcBef>
+                <a:spcPct val="20000"/>
+              </a:spcBef>
+              <a:buFont typeface="Arial" pitchFamily="34" charset="0"/>
+              <a:buNone/>
+              <a:defRPr sz="2000" kern="1200">
+                <a:solidFill>
+                  <a:schemeClr val="tx1">
+                    <a:tint val="75000"/>
+                  </a:schemeClr>
+                </a:solidFill>
+                <a:latin typeface="+mn-lt"/>
+                <a:ea typeface="+mn-ea"/>
+                <a:cs typeface="+mn-cs"/>
+              </a:defRPr>
+            </a:lvl7pPr>
+            <a:lvl8pPr marL="3200400" indent="0" algn="ctr" defTabSz="914400" rtl="0" eaLnBrk="1" latinLnBrk="0" hangingPunct="1">
+              <a:spcBef>
+                <a:spcPct val="20000"/>
+              </a:spcBef>
+              <a:buFont typeface="Arial" pitchFamily="34" charset="0"/>
+              <a:buNone/>
+              <a:defRPr sz="2000" kern="1200">
+                <a:solidFill>
+                  <a:schemeClr val="tx1">
+                    <a:tint val="75000"/>
+                  </a:schemeClr>
+                </a:solidFill>
+                <a:latin typeface="+mn-lt"/>
+                <a:ea typeface="+mn-ea"/>
+                <a:cs typeface="+mn-cs"/>
+              </a:defRPr>
+            </a:lvl8pPr>
+            <a:lvl9pPr marL="3657600" indent="0" algn="ctr" defTabSz="914400" rtl="0" eaLnBrk="1" latinLnBrk="0" hangingPunct="1">
+              <a:spcBef>
+                <a:spcPct val="20000"/>
+              </a:spcBef>
+              <a:buFont typeface="Arial" pitchFamily="34" charset="0"/>
+              <a:buNone/>
+              <a:defRPr sz="2000" kern="1200">
+                <a:solidFill>
+                  <a:schemeClr val="tx1">
+                    <a:tint val="75000"/>
+                  </a:schemeClr>
+                </a:solidFill>
+                <a:latin typeface="+mn-lt"/>
+                <a:ea typeface="+mn-ea"/>
+                <a:cs typeface="+mn-cs"/>
+              </a:defRPr>
+            </a:lvl9pPr>
+          </a:lstStyle>
+          <a:p>
+            <a:pPr marL="342900" indent="-342900" algn="l">
+              <a:buFont typeface="Arial" pitchFamily="34" charset="0"/>
+              <a:buChar char="•"/>
+            </a:pPr>
+            <a:r>
+              <a:rPr lang="en-US" dirty="0">
+                <a:solidFill>
+                  <a:srgbClr val="000000"/>
+                </a:solidFill>
+              </a:rPr>
+              <a:t>Generate skeleton </a:t>
+            </a:r>
+            <a:r>
+              <a:rPr lang="en-US" dirty="0" smtClean="0">
+                <a:solidFill>
+                  <a:srgbClr val="000000"/>
+                </a:solidFill>
+              </a:rPr>
+              <a:t>app</a:t>
+            </a:r>
+          </a:p>
+          <a:p>
+            <a:pPr marL="800100" lvl="1" indent="-342900" algn="l">
+              <a:buFont typeface="Courier New" pitchFamily="49" charset="0"/>
+              <a:buChar char="o"/>
+            </a:pPr>
+            <a:r>
+              <a:rPr lang="en-US" dirty="0" err="1" smtClean="0">
+                <a:solidFill>
+                  <a:srgbClr val="000000"/>
+                </a:solidFill>
+              </a:rPr>
+              <a:t>yo</a:t>
+            </a:r>
+            <a:r>
+              <a:rPr lang="en-US" dirty="0" smtClean="0">
+                <a:solidFill>
+                  <a:srgbClr val="000000"/>
+                </a:solidFill>
+              </a:rPr>
+              <a:t> </a:t>
+            </a:r>
+            <a:r>
+              <a:rPr lang="en-US" dirty="0" err="1" smtClean="0">
+                <a:solidFill>
+                  <a:srgbClr val="000000"/>
+                </a:solidFill>
+              </a:rPr>
+              <a:t>angular:route</a:t>
+            </a:r>
+            <a:r>
+              <a:rPr lang="en-US" dirty="0" smtClean="0">
+                <a:solidFill>
+                  <a:srgbClr val="000000"/>
+                </a:solidFill>
+              </a:rPr>
+              <a:t> hello</a:t>
+            </a:r>
+          </a:p>
+          <a:p>
+            <a:pPr marL="800100" lvl="1" indent="-342900" algn="l">
+              <a:buFont typeface="Courier New" pitchFamily="49" charset="0"/>
+              <a:buChar char="o"/>
+            </a:pPr>
+            <a:r>
+              <a:rPr lang="en-US" dirty="0" err="1">
+                <a:solidFill>
+                  <a:srgbClr val="000000"/>
+                </a:solidFill>
+              </a:rPr>
+              <a:t>y</a:t>
+            </a:r>
+            <a:r>
+              <a:rPr lang="en-US" dirty="0" err="1" smtClean="0">
+                <a:solidFill>
+                  <a:srgbClr val="000000"/>
+                </a:solidFill>
+              </a:rPr>
+              <a:t>o</a:t>
+            </a:r>
+            <a:r>
+              <a:rPr lang="en-US" dirty="0" smtClean="0">
+                <a:solidFill>
+                  <a:srgbClr val="000000"/>
+                </a:solidFill>
+              </a:rPr>
+              <a:t> </a:t>
+            </a:r>
+            <a:r>
+              <a:rPr lang="en-US" dirty="0" err="1" smtClean="0">
+                <a:solidFill>
+                  <a:srgbClr val="000000"/>
+                </a:solidFill>
+              </a:rPr>
+              <a:t>angular:directive</a:t>
+            </a:r>
+            <a:r>
+              <a:rPr lang="en-US" dirty="0" smtClean="0">
+                <a:solidFill>
+                  <a:srgbClr val="000000"/>
+                </a:solidFill>
+              </a:rPr>
+              <a:t> hello</a:t>
+            </a:r>
+          </a:p>
+          <a:p>
+            <a:pPr marL="800100" lvl="1" indent="-342900" algn="l">
+              <a:buFont typeface="Courier New" pitchFamily="49" charset="0"/>
+              <a:buChar char="o"/>
+            </a:pPr>
+            <a:r>
+              <a:rPr lang="en-US" dirty="0" err="1">
+                <a:solidFill>
+                  <a:srgbClr val="000000"/>
+                </a:solidFill>
+              </a:rPr>
+              <a:t>y</a:t>
+            </a:r>
+            <a:r>
+              <a:rPr lang="en-US" dirty="0" err="1" smtClean="0">
+                <a:solidFill>
+                  <a:srgbClr val="000000"/>
+                </a:solidFill>
+              </a:rPr>
+              <a:t>o</a:t>
+            </a:r>
+            <a:r>
+              <a:rPr lang="en-US" dirty="0" smtClean="0">
+                <a:solidFill>
+                  <a:srgbClr val="000000"/>
+                </a:solidFill>
+              </a:rPr>
+              <a:t> </a:t>
+            </a:r>
+            <a:r>
+              <a:rPr lang="en-US" dirty="0" err="1" smtClean="0">
+                <a:solidFill>
+                  <a:srgbClr val="000000"/>
+                </a:solidFill>
+              </a:rPr>
+              <a:t>angular:controller</a:t>
+            </a:r>
+            <a:r>
+              <a:rPr lang="en-US" dirty="0" smtClean="0">
+                <a:solidFill>
+                  <a:srgbClr val="000000"/>
+                </a:solidFill>
+              </a:rPr>
+              <a:t> hello</a:t>
+            </a:r>
+          </a:p>
+          <a:p>
+            <a:pPr marL="800100" lvl="1" indent="-342900" algn="l">
+              <a:buFont typeface="Courier New" pitchFamily="49" charset="0"/>
+              <a:buChar char="o"/>
+            </a:pPr>
+            <a:r>
+              <a:rPr lang="en-US" dirty="0" err="1">
+                <a:solidFill>
+                  <a:srgbClr val="000000"/>
+                </a:solidFill>
+              </a:rPr>
+              <a:t>y</a:t>
+            </a:r>
+            <a:r>
+              <a:rPr lang="en-US" dirty="0" err="1" smtClean="0">
+                <a:solidFill>
+                  <a:srgbClr val="000000"/>
+                </a:solidFill>
+              </a:rPr>
+              <a:t>o</a:t>
+            </a:r>
+            <a:r>
+              <a:rPr lang="en-US" dirty="0" smtClean="0">
+                <a:solidFill>
+                  <a:srgbClr val="000000"/>
+                </a:solidFill>
+              </a:rPr>
+              <a:t> </a:t>
+            </a:r>
+            <a:r>
+              <a:rPr lang="en-US" dirty="0" err="1" smtClean="0">
+                <a:solidFill>
+                  <a:srgbClr val="000000"/>
+                </a:solidFill>
+              </a:rPr>
+              <a:t>angular:view</a:t>
+            </a:r>
+            <a:r>
+              <a:rPr lang="en-US" dirty="0" smtClean="0">
+                <a:solidFill>
+                  <a:srgbClr val="000000"/>
+                </a:solidFill>
+              </a:rPr>
+              <a:t> </a:t>
+            </a:r>
+            <a:r>
+              <a:rPr lang="en-US" dirty="0" smtClean="0">
+                <a:solidFill>
+                  <a:srgbClr val="000000"/>
+                </a:solidFill>
+              </a:rPr>
+              <a:t>hello</a:t>
+            </a:r>
+            <a:endParaRPr lang="vi-VN" dirty="0" smtClean="0">
+              <a:solidFill>
+                <a:srgbClr val="000000"/>
+              </a:solidFill>
+            </a:endParaRPr>
+          </a:p>
+          <a:p>
+            <a:pPr marL="800100" lvl="1" indent="-342900" algn="l">
+              <a:buFont typeface="Arial" pitchFamily="34" charset="0"/>
+              <a:buChar char="•"/>
+            </a:pPr>
+            <a:endParaRPr lang="en-US" dirty="0">
+              <a:solidFill>
+                <a:srgbClr val="000000"/>
+              </a:solidFill>
+            </a:endParaRPr>
+          </a:p>
+          <a:p>
+            <a:pPr marL="342900" indent="-342900" algn="l">
+              <a:buFont typeface="Arial" pitchFamily="34" charset="0"/>
+              <a:buChar char="•"/>
+            </a:pPr>
+            <a:r>
+              <a:rPr lang="en-US" dirty="0">
+                <a:solidFill>
+                  <a:srgbClr val="000000"/>
+                </a:solidFill>
+              </a:rPr>
+              <a:t>Preview application with built-in </a:t>
+            </a:r>
+            <a:r>
+              <a:rPr lang="en-US" dirty="0" smtClean="0">
+                <a:solidFill>
+                  <a:srgbClr val="000000"/>
+                </a:solidFill>
+              </a:rPr>
+              <a:t>server</a:t>
+            </a:r>
+          </a:p>
+          <a:p>
+            <a:pPr marL="800100" lvl="1" indent="-342900" algn="l">
+              <a:buFont typeface="Courier New" pitchFamily="49" charset="0"/>
+              <a:buChar char="o"/>
+            </a:pPr>
+            <a:r>
+              <a:rPr lang="en-US" dirty="0" smtClean="0">
+                <a:solidFill>
+                  <a:srgbClr val="000000"/>
+                </a:solidFill>
+              </a:rPr>
+              <a:t>grunt </a:t>
+            </a:r>
+            <a:r>
+              <a:rPr lang="en-US" dirty="0" smtClean="0">
+                <a:solidFill>
+                  <a:srgbClr val="000000"/>
+                </a:solidFill>
+              </a:rPr>
+              <a:t>server</a:t>
+            </a:r>
+            <a:endParaRPr lang="vi-VN" dirty="0" smtClean="0">
+              <a:solidFill>
+                <a:srgbClr val="000000"/>
+              </a:solidFill>
+            </a:endParaRPr>
+          </a:p>
+          <a:p>
+            <a:pPr marL="800100" lvl="1" indent="-342900" algn="l">
+              <a:buFont typeface="Arial" pitchFamily="34" charset="0"/>
+              <a:buChar char="•"/>
+            </a:pPr>
+            <a:endParaRPr lang="en-US" dirty="0">
+              <a:solidFill>
+                <a:srgbClr val="000000"/>
+              </a:solidFill>
+            </a:endParaRPr>
+          </a:p>
+          <a:p>
+            <a:pPr marL="342900" indent="-342900" algn="l">
+              <a:buFont typeface="Arial" pitchFamily="34" charset="0"/>
+              <a:buChar char="•"/>
+            </a:pPr>
+            <a:r>
+              <a:rPr lang="en-US" dirty="0">
+                <a:solidFill>
+                  <a:srgbClr val="000000"/>
+                </a:solidFill>
+              </a:rPr>
+              <a:t>Build </a:t>
+            </a:r>
+            <a:r>
+              <a:rPr lang="en-US" dirty="0" smtClean="0">
+                <a:solidFill>
+                  <a:srgbClr val="000000"/>
+                </a:solidFill>
+              </a:rPr>
+              <a:t>application</a:t>
+            </a:r>
+          </a:p>
+          <a:p>
+            <a:pPr marL="800100" lvl="1" indent="-342900" algn="l">
+              <a:buFont typeface="Courier New" pitchFamily="49" charset="0"/>
+              <a:buChar char="o"/>
+            </a:pPr>
+            <a:r>
+              <a:rPr lang="en-US" dirty="0" smtClean="0">
+                <a:solidFill>
+                  <a:srgbClr val="000000"/>
+                </a:solidFill>
+              </a:rPr>
+              <a:t>grunt build</a:t>
+            </a:r>
+            <a:endParaRPr lang="en-US" dirty="0">
+              <a:solidFill>
+                <a:srgbClr val="000000"/>
+              </a:solidFill>
+            </a:endParaRPr>
+          </a:p>
+        </p:txBody>
+      </p:sp>
+      <p:sp>
+        <p:nvSpPr>
+          <p:cNvPr id="10" name="Footer Placeholder 3"/>
+          <p:cNvSpPr>
+            <a:spLocks noGrp="1"/>
+          </p:cNvSpPr>
+          <p:nvPr>
+            <p:ph type="ftr" sz="quarter" idx="11"/>
+          </p:nvPr>
+        </p:nvSpPr>
+        <p:spPr>
+          <a:xfrm>
+            <a:off x="3124200" y="6543696"/>
+            <a:ext cx="2895600" cy="365125"/>
+          </a:xfrm>
+        </p:spPr>
+        <p:txBody>
+          <a:bodyPr/>
+          <a:lstStyle/>
+          <a:p>
+            <a:pPr algn="l"/>
+            <a:r>
+              <a:rPr lang="en-US" dirty="0" err="1" smtClean="0">
+                <a:solidFill>
+                  <a:schemeClr val="accent6">
+                    <a:lumMod val="60000"/>
+                    <a:lumOff val="40000"/>
+                  </a:schemeClr>
+                </a:solidFill>
+              </a:rPr>
+              <a:t>www.qsoftvietnam.com</a:t>
+            </a:r>
+            <a:endParaRPr lang="en-US" dirty="0">
+              <a:solidFill>
+                <a:schemeClr val="accent6">
+                  <a:lumMod val="60000"/>
+                  <a:lumOff val="40000"/>
+                </a:schemeClr>
+              </a:solidFill>
+            </a:endParaRPr>
+          </a:p>
+        </p:txBody>
+      </p:sp>
+      <p:sp>
+        <p:nvSpPr>
+          <p:cNvPr id="11" name="Slide Number Placeholder 4"/>
+          <p:cNvSpPr>
+            <a:spLocks noGrp="1"/>
+          </p:cNvSpPr>
+          <p:nvPr>
+            <p:ph type="sldNum" sz="quarter" idx="12"/>
+          </p:nvPr>
+        </p:nvSpPr>
+        <p:spPr>
+          <a:xfrm>
+            <a:off x="6866662" y="6543696"/>
+            <a:ext cx="2133600" cy="365125"/>
+          </a:xfrm>
+        </p:spPr>
+        <p:txBody>
+          <a:bodyPr/>
+          <a:lstStyle/>
+          <a:p>
+            <a:fld id="{FA84A37A-AFC2-4A01-80A1-FC20F2C0D5BB}" type="slidenum">
+              <a:rPr lang="en-US" smtClean="0">
+                <a:solidFill>
+                  <a:schemeClr val="accent6">
+                    <a:lumMod val="60000"/>
+                    <a:lumOff val="40000"/>
+                  </a:schemeClr>
+                </a:solidFill>
+              </a:rPr>
+              <a:pPr/>
+              <a:t>18</a:t>
+            </a:fld>
+            <a:endParaRPr lang="en-US" dirty="0">
+              <a:solidFill>
+                <a:schemeClr val="accent6">
+                  <a:lumMod val="60000"/>
+                  <a:lumOff val="40000"/>
+                </a:schemeClr>
+              </a:solidFill>
+            </a:endParaRPr>
+          </a:p>
+        </p:txBody>
+      </p:sp>
+      <p:sp>
+        <p:nvSpPr>
+          <p:cNvPr id="12" name="Date Placeholder 2"/>
+          <p:cNvSpPr>
+            <a:spLocks noGrp="1"/>
+          </p:cNvSpPr>
+          <p:nvPr>
+            <p:ph type="dt" sz="half" idx="10"/>
+          </p:nvPr>
+        </p:nvSpPr>
+        <p:spPr>
+          <a:xfrm>
+            <a:off x="-1" y="6543696"/>
+            <a:ext cx="2905125" cy="365125"/>
+          </a:xfrm>
+        </p:spPr>
+        <p:txBody>
+          <a:bodyPr/>
+          <a:lstStyle/>
+          <a:p>
+            <a:r>
+              <a:rPr lang="en-US" dirty="0" smtClean="0">
+                <a:solidFill>
+                  <a:schemeClr val="tx2">
+                    <a:lumMod val="60000"/>
+                    <a:lumOff val="40000"/>
+                  </a:schemeClr>
+                </a:solidFill>
+              </a:rPr>
+              <a:t>Saturday, 09 November 2013</a:t>
+            </a:r>
+            <a:endParaRPr lang="en-US" dirty="0">
+              <a:solidFill>
+                <a:schemeClr val="tx2">
+                  <a:lumMod val="60000"/>
+                  <a:lumOff val="40000"/>
+                </a:schemeClr>
+              </a:solidFill>
+            </a:endParaRPr>
+          </a:p>
+        </p:txBody>
+      </p:sp>
+    </p:spTree>
+    <p:extLst>
+      <p:ext uri="{BB962C8B-B14F-4D97-AF65-F5344CB8AC3E}">
+        <p14:creationId xmlns:p14="http://schemas.microsoft.com/office/powerpoint/2010/main" xmlns="" val="2674384467"/>
+      </p:ext>
+    </p:extLst>
+  </p:cSld>
+  <p:clrMapOvr>
+    <a:masterClrMapping/>
+  </p:clrMapOvr>
+  <mc:AlternateContent xmlns:mc="http://schemas.openxmlformats.org/markup-compatibility/2006">
+    <mc:Choice xmlns:p14="http://schemas.microsoft.com/office/powerpoint/2010/main" xmlns="" Requires="p14">
+      <p:transition spd="med" p14:dur="700">
+        <p:fade/>
+      </p:transition>
+    </mc:Choice>
+    <mc:Fallback>
+      <p:transition spd="med">
+        <p:fade/>
+      </p:transition>
+    </mc:Fallback>
+  </mc:AlternateContent>
+  <p:timing>
+    <p:tnLst>
+      <p:par>
+        <p:cTn id="1" dur="indefinite" restart="never" nodeType="tmRoot">
+          <p:childTnLst>
+            <p:seq concurrent="1" nextAc="seek">
+              <p:cTn id="2" dur="indefinite" nodeType="mainSeq">
+                <p:childTnLst>
+                  <p:par>
+                    <p:cTn id="3" fill="hold">
+                      <p:stCondLst>
+                        <p:cond delay="indefinite"/>
+                      </p:stCondLst>
+                      <p:childTnLst>
+                        <p:par>
+                          <p:cTn id="4" fill="hold">
+                            <p:stCondLst>
+                              <p:cond delay="0"/>
+                            </p:stCondLst>
+                            <p:childTnLst>
+                              <p:par>
+                                <p:cTn id="5" presetID="1" presetClass="entr" presetSubtype="0" fill="hold" nodeType="clickEffect">
+                                  <p:stCondLst>
+                                    <p:cond delay="0"/>
+                                  </p:stCondLst>
+                                  <p:childTnLst>
+                                    <p:set>
+                                      <p:cBhvr>
+                                        <p:cTn id="6" dur="1" fill="hold">
+                                          <p:stCondLst>
+                                            <p:cond delay="0"/>
+                                          </p:stCondLst>
+                                        </p:cTn>
+                                        <p:tgtEl>
+                                          <p:spTgt spid="9">
+                                            <p:txEl>
+                                              <p:pRg st="6" end="6"/>
+                                            </p:txEl>
+                                          </p:spTgt>
+                                        </p:tgtEl>
+                                        <p:attrNameLst>
+                                          <p:attrName>style.visibility</p:attrName>
+                                        </p:attrNameLst>
+                                      </p:cBhvr>
+                                      <p:to>
+                                        <p:strVal val="visible"/>
+                                      </p:to>
+                                    </p:set>
+                                  </p:childTnLst>
+                                </p:cTn>
+                              </p:par>
+                              <p:par>
+                                <p:cTn id="7" presetID="1" presetClass="entr" presetSubtype="0" fill="hold" nodeType="withEffect">
+                                  <p:stCondLst>
+                                    <p:cond delay="0"/>
+                                  </p:stCondLst>
+                                  <p:childTnLst>
+                                    <p:set>
+                                      <p:cBhvr>
+                                        <p:cTn id="8" dur="1" fill="hold">
+                                          <p:stCondLst>
+                                            <p:cond delay="0"/>
+                                          </p:stCondLst>
+                                        </p:cTn>
+                                        <p:tgtEl>
+                                          <p:spTgt spid="9">
+                                            <p:txEl>
+                                              <p:pRg st="7" end="7"/>
+                                            </p:txEl>
+                                          </p:spTgt>
+                                        </p:tgtEl>
+                                        <p:attrNameLst>
+                                          <p:attrName>style.visibility</p:attrName>
+                                        </p:attrNameLst>
+                                      </p:cBhvr>
+                                      <p:to>
+                                        <p:strVal val="visible"/>
+                                      </p:to>
+                                    </p:set>
+                                  </p:childTnLst>
+                                </p:cTn>
+                              </p:par>
+                            </p:childTnLst>
+                          </p:cTn>
+                        </p:par>
+                      </p:childTnLst>
+                    </p:cTn>
+                  </p:par>
+                  <p:par>
+                    <p:cTn id="9" fill="hold">
+                      <p:stCondLst>
+                        <p:cond delay="indefinite"/>
+                      </p:stCondLst>
+                      <p:childTnLst>
+                        <p:par>
+                          <p:cTn id="10" fill="hold">
+                            <p:stCondLst>
+                              <p:cond delay="0"/>
+                            </p:stCondLst>
+                            <p:childTnLst>
+                              <p:par>
+                                <p:cTn id="11" presetID="1" presetClass="entr" presetSubtype="0" fill="hold" nodeType="clickEffect">
+                                  <p:stCondLst>
+                                    <p:cond delay="0"/>
+                                  </p:stCondLst>
+                                  <p:childTnLst>
+                                    <p:set>
+                                      <p:cBhvr>
+                                        <p:cTn id="12" dur="1" fill="hold">
+                                          <p:stCondLst>
+                                            <p:cond delay="0"/>
+                                          </p:stCondLst>
+                                        </p:cTn>
+                                        <p:tgtEl>
+                                          <p:spTgt spid="9">
+                                            <p:txEl>
+                                              <p:pRg st="9" end="9"/>
+                                            </p:txEl>
+                                          </p:spTgt>
+                                        </p:tgtEl>
+                                        <p:attrNameLst>
+                                          <p:attrName>style.visibility</p:attrName>
+                                        </p:attrNameLst>
+                                      </p:cBhvr>
+                                      <p:to>
+                                        <p:strVal val="visible"/>
+                                      </p:to>
+                                    </p:set>
+                                  </p:childTnLst>
+                                </p:cTn>
+                              </p:par>
+                              <p:par>
+                                <p:cTn id="13" presetID="1" presetClass="entr" presetSubtype="0" fill="hold" nodeType="withEffect">
+                                  <p:stCondLst>
+                                    <p:cond delay="0"/>
+                                  </p:stCondLst>
+                                  <p:childTnLst>
+                                    <p:set>
+                                      <p:cBhvr>
+                                        <p:cTn id="14" dur="1" fill="hold">
+                                          <p:stCondLst>
+                                            <p:cond delay="0"/>
+                                          </p:stCondLst>
+                                        </p:cTn>
+                                        <p:tgtEl>
+                                          <p:spTgt spid="9">
+                                            <p:txEl>
+                                              <p:pRg st="10" end="10"/>
+                                            </p:txEl>
+                                          </p:spTgt>
+                                        </p:tgtEl>
+                                        <p:attrNameLst>
+                                          <p:attrName>style.visibility</p:attrName>
+                                        </p:attrNameLst>
+                                      </p:cBhvr>
+                                      <p:to>
+                                        <p:strVal val="visible"/>
+                                      </p:to>
+                                    </p:set>
+                                  </p:childTnLst>
+                                </p:cTn>
+                              </p:par>
+                            </p:childTnLst>
+                          </p:cTn>
+                        </p:par>
+                      </p:childTnLst>
+                    </p:cTn>
+                  </p:par>
+                </p:childTnLst>
+              </p:cTn>
+              <p:prevCondLst>
+                <p:cond evt="onPrev" delay="0">
+                  <p:tgtEl>
+                    <p:sldTgt/>
+                  </p:tgtEl>
+                </p:cond>
+              </p:prevCondLst>
+              <p:nextCondLst>
+                <p:cond evt="onNext" delay="0">
+                  <p:tgtEl>
+                    <p:sldTgt/>
+                  </p:tgtEl>
+                </p:cond>
+              </p:nextCondLst>
+            </p:seq>
+          </p:childTnLst>
+        </p:cTn>
+      </p:par>
+    </p:tnLst>
+  </p:timing>
+</p:sld>
+</file>
+
+<file path=ppt/slides/slide19.xml><?xml version="1.0" encoding="utf-8"?>
+<p:sld xmlns:a="http://schemas.openxmlformats.org/drawingml/2006/main" xmlns:r="http://schemas.openxmlformats.org/officeDocument/2006/relationships" xmlns:p="http://schemas.openxmlformats.org/presentationml/2006/main">
+  <p:cSld>
+    <p:spTree>
+      <p:nvGrpSpPr>
+        <p:cNvPr id="1" name=""/>
+        <p:cNvGrpSpPr/>
+        <p:nvPr/>
+      </p:nvGrpSpPr>
+      <p:grpSpPr>
+        <a:xfrm>
+          <a:off x="0" y="0"/>
+          <a:ext cx="0" cy="0"/>
+          <a:chOff x="0" y="0"/>
+          <a:chExt cx="0" cy="0"/>
+        </a:xfrm>
+      </p:grpSpPr>
+      <p:sp>
+        <p:nvSpPr>
+          <p:cNvPr id="2" name="Title 1"/>
+          <p:cNvSpPr>
+            <a:spLocks noGrp="1"/>
+          </p:cNvSpPr>
+          <p:nvPr>
+            <p:ph type="ctrTitle"/>
+          </p:nvPr>
+        </p:nvSpPr>
+        <p:spPr>
+          <a:xfrm>
+            <a:off x="685800" y="2464656"/>
+            <a:ext cx="7772400" cy="1470025"/>
+          </a:xfrm>
+        </p:spPr>
+        <p:txBody>
+          <a:bodyPr>
+            <a:noAutofit/>
+          </a:bodyPr>
+          <a:lstStyle/>
+          <a:p>
+            <a:pPr fontAlgn="auto">
+              <a:spcAft>
+                <a:spcPts val="0"/>
+              </a:spcAft>
+              <a:defRPr/>
+            </a:pPr>
+            <a:r>
+              <a:rPr lang="en-US" sz="6000" b="1" dirty="0">
+                <a:solidFill>
+                  <a:schemeClr val="accent6">
+                    <a:lumMod val="75000"/>
+                  </a:schemeClr>
+                </a:solidFill>
+                <a:latin typeface="Constantia" pitchFamily="18" charset="0"/>
+              </a:rPr>
+              <a:t>THANK </a:t>
+            </a:r>
+            <a:r>
+              <a:rPr lang="en-US" sz="6000" b="1" dirty="0" smtClean="0">
+                <a:solidFill>
+                  <a:schemeClr val="accent6">
+                    <a:lumMod val="75000"/>
+                  </a:schemeClr>
+                </a:solidFill>
+                <a:latin typeface="Constantia" pitchFamily="18" charset="0"/>
+              </a:rPr>
+              <a:t>YOU!</a:t>
+            </a:r>
+            <a:endParaRPr lang="en-US" sz="6000" b="1" dirty="0">
+              <a:solidFill>
+                <a:schemeClr val="accent6">
+                  <a:lumMod val="75000"/>
+                </a:schemeClr>
+              </a:solidFill>
+              <a:latin typeface="Constantia" pitchFamily="18" charset="0"/>
+            </a:endParaRPr>
+          </a:p>
+        </p:txBody>
+      </p:sp>
+    </p:spTree>
+    <p:extLst>
+      <p:ext uri="{BB962C8B-B14F-4D97-AF65-F5344CB8AC3E}">
+        <p14:creationId xmlns="" xmlns:p14="http://schemas.microsoft.com/office/powerpoint/2010/main" val="3137979333"/>
+      </p:ext>
+    </p:extLst>
+  </p:cSld>
+  <p:clrMapOvr>
+    <a:masterClrMapping/>
   </p:clrMapOvr>
   <mc:AlternateContent xmlns:mc="http://schemas.openxmlformats.org/markup-compatibility/2006">
     <mc:Choice xmlns="" xmlns:p14="http://schemas.microsoft.com/office/powerpoint/2010/main" Requires="p14">
@@ -5062,41 +10049,16 @@
             </a:r>
             <a:r>
               <a:rPr lang="en-US" dirty="0" smtClean="0"/>
-              <a:t> </a:t>
-            </a:r>
+              <a:t> new projects productively</a:t>
+            </a:r>
+          </a:p>
+          <a:p>
+            <a:endParaRPr lang="en-US" dirty="0" smtClean="0"/>
+          </a:p>
+          <a:p>
             <a:r>
               <a:rPr lang="en-US" dirty="0" smtClean="0"/>
-              <a:t>new </a:t>
-            </a:r>
-            <a:r>
-              <a:rPr lang="en-US" dirty="0" smtClean="0"/>
-              <a:t>projects productively</a:t>
-            </a:r>
-            <a:endParaRPr lang="en-US" dirty="0" smtClean="0"/>
-          </a:p>
-          <a:p>
-            <a:endParaRPr lang="en-US" dirty="0" smtClean="0"/>
-          </a:p>
-          <a:p>
-            <a:r>
-              <a:rPr lang="en-US" dirty="0" smtClean="0"/>
-              <a:t>Provide </a:t>
-            </a:r>
-            <a:r>
-              <a:rPr lang="en-US" dirty="0" smtClean="0"/>
-              <a:t>best </a:t>
-            </a:r>
-            <a:r>
-              <a:rPr lang="en-US" dirty="0" smtClean="0"/>
-              <a:t>practices, </a:t>
-            </a:r>
-            <a:r>
-              <a:rPr lang="en-US" dirty="0" smtClean="0"/>
-              <a:t>workflow, generator</a:t>
-            </a:r>
-            <a:r>
-              <a:rPr lang="en-US" dirty="0" smtClean="0"/>
-              <a:t> &amp; tools</a:t>
+              <a:t>Provide best practices, workflow, generator &amp; tools</a:t>
             </a:r>
           </a:p>
           <a:p>
@@ -5189,7 +10151,7 @@
         </p:nvSpPr>
         <p:spPr>
           <a:xfrm>
-            <a:off x="547396" y="163286"/>
+            <a:off x="457199" y="425154"/>
             <a:ext cx="8229600" cy="739014"/>
           </a:xfrm>
         </p:spPr>
@@ -5199,113 +10161,15 @@
           <a:p>
             <a:r>
               <a:rPr lang="en-US" dirty="0" smtClean="0"/>
-              <a:t>Yeoman tools</a:t>
+              <a:t>Who using Yeoman</a:t>
             </a:r>
             <a:endParaRPr lang="en-US" dirty="0"/>
-          </a:p>
-        </p:txBody>
-      </p:sp>
-      <p:sp>
-        <p:nvSpPr>
-          <p:cNvPr id="7" name="Content Placeholder 6"/>
-          <p:cNvSpPr>
-            <a:spLocks noGrp="1"/>
-          </p:cNvSpPr>
-          <p:nvPr>
-            <p:ph idx="1"/>
-          </p:nvPr>
-        </p:nvSpPr>
-        <p:spPr>
-          <a:xfrm>
-            <a:off x="547396" y="1850571"/>
-            <a:ext cx="8229600" cy="4157663"/>
-          </a:xfrm>
-        </p:spPr>
-        <p:txBody>
-          <a:bodyPr/>
-          <a:lstStyle/>
-          <a:p>
-            <a:endParaRPr lang="en-US" dirty="0" smtClean="0"/>
-          </a:p>
-          <a:p>
-            <a:endParaRPr lang="en-US" dirty="0" smtClean="0"/>
-          </a:p>
-          <a:p>
-            <a:endParaRPr lang="en-US" dirty="0" smtClean="0"/>
-          </a:p>
-          <a:p>
-            <a:r>
-              <a:rPr lang="en-US" b="1" dirty="0" smtClean="0"/>
-              <a:t>Scaffolding tool</a:t>
-            </a:r>
-            <a:r>
-              <a:rPr lang="en-US" dirty="0" smtClean="0"/>
-              <a:t> for </a:t>
-            </a:r>
-            <a:r>
-              <a:rPr lang="en-US" dirty="0" err="1" smtClean="0"/>
-              <a:t>contruct</a:t>
-            </a:r>
-            <a:r>
-              <a:rPr lang="en-US" dirty="0" smtClean="0"/>
-              <a:t> new app (</a:t>
-            </a:r>
-            <a:r>
-              <a:rPr lang="en-US" dirty="0" err="1" smtClean="0"/>
-              <a:t>Yo</a:t>
-            </a:r>
-            <a:r>
-              <a:rPr lang="en-US" dirty="0" smtClean="0"/>
-              <a:t>)</a:t>
-            </a:r>
-          </a:p>
-          <a:p>
-            <a:endParaRPr lang="en-US" dirty="0" smtClean="0"/>
-          </a:p>
-          <a:p>
-            <a:r>
-              <a:rPr lang="en-US" b="1" dirty="0" smtClean="0"/>
-              <a:t>Build system</a:t>
-            </a:r>
-            <a:r>
-              <a:rPr lang="en-US" dirty="0" smtClean="0"/>
-              <a:t> for build, preview, test</a:t>
-            </a:r>
-            <a:r>
-              <a:rPr lang="en-US" dirty="0" smtClean="0"/>
-              <a:t> </a:t>
-            </a:r>
-            <a:r>
-              <a:rPr lang="en-US" dirty="0" smtClean="0"/>
-              <a:t>(Grunt, Gulp)</a:t>
-            </a:r>
-          </a:p>
-          <a:p>
-            <a:endParaRPr lang="en-US" dirty="0" smtClean="0"/>
-          </a:p>
-          <a:p>
-            <a:r>
-              <a:rPr lang="en-US" b="1" dirty="0" smtClean="0"/>
-              <a:t>Package manager</a:t>
-            </a:r>
-            <a:r>
-              <a:rPr lang="en-US" dirty="0" smtClean="0"/>
-              <a:t> for dependency management (Bower, </a:t>
-            </a:r>
-            <a:r>
-              <a:rPr lang="en-US" dirty="0" err="1" smtClean="0"/>
-              <a:t>npm</a:t>
-            </a:r>
-            <a:r>
-              <a:rPr lang="en-US" dirty="0" smtClean="0"/>
-              <a:t>)</a:t>
-            </a:r>
           </a:p>
         </p:txBody>
       </p:sp>
       <p:pic>
         <p:nvPicPr>
-          <p:cNvPr id="1027" name="Picture 3" descr="C:\Users\sonvq\Desktop\toolset.png"/>
+          <p:cNvPr id="4098" name="Picture 2" descr="C:\Users\sonvq\Desktop\Screenshot_1.png"/>
           <p:cNvPicPr>
             <a:picLocks noChangeAspect="1" noChangeArrowheads="1"/>
           </p:cNvPicPr>
@@ -5320,8 +10184,8 @@
         </p:blipFill>
         <p:spPr bwMode="auto">
           <a:xfrm>
-            <a:off x="2324100" y="902300"/>
-            <a:ext cx="5112313" cy="2056039"/>
+            <a:off x="245172" y="1426030"/>
+            <a:ext cx="8669231" cy="5295042"/>
           </a:xfrm>
           <a:prstGeom prst="rect">
             <a:avLst/>
@@ -5385,7 +10249,7 @@
         </p:nvSpPr>
         <p:spPr>
           <a:xfrm>
-            <a:off x="547396" y="163286"/>
+            <a:off x="547396" y="478980"/>
             <a:ext cx="8229600" cy="739014"/>
           </a:xfrm>
         </p:spPr>
@@ -5395,11 +10259,7 @@
           <a:p>
             <a:r>
               <a:rPr lang="en-US" dirty="0" smtClean="0"/>
-              <a:t>Yeoman </a:t>
-            </a:r>
-            <a:r>
-              <a:rPr lang="en-US" dirty="0" err="1" smtClean="0"/>
-              <a:t>Cmd</a:t>
+              <a:t>Yeoman tools</a:t>
             </a:r>
             <a:endParaRPr lang="en-US" dirty="0"/>
           </a:p>
@@ -5417,7 +10277,7 @@
         </p:nvSpPr>
         <p:spPr>
           <a:xfrm>
-            <a:off x="547396" y="1850571"/>
+            <a:off x="547396" y="2525503"/>
             <a:ext cx="8229600" cy="4157663"/>
           </a:xfrm>
         </p:spPr>
@@ -5425,77 +10285,102 @@
           <a:bodyPr/>
           <a:lstStyle/>
           <a:p>
+            <a:endParaRPr lang="en-US" dirty="0" smtClean="0"/>
+          </a:p>
+          <a:p>
+            <a:endParaRPr lang="en-US" dirty="0" smtClean="0"/>
+          </a:p>
+          <a:p>
+            <a:endParaRPr lang="en-US" dirty="0" smtClean="0"/>
+          </a:p>
+          <a:p>
+            <a:r>
+              <a:rPr lang="en-US" b="1" dirty="0" smtClean="0"/>
+              <a:t>Scaffolding tool</a:t>
+            </a:r>
+            <a:r>
+              <a:rPr lang="en-US" dirty="0" smtClean="0"/>
+              <a:t> for </a:t>
+            </a:r>
+            <a:r>
+              <a:rPr lang="en-US" dirty="0" err="1" smtClean="0"/>
+              <a:t>contruct</a:t>
+            </a:r>
+            <a:r>
+              <a:rPr lang="en-US" dirty="0" smtClean="0"/>
+              <a:t> new app (</a:t>
+            </a:r>
+            <a:r>
+              <a:rPr lang="en-US" dirty="0" err="1" smtClean="0"/>
+              <a:t>Yo</a:t>
+            </a:r>
+            <a:r>
+              <a:rPr lang="en-US" dirty="0" smtClean="0"/>
+              <a:t>)</a:t>
+            </a:r>
+          </a:p>
+          <a:p>
+            <a:endParaRPr lang="en-US" dirty="0" smtClean="0"/>
+          </a:p>
+          <a:p>
+            <a:r>
+              <a:rPr lang="en-US" b="1" dirty="0" smtClean="0"/>
+              <a:t>Build system</a:t>
+            </a:r>
+            <a:r>
+              <a:rPr lang="en-US" dirty="0" smtClean="0"/>
+              <a:t> for build, preview, test (Grunt, Gulp)</a:t>
+            </a:r>
+          </a:p>
+          <a:p>
+            <a:endParaRPr lang="en-US" dirty="0" smtClean="0"/>
+          </a:p>
+          <a:p>
+            <a:r>
+              <a:rPr lang="en-US" b="1" dirty="0" smtClean="0"/>
+              <a:t>Package manager</a:t>
+            </a:r>
+            <a:r>
+              <a:rPr lang="en-US" dirty="0" smtClean="0"/>
+              <a:t> for dependency management (Bower, </a:t>
+            </a:r>
             <a:r>
               <a:rPr lang="en-US" dirty="0" err="1" smtClean="0"/>
               <a:t>npm</a:t>
             </a:r>
             <a:r>
               <a:rPr lang="en-US" dirty="0" smtClean="0"/>
-              <a:t> install </a:t>
-            </a:r>
-            <a:r>
-              <a:rPr lang="en-US" dirty="0" err="1" smtClean="0"/>
-              <a:t>yo</a:t>
-            </a:r>
-            <a:r>
-              <a:rPr lang="en-US" dirty="0" smtClean="0"/>
-              <a:t> –g</a:t>
-            </a:r>
-          </a:p>
-          <a:p>
-            <a:endParaRPr lang="en-US" dirty="0" smtClean="0"/>
-          </a:p>
-          <a:p>
-            <a:r>
-              <a:rPr lang="en-US" dirty="0" err="1" smtClean="0"/>
-              <a:t>npm</a:t>
-            </a:r>
-            <a:r>
-              <a:rPr lang="en-US" dirty="0" smtClean="0"/>
-              <a:t> install generator-</a:t>
-            </a:r>
-            <a:r>
-              <a:rPr lang="en-US" dirty="0" err="1" smtClean="0"/>
-              <a:t>webapp</a:t>
-            </a:r>
-            <a:r>
-              <a:rPr lang="en-US" dirty="0" smtClean="0"/>
-              <a:t> –g</a:t>
-            </a:r>
-          </a:p>
-          <a:p>
-            <a:endParaRPr lang="en-US" dirty="0" smtClean="0"/>
-          </a:p>
-          <a:p>
-            <a:r>
-              <a:rPr lang="en-US" dirty="0" err="1" smtClean="0"/>
-              <a:t>yo</a:t>
-            </a:r>
-            <a:r>
-              <a:rPr lang="en-US" dirty="0" smtClean="0"/>
-              <a:t> </a:t>
-            </a:r>
-            <a:r>
-              <a:rPr lang="en-US" dirty="0" err="1" smtClean="0"/>
-              <a:t>webapp</a:t>
-            </a:r>
-            <a:endParaRPr lang="en-US" dirty="0" smtClean="0"/>
-          </a:p>
-          <a:p>
-            <a:endParaRPr lang="en-US" dirty="0" smtClean="0"/>
-          </a:p>
-          <a:p>
-            <a:r>
-              <a:rPr lang="en-US" smtClean="0"/>
-              <a:t>grunt </a:t>
-            </a:r>
-            <a:r>
-              <a:rPr lang="en-US" dirty="0" smtClean="0"/>
-              <a:t>server</a:t>
-            </a:r>
-          </a:p>
-        </p:txBody>
-      </p:sp>
+              <a:t>)</a:t>
+            </a:r>
+          </a:p>
+        </p:txBody>
+      </p:sp>
+      <p:pic>
+        <p:nvPicPr>
+          <p:cNvPr id="1027" name="Picture 3" descr="C:\Users\sonvq\Desktop\toolset.png"/>
+          <p:cNvPicPr>
+            <a:picLocks noChangeAspect="1" noChangeArrowheads="1"/>
+          </p:cNvPicPr>
+          <p:nvPr/>
+        </p:nvPicPr>
+        <p:blipFill>
+          <a:blip r:embed="rId3"/>
+          <a:srcRect/>
+          <a:stretch>
+            <a:fillRect/>
+          </a:stretch>
+        </p:blipFill>
+        <p:spPr bwMode="auto">
+          <a:xfrm>
+            <a:off x="2324100" y="1511916"/>
+            <a:ext cx="5112313" cy="2056039"/>
+          </a:xfrm>
+          <a:prstGeom prst="rect">
+            <a:avLst/>
+          </a:prstGeom>
+          <a:noFill/>
+        </p:spPr>
+      </p:pic>
     </p:spTree>
   </p:cSld>
   <p:clrMapOvr>
@@ -5547,66 +10432,1201 @@
             <a:spLocks noGrp="1"/>
           </p:cNvSpPr>
           <p:nvPr>
-            <p:ph type="ctrTitle"/>
+            <p:ph type="title"/>
           </p:nvPr>
         </p:nvSpPr>
         <p:spPr>
           <a:xfrm>
-            <a:off x="685800" y="2464656"/>
-            <a:ext cx="7772400" cy="1470025"/>
+            <a:off x="547396" y="217716"/>
+            <a:ext cx="8229600" cy="739014"/>
           </a:xfrm>
         </p:spPr>
         <p:txBody>
-          <a:bodyPr>
-            <a:noAutofit/>
+          <a:bodyPr/>
+          <a:lstStyle/>
+          <a:p>
+            <a:r>
+              <a:rPr lang="en-US" dirty="0" smtClean="0"/>
+              <a:t>Yeoman features</a:t>
+            </a:r>
+            <a:endParaRPr lang="en-US" dirty="0"/>
+          </a:p>
+        </p:txBody>
+      </p:sp>
+      <p:sp>
+        <p:nvSpPr>
+          <p:cNvPr id="7" name="Content Placeholder 6"/>
+          <p:cNvSpPr>
+            <a:spLocks noGrp="1"/>
+          </p:cNvSpPr>
+          <p:nvPr>
+            <p:ph idx="1"/>
+          </p:nvPr>
+        </p:nvSpPr>
+        <p:spPr>
+          <a:xfrm>
+            <a:off x="238319" y="1120020"/>
+            <a:ext cx="8709737" cy="2710543"/>
+          </a:xfrm>
+        </p:spPr>
+        <p:txBody>
+          <a:bodyPr/>
+          <a:lstStyle/>
+          <a:p>
+            <a:r>
+              <a:rPr lang="en-US" b="1" dirty="0" smtClean="0"/>
+              <a:t>Lightning-fast scaffolding</a:t>
+            </a:r>
+          </a:p>
+          <a:p>
+            <a:pPr lvl="1">
+              <a:buFont typeface="Courier New" pitchFamily="49" charset="0"/>
+              <a:buChar char="o"/>
+            </a:pPr>
+            <a:r>
+              <a:rPr lang="en-US" dirty="0" smtClean="0"/>
+              <a:t>Easily scaffold new projects with customizable templates</a:t>
+            </a:r>
+          </a:p>
+          <a:p>
+            <a:pPr lvl="1"/>
+            <a:endParaRPr lang="en-US" b="1" dirty="0" smtClean="0"/>
+          </a:p>
+          <a:p>
+            <a:r>
+              <a:rPr lang="en-US" b="1" dirty="0" smtClean="0"/>
+              <a:t>Great build process</a:t>
+            </a:r>
+          </a:p>
+          <a:p>
+            <a:pPr lvl="1">
+              <a:buFont typeface="Courier New" pitchFamily="49" charset="0"/>
+              <a:buChar char="o"/>
+            </a:pPr>
+            <a:r>
+              <a:rPr lang="en-US" dirty="0" err="1" smtClean="0"/>
+              <a:t>Minification</a:t>
+            </a:r>
+            <a:r>
+              <a:rPr lang="en-US" dirty="0" smtClean="0"/>
+              <a:t> and concatenation</a:t>
+            </a:r>
+            <a:endParaRPr lang="en-US" b="1" dirty="0" smtClean="0"/>
+          </a:p>
+          <a:p>
+            <a:pPr lvl="1">
+              <a:buFont typeface="Courier New" pitchFamily="49" charset="0"/>
+              <a:buChar char="o"/>
+            </a:pPr>
+            <a:r>
+              <a:rPr lang="en-US" dirty="0" smtClean="0"/>
+              <a:t>Optimize image, HTML, compile </a:t>
+            </a:r>
+            <a:r>
+              <a:rPr lang="en-US" dirty="0" err="1" smtClean="0"/>
+              <a:t>CoffeeScript</a:t>
+            </a:r>
+            <a:r>
+              <a:rPr lang="en-US" dirty="0" smtClean="0"/>
+              <a:t> &amp;Compass files</a:t>
+            </a:r>
+          </a:p>
+          <a:p>
+            <a:endParaRPr lang="en-US" dirty="0" smtClean="0"/>
+          </a:p>
+        </p:txBody>
+      </p:sp>
+      <p:pic>
+        <p:nvPicPr>
+          <p:cNvPr id="3" name="Picture 3" descr="C:\Users\sonvq\Desktop\yeoman-008.cfa02809bf.png"/>
+          <p:cNvPicPr>
+            <a:picLocks noChangeAspect="1" noChangeArrowheads="1"/>
+          </p:cNvPicPr>
+          <p:nvPr/>
+        </p:nvPicPr>
+        <p:blipFill>
+          <a:blip r:embed="rId3"/>
+          <a:srcRect/>
+          <a:stretch>
+            <a:fillRect/>
+          </a:stretch>
+        </p:blipFill>
+        <p:spPr bwMode="auto">
+          <a:xfrm>
+            <a:off x="-406171" y="3571135"/>
+            <a:ext cx="2648632" cy="3748148"/>
+          </a:xfrm>
+          <a:prstGeom prst="rect">
+            <a:avLst/>
+          </a:prstGeom>
+          <a:noFill/>
+        </p:spPr>
+      </p:pic>
+      <p:sp>
+        <p:nvSpPr>
+          <p:cNvPr id="8" name="Content Placeholder 6"/>
+          <p:cNvSpPr txBox="1">
+            <a:spLocks/>
+          </p:cNvSpPr>
+          <p:nvPr/>
+        </p:nvSpPr>
+        <p:spPr bwMode="auto">
+          <a:xfrm>
+            <a:off x="1970314" y="3863220"/>
+            <a:ext cx="6977743" cy="2885923"/>
+          </a:xfrm>
+          <a:prstGeom prst="rect">
+            <a:avLst/>
+          </a:prstGeom>
+          <a:noFill/>
+          <a:ln w="9525">
+            <a:noFill/>
+            <a:miter lim="800000"/>
+            <a:headEnd/>
+            <a:tailEnd/>
+          </a:ln>
+        </p:spPr>
+        <p:txBody>
+          <a:bodyPr vert="horz" wrap="square" lIns="91440" tIns="45720" rIns="91440" bIns="45720" numCol="1" anchor="t" anchorCtr="0" compatLnSpc="1">
+            <a:prstTxWarp prst="textNoShape">
+              <a:avLst/>
+            </a:prstTxWarp>
           </a:bodyPr>
           <a:lstStyle/>
           <a:p>
-            <a:pPr fontAlgn="auto">
+            <a:pPr marL="342900" marR="0" lvl="0" indent="-342900" algn="l" defTabSz="914400" rtl="0" eaLnBrk="1" fontAlgn="base" latinLnBrk="0" hangingPunct="1">
+              <a:lnSpc>
+                <a:spcPct val="100000"/>
+              </a:lnSpc>
+              <a:spcBef>
+                <a:spcPct val="20000"/>
+              </a:spcBef>
               <a:spcAft>
-                <a:spcPts val="0"/>
+                <a:spcPct val="0"/>
               </a:spcAft>
+              <a:buClrTx/>
+              <a:buSzTx/>
+              <a:buFont typeface="Arial" charset="0"/>
+              <a:buChar char="•"/>
+              <a:tabLst/>
               <a:defRPr/>
             </a:pPr>
             <a:r>
-              <a:rPr lang="en-US" sz="6000" b="1" dirty="0">
-                <a:solidFill>
-                  <a:schemeClr val="accent6">
-                    <a:lumMod val="75000"/>
-                  </a:schemeClr>
-                </a:solidFill>
-                <a:latin typeface="Constantia" pitchFamily="18" charset="0"/>
-              </a:rPr>
-              <a:t>THANK </a:t>
-            </a:r>
-            <a:r>
-              <a:rPr lang="en-US" sz="6000" b="1" dirty="0" smtClean="0">
-                <a:solidFill>
-                  <a:schemeClr val="accent6">
-                    <a:lumMod val="75000"/>
-                  </a:schemeClr>
-                </a:solidFill>
-                <a:latin typeface="Constantia" pitchFamily="18" charset="0"/>
-              </a:rPr>
-              <a:t>YOU!</a:t>
-            </a:r>
-            <a:endParaRPr lang="en-US" sz="6000" b="1" dirty="0">
+              <a:rPr kumimoji="0" lang="en-US" sz="2400" b="1" i="0" u="none" strike="noStrike" kern="1200" cap="none" spc="0" normalizeH="0" baseline="0" noProof="0" dirty="0" smtClean="0">
+                <a:ln>
+                  <a:noFill/>
+                </a:ln>
+                <a:solidFill>
+                  <a:schemeClr val="tx1"/>
+                </a:solidFill>
+                <a:effectLst/>
+                <a:uLnTx/>
+                <a:uFillTx/>
+                <a:latin typeface="+mn-lt"/>
+                <a:ea typeface="+mn-ea"/>
+                <a:cs typeface="+mn-cs"/>
+              </a:rPr>
+              <a:t>Built-in preview server</a:t>
+            </a:r>
+          </a:p>
+          <a:p>
+            <a:pPr marL="742950" marR="0" lvl="1" indent="-285750" algn="l" defTabSz="914400" rtl="0" eaLnBrk="1" fontAlgn="base" latinLnBrk="0" hangingPunct="1">
+              <a:lnSpc>
+                <a:spcPct val="100000"/>
+              </a:lnSpc>
+              <a:spcBef>
+                <a:spcPct val="20000"/>
+              </a:spcBef>
+              <a:spcAft>
+                <a:spcPct val="0"/>
+              </a:spcAft>
+              <a:buClrTx/>
+              <a:buSzTx/>
+              <a:buFont typeface="Courier New" pitchFamily="49" charset="0"/>
+              <a:buChar char="o"/>
+              <a:tabLst/>
+              <a:defRPr/>
+            </a:pPr>
+            <a:r>
+              <a:rPr kumimoji="0" lang="en-US" sz="2000" b="0" i="0" u="none" strike="noStrike" kern="1200" cap="none" spc="0" normalizeH="0" baseline="0" noProof="0" dirty="0" smtClean="0">
+                <a:ln>
+                  <a:noFill/>
+                </a:ln>
+                <a:solidFill>
+                  <a:schemeClr val="tx1"/>
+                </a:solidFill>
+                <a:effectLst/>
+                <a:uLnTx/>
+                <a:uFillTx/>
+                <a:latin typeface="+mn-lt"/>
+                <a:ea typeface="+mn-ea"/>
+                <a:cs typeface="+mn-cs"/>
+              </a:rPr>
+              <a:t>Fired up Built-in server with just one command</a:t>
+            </a:r>
+          </a:p>
+          <a:p>
+            <a:pPr marL="742950" marR="0" lvl="1" indent="-285750" algn="l" defTabSz="914400" rtl="0" eaLnBrk="1" fontAlgn="base" latinLnBrk="0" hangingPunct="1">
+              <a:lnSpc>
+                <a:spcPct val="100000"/>
+              </a:lnSpc>
+              <a:spcBef>
+                <a:spcPct val="20000"/>
+              </a:spcBef>
+              <a:spcAft>
+                <a:spcPct val="0"/>
+              </a:spcAft>
+              <a:buClrTx/>
+              <a:buSzTx/>
+              <a:buFont typeface="Courier New" pitchFamily="49" charset="0"/>
+              <a:buChar char="o"/>
+              <a:tabLst/>
+              <a:defRPr/>
+            </a:pPr>
+            <a:r>
+              <a:rPr kumimoji="0" lang="en-US" sz="2000" b="0" i="0" u="none" strike="noStrike" kern="1200" cap="none" spc="0" normalizeH="0" baseline="0" noProof="0" dirty="0" err="1" smtClean="0">
+                <a:ln>
+                  <a:noFill/>
+                </a:ln>
+                <a:solidFill>
+                  <a:schemeClr val="tx1"/>
+                </a:solidFill>
+                <a:effectLst/>
+                <a:uLnTx/>
+                <a:uFillTx/>
+                <a:latin typeface="+mn-lt"/>
+                <a:ea typeface="+mn-ea"/>
+                <a:cs typeface="+mn-cs"/>
+              </a:rPr>
+              <a:t>LiveReload</a:t>
+            </a:r>
+            <a:r>
+              <a:rPr kumimoji="0" lang="en-US" sz="2000" b="0" i="0" u="none" strike="noStrike" kern="1200" cap="none" spc="0" normalizeH="0" baseline="0" noProof="0" dirty="0" smtClean="0">
+                <a:ln>
+                  <a:noFill/>
+                </a:ln>
+                <a:solidFill>
+                  <a:schemeClr val="tx1"/>
+                </a:solidFill>
+                <a:effectLst/>
+                <a:uLnTx/>
+                <a:uFillTx/>
+                <a:latin typeface="+mn-lt"/>
+                <a:ea typeface="+mn-ea"/>
+                <a:cs typeface="+mn-cs"/>
+              </a:rPr>
+              <a:t> auto watch, compile &amp; refresh browser</a:t>
+            </a:r>
+          </a:p>
+          <a:p>
+            <a:pPr marL="742950" marR="0" lvl="1" indent="-285750" algn="l" defTabSz="914400" rtl="0" eaLnBrk="1" fontAlgn="base" latinLnBrk="0" hangingPunct="1">
+              <a:lnSpc>
+                <a:spcPct val="100000"/>
+              </a:lnSpc>
+              <a:spcBef>
+                <a:spcPct val="20000"/>
+              </a:spcBef>
+              <a:spcAft>
+                <a:spcPct val="0"/>
+              </a:spcAft>
+              <a:buClrTx/>
+              <a:buSzTx/>
+              <a:buFont typeface="Arial" charset="0"/>
+              <a:buChar char="–"/>
+              <a:tabLst/>
+              <a:defRPr/>
+            </a:pPr>
+            <a:endParaRPr kumimoji="0" lang="en-US" sz="2000" b="0" i="0" u="none" strike="noStrike" kern="1200" cap="none" spc="0" normalizeH="0" baseline="0" noProof="0" dirty="0" smtClean="0">
+              <a:ln>
+                <a:noFill/>
+              </a:ln>
               <a:solidFill>
-                <a:schemeClr val="accent6">
-                  <a:lumMod val="75000"/>
-                </a:schemeClr>
+                <a:schemeClr val="tx1"/>
               </a:solidFill>
-              <a:latin typeface="Constantia" pitchFamily="18" charset="0"/>
+              <a:effectLst/>
+              <a:uLnTx/>
+              <a:uFillTx/>
+              <a:latin typeface="+mn-lt"/>
+              <a:ea typeface="+mn-ea"/>
+              <a:cs typeface="+mn-cs"/>
             </a:endParaRPr>
           </a:p>
+          <a:p>
+            <a:pPr marL="342900" marR="0" lvl="0" indent="-342900" algn="l" defTabSz="914400" rtl="0" eaLnBrk="1" fontAlgn="base" latinLnBrk="0" hangingPunct="1">
+              <a:lnSpc>
+                <a:spcPct val="100000"/>
+              </a:lnSpc>
+              <a:spcBef>
+                <a:spcPct val="20000"/>
+              </a:spcBef>
+              <a:spcAft>
+                <a:spcPct val="0"/>
+              </a:spcAft>
+              <a:buClrTx/>
+              <a:buSzTx/>
+              <a:buFont typeface="Arial" charset="0"/>
+              <a:buChar char="•"/>
+              <a:tabLst/>
+              <a:defRPr/>
+            </a:pPr>
+            <a:r>
+              <a:rPr kumimoji="0" lang="en-US" sz="2400" b="1" i="0" u="none" strike="noStrike" kern="1200" cap="none" spc="0" normalizeH="0" baseline="0" noProof="0" dirty="0" smtClean="0">
+                <a:ln>
+                  <a:noFill/>
+                </a:ln>
+                <a:solidFill>
+                  <a:schemeClr val="tx1"/>
+                </a:solidFill>
+                <a:effectLst/>
+                <a:uLnTx/>
+                <a:uFillTx/>
+                <a:latin typeface="+mn-lt"/>
+                <a:ea typeface="+mn-ea"/>
+                <a:cs typeface="+mn-cs"/>
+              </a:rPr>
+              <a:t>Automatically lint scripts</a:t>
+            </a:r>
+          </a:p>
+          <a:p>
+            <a:pPr marL="742950" marR="0" lvl="1" indent="-285750" algn="l" defTabSz="914400" rtl="0" eaLnBrk="1" fontAlgn="base" latinLnBrk="0" hangingPunct="1">
+              <a:lnSpc>
+                <a:spcPct val="100000"/>
+              </a:lnSpc>
+              <a:spcBef>
+                <a:spcPct val="20000"/>
+              </a:spcBef>
+              <a:spcAft>
+                <a:spcPct val="0"/>
+              </a:spcAft>
+              <a:buClrTx/>
+              <a:buSzTx/>
+              <a:buFont typeface="Courier New" pitchFamily="49" charset="0"/>
+              <a:buChar char="o"/>
+              <a:tabLst/>
+              <a:defRPr/>
+            </a:pPr>
+            <a:r>
+              <a:rPr kumimoji="0" lang="en-US" sz="2000" b="0" i="0" u="none" strike="noStrike" kern="1200" cap="none" spc="0" normalizeH="0" baseline="0" noProof="0" dirty="0" smtClean="0">
+                <a:ln>
+                  <a:noFill/>
+                </a:ln>
+                <a:solidFill>
+                  <a:schemeClr val="tx1"/>
+                </a:solidFill>
+                <a:effectLst/>
+                <a:uLnTx/>
+                <a:uFillTx/>
+                <a:latin typeface="+mn-lt"/>
+                <a:ea typeface="+mn-ea"/>
+                <a:cs typeface="+mn-cs"/>
+              </a:rPr>
+              <a:t>Use</a:t>
+            </a:r>
+            <a:r>
+              <a:rPr kumimoji="0" lang="en-US" sz="2000" b="0" i="0" u="none" strike="noStrike" kern="1200" cap="none" spc="0" normalizeH="0" noProof="0" dirty="0" smtClean="0">
+                <a:ln>
+                  <a:noFill/>
+                </a:ln>
+                <a:solidFill>
+                  <a:schemeClr val="tx1"/>
+                </a:solidFill>
+                <a:effectLst/>
+                <a:uLnTx/>
+                <a:uFillTx/>
+                <a:latin typeface="+mn-lt"/>
+                <a:ea typeface="+mn-ea"/>
+                <a:cs typeface="+mn-cs"/>
+              </a:rPr>
+              <a:t> </a:t>
+            </a:r>
+            <a:r>
+              <a:rPr kumimoji="0" lang="en-US" sz="2000" b="0" i="0" u="none" strike="noStrike" kern="1200" cap="none" spc="0" normalizeH="0" baseline="0" noProof="0" dirty="0" err="1" smtClean="0">
+                <a:ln>
+                  <a:noFill/>
+                </a:ln>
+                <a:solidFill>
+                  <a:schemeClr val="tx1"/>
+                </a:solidFill>
+                <a:effectLst/>
+                <a:uLnTx/>
+                <a:uFillTx/>
+                <a:latin typeface="+mn-lt"/>
+                <a:ea typeface="+mn-ea"/>
+                <a:cs typeface="+mn-cs"/>
+              </a:rPr>
+              <a:t>JSHint</a:t>
+            </a:r>
+            <a:r>
+              <a:rPr kumimoji="0" lang="en-US" sz="2000" b="0" i="0" u="none" strike="noStrike" kern="1200" cap="none" spc="0" normalizeH="0" baseline="0" noProof="0" dirty="0" smtClean="0">
+                <a:ln>
+                  <a:noFill/>
+                </a:ln>
+                <a:solidFill>
+                  <a:schemeClr val="tx1"/>
+                </a:solidFill>
+                <a:effectLst/>
+                <a:uLnTx/>
+                <a:uFillTx/>
+                <a:latin typeface="+mn-lt"/>
+                <a:ea typeface="+mn-ea"/>
+                <a:cs typeface="+mn-cs"/>
+              </a:rPr>
+              <a:t> to ensure following language best-practices</a:t>
+            </a:r>
+          </a:p>
+          <a:p>
+            <a:pPr marL="342900" marR="0" lvl="0" indent="-342900" algn="l" defTabSz="914400" rtl="0" eaLnBrk="1" fontAlgn="base" latinLnBrk="0" hangingPunct="1">
+              <a:lnSpc>
+                <a:spcPct val="100000"/>
+              </a:lnSpc>
+              <a:spcBef>
+                <a:spcPct val="20000"/>
+              </a:spcBef>
+              <a:spcAft>
+                <a:spcPct val="0"/>
+              </a:spcAft>
+              <a:buClrTx/>
+              <a:buSzTx/>
+              <a:buFont typeface="Arial" charset="0"/>
+              <a:buChar char="•"/>
+              <a:tabLst/>
+              <a:defRPr/>
+            </a:pPr>
+            <a:endParaRPr kumimoji="0" lang="en-US" sz="2400" b="0" i="0" u="none" strike="noStrike" kern="1200" cap="none" spc="0" normalizeH="0" baseline="0" noProof="0" dirty="0" smtClean="0">
+              <a:ln>
+                <a:noFill/>
+              </a:ln>
+              <a:solidFill>
+                <a:schemeClr val="tx1"/>
+              </a:solidFill>
+              <a:effectLst/>
+              <a:uLnTx/>
+              <a:uFillTx/>
+              <a:latin typeface="+mn-lt"/>
+              <a:ea typeface="+mn-ea"/>
+              <a:cs typeface="+mn-cs"/>
+            </a:endParaRPr>
+          </a:p>
         </p:txBody>
       </p:sp>
     </p:spTree>
-    <p:extLst>
-      <p:ext uri="{BB962C8B-B14F-4D97-AF65-F5344CB8AC3E}">
-        <p14:creationId xmlns="" xmlns:p14="http://schemas.microsoft.com/office/powerpoint/2010/main" val="3137979333"/>
-      </p:ext>
-    </p:extLst>
+  </p:cSld>
+  <p:clrMapOvr>
+    <a:masterClrMapping/>
+  </p:clrMapOvr>
+  <mc:AlternateContent xmlns:mc="http://schemas.openxmlformats.org/markup-compatibility/2006">
+    <mc:Choice xmlns="" xmlns:p14="http://schemas.microsoft.com/office/powerpoint/2010/main" Requires="p14">
+      <p:transition p14:dur="100">
+        <p:cut/>
+      </p:transition>
+    </mc:Choice>
+    <mc:Fallback>
+      <p:transition>
+        <p:cut/>
+      </p:transition>
+    </mc:Fallback>
+  </mc:AlternateContent>
+  <p:timing>
+    <p:tnLst>
+      <p:par>
+        <p:cTn id="1" dur="indefinite" restart="never" nodeType="tmRoot"/>
+      </p:par>
+    </p:tnLst>
+  </p:timing>
+</p:sld>
+</file>
+
+<file path=ppt/slides/slide6.xml><?xml version="1.0" encoding="utf-8"?>
+<p:sld xmlns:a="http://schemas.openxmlformats.org/drawingml/2006/main" xmlns:r="http://schemas.openxmlformats.org/officeDocument/2006/relationships" xmlns:p="http://schemas.openxmlformats.org/presentationml/2006/main">
+  <p:cSld>
+    <p:spTree>
+      <p:nvGrpSpPr>
+        <p:cNvPr id="1" name=""/>
+        <p:cNvGrpSpPr/>
+        <p:nvPr/>
+      </p:nvGrpSpPr>
+      <p:grpSpPr>
+        <a:xfrm>
+          <a:off x="0" y="0"/>
+          <a:ext cx="0" cy="0"/>
+          <a:chOff x="0" y="0"/>
+          <a:chExt cx="0" cy="0"/>
+        </a:xfrm>
+      </p:grpSpPr>
+      <p:sp>
+        <p:nvSpPr>
+          <p:cNvPr id="2" name="Title 1"/>
+          <p:cNvSpPr>
+            <a:spLocks noGrp="1"/>
+          </p:cNvSpPr>
+          <p:nvPr>
+            <p:ph type="title"/>
+          </p:nvPr>
+        </p:nvSpPr>
+        <p:spPr>
+          <a:xfrm>
+            <a:off x="547396" y="424550"/>
+            <a:ext cx="8229600" cy="739014"/>
+          </a:xfrm>
+        </p:spPr>
+        <p:txBody>
+          <a:bodyPr/>
+          <a:lstStyle/>
+          <a:p>
+            <a:r>
+              <a:rPr lang="en-US" dirty="0" smtClean="0"/>
+              <a:t>Yeoman features</a:t>
+            </a:r>
+            <a:endParaRPr lang="en-US" dirty="0"/>
+          </a:p>
+        </p:txBody>
+      </p:sp>
+      <p:sp>
+        <p:nvSpPr>
+          <p:cNvPr id="7" name="Content Placeholder 6"/>
+          <p:cNvSpPr>
+            <a:spLocks noGrp="1"/>
+          </p:cNvSpPr>
+          <p:nvPr>
+            <p:ph idx="1"/>
+          </p:nvPr>
+        </p:nvSpPr>
+        <p:spPr>
+          <a:xfrm>
+            <a:off x="238319" y="1642548"/>
+            <a:ext cx="8709737" cy="4627637"/>
+          </a:xfrm>
+        </p:spPr>
+        <p:txBody>
+          <a:bodyPr/>
+          <a:lstStyle/>
+          <a:p>
+            <a:r>
+              <a:rPr lang="en-US" b="1" dirty="0" smtClean="0"/>
+              <a:t>Awesome Image Optimization</a:t>
+            </a:r>
+          </a:p>
+          <a:p>
+            <a:pPr lvl="1">
+              <a:buFont typeface="Courier New" pitchFamily="49" charset="0"/>
+              <a:buChar char="o"/>
+            </a:pPr>
+            <a:r>
+              <a:rPr lang="en-US" dirty="0" smtClean="0"/>
+              <a:t>Optimize images using </a:t>
+            </a:r>
+            <a:r>
+              <a:rPr lang="en-US" dirty="0" err="1" smtClean="0"/>
+              <a:t>OptiPNG</a:t>
+            </a:r>
+            <a:r>
+              <a:rPr lang="en-US" dirty="0" smtClean="0"/>
+              <a:t> &amp; </a:t>
+            </a:r>
+            <a:r>
+              <a:rPr lang="en-US" dirty="0" err="1" smtClean="0"/>
+              <a:t>JPEGTran</a:t>
+            </a:r>
+            <a:endParaRPr lang="en-US" dirty="0" smtClean="0"/>
+          </a:p>
+          <a:p>
+            <a:pPr lvl="1">
+              <a:buNone/>
+            </a:pPr>
+            <a:endParaRPr lang="en-US" b="1" dirty="0" smtClean="0"/>
+          </a:p>
+          <a:p>
+            <a:r>
+              <a:rPr lang="en-US" b="1" dirty="0" smtClean="0"/>
+              <a:t>Killer package management </a:t>
+            </a:r>
+          </a:p>
+          <a:p>
+            <a:pPr lvl="1">
+              <a:buFont typeface="Courier New" pitchFamily="49" charset="0"/>
+              <a:buChar char="o"/>
+            </a:pPr>
+            <a:r>
+              <a:rPr lang="en-US" dirty="0" smtClean="0"/>
+              <a:t>Easily search new packages via </a:t>
+            </a:r>
+            <a:r>
+              <a:rPr lang="en-US" dirty="0" err="1" smtClean="0"/>
+              <a:t>cmd</a:t>
+            </a:r>
+            <a:r>
+              <a:rPr lang="en-US" dirty="0" smtClean="0"/>
+              <a:t>, install &amp; keep them updated</a:t>
+            </a:r>
+          </a:p>
+          <a:p>
+            <a:endParaRPr lang="en-US" dirty="0" smtClean="0"/>
+          </a:p>
+          <a:p>
+            <a:pPr lvl="0"/>
+            <a:r>
+              <a:rPr lang="en-US" b="1" dirty="0" err="1" smtClean="0"/>
+              <a:t>PhantomJS</a:t>
+            </a:r>
+            <a:r>
+              <a:rPr lang="en-US" b="1" dirty="0" smtClean="0"/>
+              <a:t> Unit Testing</a:t>
+            </a:r>
+          </a:p>
+          <a:p>
+            <a:pPr marL="800100" lvl="1" indent="-342900">
+              <a:buFont typeface="Courier New" pitchFamily="49" charset="0"/>
+              <a:buChar char="o"/>
+            </a:pPr>
+            <a:r>
+              <a:rPr lang="en-US" dirty="0" smtClean="0"/>
+              <a:t>Easily run unit tests in </a:t>
+            </a:r>
+            <a:r>
+              <a:rPr lang="en-US" dirty="0" err="1" smtClean="0"/>
+              <a:t>WebKit</a:t>
+            </a:r>
+            <a:r>
+              <a:rPr lang="en-US" dirty="0" smtClean="0"/>
+              <a:t> via </a:t>
+            </a:r>
+            <a:r>
+              <a:rPr lang="en-US" dirty="0" err="1" smtClean="0"/>
+              <a:t>PhantomJS</a:t>
+            </a:r>
+            <a:endParaRPr lang="en-US" dirty="0" smtClean="0"/>
+          </a:p>
+          <a:p>
+            <a:endParaRPr lang="en-US" dirty="0" smtClean="0"/>
+          </a:p>
+        </p:txBody>
+      </p:sp>
+      <p:pic>
+        <p:nvPicPr>
+          <p:cNvPr id="2050" name="Picture 2" descr="C:\Users\sonvq\Desktop\yeoman-004.5ddf2404cb.png"/>
+          <p:cNvPicPr>
+            <a:picLocks noChangeAspect="1" noChangeArrowheads="1"/>
+          </p:cNvPicPr>
+          <p:nvPr/>
+        </p:nvPicPr>
+        <p:blipFill>
+          <a:blip r:embed="rId3"/>
+          <a:srcRect/>
+          <a:stretch>
+            <a:fillRect/>
+          </a:stretch>
+        </p:blipFill>
+        <p:spPr bwMode="auto">
+          <a:xfrm>
+            <a:off x="6811057" y="3684880"/>
+            <a:ext cx="2496230" cy="3532480"/>
+          </a:xfrm>
+          <a:prstGeom prst="rect">
+            <a:avLst/>
+          </a:prstGeom>
+          <a:noFill/>
+        </p:spPr>
+      </p:pic>
+    </p:spTree>
+  </p:cSld>
+  <p:clrMapOvr>
+    <a:masterClrMapping/>
+  </p:clrMapOvr>
+  <mc:AlternateContent xmlns:mc="http://schemas.openxmlformats.org/markup-compatibility/2006">
+    <mc:Choice xmlns="" xmlns:p14="http://schemas.microsoft.com/office/powerpoint/2010/main" Requires="p14">
+      <p:transition p14:dur="100">
+        <p:cut/>
+      </p:transition>
+    </mc:Choice>
+    <mc:Fallback>
+      <p:transition>
+        <p:cut/>
+      </p:transition>
+    </mc:Fallback>
+  </mc:AlternateContent>
+  <p:timing>
+    <p:tnLst>
+      <p:par>
+        <p:cTn id="1" dur="indefinite" restart="never" nodeType="tmRoot"/>
+      </p:par>
+    </p:tnLst>
+  </p:timing>
+</p:sld>
+</file>
+
+<file path=ppt/slides/slide7.xml><?xml version="1.0" encoding="utf-8"?>
+<p:sld xmlns:a="http://schemas.openxmlformats.org/drawingml/2006/main" xmlns:r="http://schemas.openxmlformats.org/officeDocument/2006/relationships" xmlns:p="http://schemas.openxmlformats.org/presentationml/2006/main">
+  <p:cSld>
+    <p:spTree>
+      <p:nvGrpSpPr>
+        <p:cNvPr id="1" name=""/>
+        <p:cNvGrpSpPr/>
+        <p:nvPr/>
+      </p:nvGrpSpPr>
+      <p:grpSpPr>
+        <a:xfrm>
+          <a:off x="0" y="0"/>
+          <a:ext cx="0" cy="0"/>
+          <a:chOff x="0" y="0"/>
+          <a:chExt cx="0" cy="0"/>
+        </a:xfrm>
+      </p:grpSpPr>
+      <p:sp>
+        <p:nvSpPr>
+          <p:cNvPr id="2" name="Title 1"/>
+          <p:cNvSpPr>
+            <a:spLocks noGrp="1"/>
+          </p:cNvSpPr>
+          <p:nvPr>
+            <p:ph type="title"/>
+          </p:nvPr>
+        </p:nvSpPr>
+        <p:spPr>
+          <a:xfrm>
+            <a:off x="547396" y="587840"/>
+            <a:ext cx="8229600" cy="739014"/>
+          </a:xfrm>
+        </p:spPr>
+        <p:txBody>
+          <a:bodyPr/>
+          <a:lstStyle/>
+          <a:p>
+            <a:r>
+              <a:rPr lang="en-US" dirty="0" smtClean="0"/>
+              <a:t>The old-fashioned Workflow</a:t>
+            </a:r>
+            <a:endParaRPr lang="en-US" dirty="0"/>
+          </a:p>
+        </p:txBody>
+      </p:sp>
+      <p:sp>
+        <p:nvSpPr>
+          <p:cNvPr id="7" name="Content Placeholder 6"/>
+          <p:cNvSpPr>
+            <a:spLocks noGrp="1"/>
+          </p:cNvSpPr>
+          <p:nvPr>
+            <p:ph idx="1"/>
+          </p:nvPr>
+        </p:nvSpPr>
+        <p:spPr>
+          <a:xfrm>
+            <a:off x="2245175" y="1642548"/>
+            <a:ext cx="6898825" cy="4627637"/>
+          </a:xfrm>
+        </p:spPr>
+        <p:txBody>
+          <a:bodyPr/>
+          <a:lstStyle/>
+          <a:p>
+            <a:r>
+              <a:rPr lang="en-US" dirty="0" smtClean="0"/>
+              <a:t>Find an HTML Boilerplate</a:t>
+            </a:r>
+          </a:p>
+          <a:p>
+            <a:r>
+              <a:rPr lang="en-US" dirty="0" smtClean="0"/>
+              <a:t>Download </a:t>
+            </a:r>
+            <a:r>
+              <a:rPr lang="en-US" dirty="0" smtClean="0"/>
+              <a:t>&amp; add </a:t>
+            </a:r>
+            <a:r>
+              <a:rPr lang="en-US" dirty="0" smtClean="0"/>
+              <a:t>it to project</a:t>
+            </a:r>
+          </a:p>
+          <a:p>
+            <a:r>
+              <a:rPr lang="en-US" dirty="0" smtClean="0"/>
+              <a:t>Find a UI Boilerplate</a:t>
+            </a:r>
+          </a:p>
+          <a:p>
+            <a:r>
+              <a:rPr lang="en-US" dirty="0" smtClean="0"/>
+              <a:t>Download </a:t>
+            </a:r>
+            <a:r>
+              <a:rPr lang="en-US" dirty="0" smtClean="0"/>
+              <a:t>&amp; add </a:t>
+            </a:r>
+            <a:r>
+              <a:rPr lang="en-US" dirty="0" smtClean="0"/>
+              <a:t>it to project</a:t>
+            </a:r>
+          </a:p>
+          <a:p>
+            <a:r>
+              <a:rPr lang="en-US" dirty="0" smtClean="0"/>
+              <a:t>Download project </a:t>
+            </a:r>
+            <a:r>
+              <a:rPr lang="en-US" dirty="0" err="1" smtClean="0"/>
+              <a:t>libs</a:t>
+            </a:r>
+            <a:r>
+              <a:rPr lang="en-US" dirty="0" smtClean="0"/>
+              <a:t>, add '</a:t>
+            </a:r>
+            <a:r>
+              <a:rPr lang="en-US" dirty="0" err="1" smtClean="0"/>
+              <a:t>em</a:t>
+            </a:r>
+            <a:endParaRPr lang="en-US" dirty="0" smtClean="0"/>
+          </a:p>
+          <a:p>
+            <a:r>
+              <a:rPr lang="en-US" dirty="0" smtClean="0"/>
+              <a:t>Copy boilerplate for </a:t>
+            </a:r>
+            <a:r>
+              <a:rPr lang="en-US" dirty="0" err="1" smtClean="0"/>
+              <a:t>models,views</a:t>
+            </a:r>
+            <a:r>
+              <a:rPr lang="en-US" dirty="0" smtClean="0"/>
+              <a:t>, setup</a:t>
+            </a:r>
+          </a:p>
+          <a:p>
+            <a:r>
+              <a:rPr lang="en-US" dirty="0" smtClean="0"/>
+              <a:t>Setup test runner</a:t>
+            </a:r>
+          </a:p>
+          <a:p>
+            <a:r>
+              <a:rPr lang="en-US" dirty="0" smtClean="0"/>
+              <a:t>Setup build process</a:t>
+            </a:r>
+          </a:p>
+          <a:p>
+            <a:r>
+              <a:rPr lang="en-US" dirty="0" smtClean="0"/>
+              <a:t>Write Real Code!</a:t>
+            </a:r>
+          </a:p>
+          <a:p>
+            <a:endParaRPr lang="en-US" dirty="0" smtClean="0"/>
+          </a:p>
+        </p:txBody>
+      </p:sp>
+      <p:pic>
+        <p:nvPicPr>
+          <p:cNvPr id="3074" name="Picture 2" descr="C:\Users\sonvq\Desktop\yeoman-009.png"/>
+          <p:cNvPicPr>
+            <a:picLocks noChangeAspect="1" noChangeArrowheads="1"/>
+          </p:cNvPicPr>
+          <p:nvPr/>
+        </p:nvPicPr>
+        <p:blipFill>
+          <a:blip r:embed="rId3"/>
+          <a:srcRect/>
+          <a:stretch>
+            <a:fillRect/>
+          </a:stretch>
+        </p:blipFill>
+        <p:spPr bwMode="auto">
+          <a:xfrm>
+            <a:off x="0" y="1805833"/>
+            <a:ext cx="2245175" cy="3706181"/>
+          </a:xfrm>
+          <a:prstGeom prst="rect">
+            <a:avLst/>
+          </a:prstGeom>
+          <a:noFill/>
+        </p:spPr>
+      </p:pic>
+    </p:spTree>
+  </p:cSld>
+  <p:clrMapOvr>
+    <a:masterClrMapping/>
+  </p:clrMapOvr>
+  <mc:AlternateContent xmlns:mc="http://schemas.openxmlformats.org/markup-compatibility/2006">
+    <mc:Choice xmlns="" xmlns:p14="http://schemas.microsoft.com/office/powerpoint/2010/main" Requires="p14">
+      <p:transition p14:dur="100">
+        <p:cut/>
+      </p:transition>
+    </mc:Choice>
+    <mc:Fallback>
+      <p:transition>
+        <p:cut/>
+      </p:transition>
+    </mc:Fallback>
+  </mc:AlternateContent>
+  <p:timing>
+    <p:tnLst>
+      <p:par>
+        <p:cTn id="1" dur="indefinite" restart="never" nodeType="tmRoot"/>
+      </p:par>
+    </p:tnLst>
+  </p:timing>
+</p:sld>
+</file>
+
+<file path=ppt/slides/slide8.xml><?xml version="1.0" encoding="utf-8"?>
+<p:sld xmlns:a="http://schemas.openxmlformats.org/drawingml/2006/main" xmlns:r="http://schemas.openxmlformats.org/officeDocument/2006/relationships" xmlns:p="http://schemas.openxmlformats.org/presentationml/2006/main">
+  <p:cSld>
+    <p:spTree>
+      <p:nvGrpSpPr>
+        <p:cNvPr id="1" name=""/>
+        <p:cNvGrpSpPr/>
+        <p:nvPr/>
+      </p:nvGrpSpPr>
+      <p:grpSpPr>
+        <a:xfrm>
+          <a:off x="0" y="0"/>
+          <a:ext cx="0" cy="0"/>
+          <a:chOff x="0" y="0"/>
+          <a:chExt cx="0" cy="0"/>
+        </a:xfrm>
+      </p:grpSpPr>
+      <p:sp>
+        <p:nvSpPr>
+          <p:cNvPr id="2" name="Title 1"/>
+          <p:cNvSpPr>
+            <a:spLocks noGrp="1"/>
+          </p:cNvSpPr>
+          <p:nvPr>
+            <p:ph type="title"/>
+          </p:nvPr>
+        </p:nvSpPr>
+        <p:spPr>
+          <a:xfrm>
+            <a:off x="547396" y="293918"/>
+            <a:ext cx="8229600" cy="739014"/>
+          </a:xfrm>
+        </p:spPr>
+        <p:txBody>
+          <a:bodyPr/>
+          <a:lstStyle/>
+          <a:p>
+            <a:r>
+              <a:rPr lang="en-US" dirty="0" smtClean="0"/>
+              <a:t>Yeoman </a:t>
+            </a:r>
+            <a:r>
+              <a:rPr lang="en-US" dirty="0" smtClean="0"/>
+              <a:t>workflow</a:t>
+            </a:r>
+            <a:endParaRPr lang="en-US" dirty="0"/>
+          </a:p>
+        </p:txBody>
+      </p:sp>
+      <p:pic>
+        <p:nvPicPr>
+          <p:cNvPr id="1027" name="Picture 3" descr="C:\Users\sonvq\Desktop\Untitled.png"/>
+          <p:cNvPicPr>
+            <a:picLocks noChangeAspect="1" noChangeArrowheads="1"/>
+          </p:cNvPicPr>
+          <p:nvPr/>
+        </p:nvPicPr>
+        <p:blipFill>
+          <a:blip r:embed="rId3"/>
+          <a:srcRect/>
+          <a:stretch>
+            <a:fillRect/>
+          </a:stretch>
+        </p:blipFill>
+        <p:spPr bwMode="auto">
+          <a:xfrm>
+            <a:off x="805840" y="1175656"/>
+            <a:ext cx="7572466" cy="5540829"/>
+          </a:xfrm>
+          <a:prstGeom prst="rect">
+            <a:avLst/>
+          </a:prstGeom>
+          <a:noFill/>
+          <a:ln>
+            <a:solidFill>
+              <a:schemeClr val="accent1"/>
+            </a:solidFill>
+          </a:ln>
+        </p:spPr>
+      </p:pic>
+    </p:spTree>
+  </p:cSld>
+  <p:clrMapOvr>
+    <a:masterClrMapping/>
+  </p:clrMapOvr>
+  <mc:AlternateContent xmlns:mc="http://schemas.openxmlformats.org/markup-compatibility/2006">
+    <mc:Choice xmlns="" xmlns:p14="http://schemas.microsoft.com/office/powerpoint/2010/main" Requires="p14">
+      <p:transition p14:dur="100">
+        <p:cut/>
+      </p:transition>
+    </mc:Choice>
+    <mc:Fallback>
+      <p:transition>
+        <p:cut/>
+      </p:transition>
+    </mc:Fallback>
+  </mc:AlternateContent>
+  <p:timing>
+    <p:tnLst>
+      <p:par>
+        <p:cTn id="1" dur="indefinite" restart="never" nodeType="tmRoot"/>
+      </p:par>
+    </p:tnLst>
+  </p:timing>
+</p:sld>
+</file>
+
+<file path=ppt/slides/slide9.xml><?xml version="1.0" encoding="utf-8"?>
+<p:sld xmlns:a="http://schemas.openxmlformats.org/drawingml/2006/main" xmlns:r="http://schemas.openxmlformats.org/officeDocument/2006/relationships" xmlns:p="http://schemas.openxmlformats.org/presentationml/2006/main">
+  <p:cSld>
+    <p:spTree>
+      <p:nvGrpSpPr>
+        <p:cNvPr id="1" name=""/>
+        <p:cNvGrpSpPr/>
+        <p:nvPr/>
+      </p:nvGrpSpPr>
+      <p:grpSpPr>
+        <a:xfrm>
+          <a:off x="0" y="0"/>
+          <a:ext cx="0" cy="0"/>
+          <a:chOff x="0" y="0"/>
+          <a:chExt cx="0" cy="0"/>
+        </a:xfrm>
+      </p:grpSpPr>
+      <p:sp>
+        <p:nvSpPr>
+          <p:cNvPr id="2" name="Title 1"/>
+          <p:cNvSpPr>
+            <a:spLocks noGrp="1"/>
+          </p:cNvSpPr>
+          <p:nvPr>
+            <p:ph type="title"/>
+          </p:nvPr>
+        </p:nvSpPr>
+        <p:spPr>
+          <a:xfrm>
+            <a:off x="547396" y="621700"/>
+            <a:ext cx="8229600" cy="739014"/>
+          </a:xfrm>
+        </p:spPr>
+        <p:txBody>
+          <a:bodyPr/>
+          <a:lstStyle/>
+          <a:p>
+            <a:r>
+              <a:rPr lang="en-US" dirty="0" smtClean="0"/>
+              <a:t>Is yeoman better?</a:t>
+            </a:r>
+            <a:endParaRPr lang="en-US" dirty="0"/>
+          </a:p>
+        </p:txBody>
+      </p:sp>
+      <p:sp>
+        <p:nvSpPr>
+          <p:cNvPr id="7" name="Content Placeholder 6"/>
+          <p:cNvSpPr>
+            <a:spLocks noGrp="1"/>
+          </p:cNvSpPr>
+          <p:nvPr>
+            <p:ph idx="1"/>
+          </p:nvPr>
+        </p:nvSpPr>
+        <p:spPr>
+          <a:xfrm>
+            <a:off x="547396" y="1794952"/>
+            <a:ext cx="8400660" cy="4627637"/>
+          </a:xfrm>
+        </p:spPr>
+        <p:txBody>
+          <a:bodyPr/>
+          <a:lstStyle/>
+          <a:p>
+            <a:r>
+              <a:rPr lang="en-US" dirty="0" smtClean="0"/>
+              <a:t>HTML5 Boilerplate</a:t>
+            </a:r>
+          </a:p>
+          <a:p>
+            <a:r>
+              <a:rPr lang="en-US" dirty="0" smtClean="0"/>
+              <a:t>Twitter Bootstrap</a:t>
+            </a:r>
+          </a:p>
+          <a:p>
+            <a:r>
+              <a:rPr lang="en-US" dirty="0" err="1" smtClean="0"/>
+              <a:t>AngularJS</a:t>
+            </a:r>
+            <a:endParaRPr lang="en-US" dirty="0" smtClean="0"/>
+          </a:p>
+          <a:p>
+            <a:r>
+              <a:rPr lang="en-US" dirty="0" smtClean="0"/>
+              <a:t>Karma </a:t>
+            </a:r>
+            <a:r>
+              <a:rPr lang="en-US" dirty="0" err="1" smtClean="0"/>
+              <a:t>Testrunner</a:t>
+            </a:r>
+            <a:endParaRPr lang="en-US" dirty="0" smtClean="0"/>
+          </a:p>
+          <a:p>
+            <a:r>
+              <a:rPr lang="en-US" dirty="0" smtClean="0"/>
+              <a:t>Scaffolding for Models, Directives, Routes, Views, Values, Constants, Services, Factories, ...</a:t>
+            </a:r>
+          </a:p>
+          <a:p>
+            <a:r>
+              <a:rPr lang="en-US" dirty="0" smtClean="0"/>
+              <a:t>DI-aware JavaScript </a:t>
+            </a:r>
+            <a:r>
+              <a:rPr lang="en-US" dirty="0" err="1" smtClean="0"/>
+              <a:t>minification</a:t>
+            </a:r>
+            <a:endParaRPr lang="en-US" dirty="0" smtClean="0"/>
+          </a:p>
+          <a:p>
+            <a:r>
+              <a:rPr lang="en-US" dirty="0" err="1" smtClean="0"/>
+              <a:t>CoffeeScript</a:t>
+            </a:r>
+            <a:r>
+              <a:rPr lang="en-US" dirty="0" smtClean="0"/>
+              <a:t> support</a:t>
+            </a:r>
+          </a:p>
+          <a:p>
+            <a:endParaRPr lang="en-US" dirty="0" smtClean="0"/>
+          </a:p>
+        </p:txBody>
+      </p:sp>
+      <p:pic>
+        <p:nvPicPr>
+          <p:cNvPr id="2051" name="Picture 3" descr="C:\Users\sonvq\Desktop\yeoman-005.7396b844a9.png"/>
+          <p:cNvPicPr>
+            <a:picLocks noChangeAspect="1" noChangeArrowheads="1"/>
+          </p:cNvPicPr>
+          <p:nvPr/>
+        </p:nvPicPr>
+        <p:blipFill>
+          <a:blip r:embed="rId3"/>
+          <a:srcRect/>
+          <a:stretch>
+            <a:fillRect/>
+          </a:stretch>
+        </p:blipFill>
+        <p:spPr bwMode="auto">
+          <a:xfrm>
+            <a:off x="6506259" y="-217717"/>
+            <a:ext cx="2825996" cy="3999140"/>
+          </a:xfrm>
+          <a:prstGeom prst="rect">
+            <a:avLst/>
+          </a:prstGeom>
+          <a:noFill/>
+        </p:spPr>
+      </p:pic>
+    </p:spTree>
   </p:cSld>
   <p:clrMapOvr>
     <a:masterClrMapping/>
